--- a/Project Documentation/Demos/Nanoteq Demo/demo_nanoteq.pptx
+++ b/Project Documentation/Demos/Nanoteq Demo/demo_nanoteq.pptx
@@ -6,11 +6,14 @@
   </p:sldMasterIdLst>
   <p:sldIdLst>
     <p:sldId id="256" r:id="rId2"/>
-    <p:sldId id="261" r:id="rId3"/>
-    <p:sldId id="258" r:id="rId4"/>
-    <p:sldId id="257" r:id="rId5"/>
-    <p:sldId id="259" r:id="rId6"/>
-    <p:sldId id="260" r:id="rId7"/>
+    <p:sldId id="262" r:id="rId3"/>
+    <p:sldId id="263" r:id="rId4"/>
+    <p:sldId id="261" r:id="rId5"/>
+    <p:sldId id="258" r:id="rId6"/>
+    <p:sldId id="264" r:id="rId7"/>
+    <p:sldId id="257" r:id="rId8"/>
+    <p:sldId id="259" r:id="rId9"/>
+    <p:sldId id="260" r:id="rId10"/>
   </p:sldIdLst>
   <p:sldSz cx="12192000" cy="6858000"/>
   <p:notesSz cx="6858000" cy="9144000"/>
@@ -109,6 +112,11 @@
       </a:defRPr>
     </a:lvl9pPr>
   </p:defaultTextStyle>
+  <p:extLst>
+    <p:ext uri="{EFAFB233-063F-42B5-8137-9DF3F51BA10A}">
+      <p15:sldGuideLst xmlns:p15="http://schemas.microsoft.com/office/powerpoint/2012/main"/>
+    </p:ext>
+  </p:extLst>
 </p:presentation>
 </file>
 
@@ -943,6 +951,13 @@
         </dgm:presLayoutVars>
       </dgm:prSet>
       <dgm:spPr/>
+      <dgm:t>
+        <a:bodyPr/>
+        <a:lstStyle/>
+        <a:p>
+          <a:endParaRPr lang="en-GB"/>
+        </a:p>
+      </dgm:t>
     </dgm:pt>
     <dgm:pt modelId="{82BC54AD-2344-430B-AF47-8C9B69881466}" type="pres">
       <dgm:prSet presAssocID="{B6A53932-AA33-4974-A5D4-F17D81FB4F2A}" presName="node" presStyleLbl="node1" presStyleIdx="0" presStyleCnt="1" custScaleX="110000" custScaleY="100094">
@@ -2395,7 +2410,7 @@
           <a:noFill/>
           <a:extLst>
             <a:ext uri="{909E8E84-426E-40dd-AFC4-6F175D3DCCD1}">
-              <a14:hiddenFill xmlns:a14="http://schemas.microsoft.com/office/drawing/2010/main" xmlns="">
+              <a14:hiddenFill xmlns="" xmlns:a14="http://schemas.microsoft.com/office/drawing/2010/main">
                 <a:solidFill>
                   <a:srgbClr val="FFFFFF"/>
                 </a:solidFill>
@@ -2455,7 +2470,7 @@
             </a:ln>
             <a:extLst>
               <a:ext uri="{91240B29-F687-4f45-9708-019B960494DF}">
-                <a14:hiddenLine xmlns:a14="http://schemas.microsoft.com/office/drawing/2010/main" xmlns="" w="9525">
+                <a14:hiddenLine xmlns="" xmlns:a14="http://schemas.microsoft.com/office/drawing/2010/main" w="9525">
                   <a:solidFill>
                     <a:srgbClr val="000000"/>
                   </a:solidFill>
@@ -2545,7 +2560,7 @@
             </a:ln>
             <a:extLst>
               <a:ext uri="{91240B29-F687-4f45-9708-019B960494DF}">
-                <a14:hiddenLine xmlns:a14="http://schemas.microsoft.com/office/drawing/2010/main" xmlns="" w="9525">
+                <a14:hiddenLine xmlns="" xmlns:a14="http://schemas.microsoft.com/office/drawing/2010/main" w="9525">
                   <a:solidFill>
                     <a:srgbClr val="000000"/>
                   </a:solidFill>
@@ -2635,7 +2650,7 @@
             </a:ln>
             <a:extLst>
               <a:ext uri="{91240B29-F687-4f45-9708-019B960494DF}">
-                <a14:hiddenLine xmlns:a14="http://schemas.microsoft.com/office/drawing/2010/main" xmlns="" w="9525">
+                <a14:hiddenLine xmlns="" xmlns:a14="http://schemas.microsoft.com/office/drawing/2010/main" w="9525">
                   <a:solidFill>
                     <a:srgbClr val="000000"/>
                   </a:solidFill>
@@ -2669,7 +2684,7 @@
             </a:ln>
             <a:extLst>
               <a:ext uri="{91240B29-F687-4f45-9708-019B960494DF}">
-                <a14:hiddenLine xmlns:a14="http://schemas.microsoft.com/office/drawing/2010/main" xmlns="" w="9525">
+                <a14:hiddenLine xmlns="" xmlns:a14="http://schemas.microsoft.com/office/drawing/2010/main" w="9525">
                   <a:solidFill>
                     <a:srgbClr val="000000"/>
                   </a:solidFill>
@@ -2759,7 +2774,7 @@
             </a:ln>
             <a:extLst>
               <a:ext uri="{91240B29-F687-4f45-9708-019B960494DF}">
-                <a14:hiddenLine xmlns:a14="http://schemas.microsoft.com/office/drawing/2010/main" xmlns="" w="9525">
+                <a14:hiddenLine xmlns="" xmlns:a14="http://schemas.microsoft.com/office/drawing/2010/main" w="9525">
                   <a:solidFill>
                     <a:srgbClr val="000000"/>
                   </a:solidFill>
@@ -2821,7 +2836,7 @@
             </a:ln>
             <a:extLst>
               <a:ext uri="{91240B29-F687-4f45-9708-019B960494DF}">
-                <a14:hiddenLine xmlns:a14="http://schemas.microsoft.com/office/drawing/2010/main" xmlns="" w="9525">
+                <a14:hiddenLine xmlns="" xmlns:a14="http://schemas.microsoft.com/office/drawing/2010/main" w="9525">
                   <a:solidFill>
                     <a:srgbClr val="000000"/>
                   </a:solidFill>
@@ -2883,7 +2898,7 @@
             </a:ln>
             <a:extLst>
               <a:ext uri="{91240B29-F687-4f45-9708-019B960494DF}">
-                <a14:hiddenLine xmlns:a14="http://schemas.microsoft.com/office/drawing/2010/main" xmlns="" w="9525">
+                <a14:hiddenLine xmlns="" xmlns:a14="http://schemas.microsoft.com/office/drawing/2010/main" w="9525">
                   <a:solidFill>
                     <a:srgbClr val="000000"/>
                   </a:solidFill>
@@ -2973,7 +2988,7 @@
             </a:ln>
             <a:extLst>
               <a:ext uri="{91240B29-F687-4f45-9708-019B960494DF}">
-                <a14:hiddenLine xmlns:a14="http://schemas.microsoft.com/office/drawing/2010/main" xmlns="" w="9525">
+                <a14:hiddenLine xmlns="" xmlns:a14="http://schemas.microsoft.com/office/drawing/2010/main" w="9525">
                   <a:solidFill>
                     <a:srgbClr val="000000"/>
                   </a:solidFill>
@@ -3035,7 +3050,7 @@
             </a:ln>
             <a:extLst>
               <a:ext uri="{91240B29-F687-4f45-9708-019B960494DF}">
-                <a14:hiddenLine xmlns:a14="http://schemas.microsoft.com/office/drawing/2010/main" xmlns="" w="9525">
+                <a14:hiddenLine xmlns="" xmlns:a14="http://schemas.microsoft.com/office/drawing/2010/main" w="9525">
                   <a:solidFill>
                     <a:srgbClr val="000000"/>
                   </a:solidFill>
@@ -3097,7 +3112,7 @@
             </a:ln>
             <a:extLst>
               <a:ext uri="{91240B29-F687-4f45-9708-019B960494DF}">
-                <a14:hiddenLine xmlns:a14="http://schemas.microsoft.com/office/drawing/2010/main" xmlns="" w="9525">
+                <a14:hiddenLine xmlns="" xmlns:a14="http://schemas.microsoft.com/office/drawing/2010/main" w="9525">
                   <a:solidFill>
                     <a:srgbClr val="000000"/>
                   </a:solidFill>
@@ -3187,7 +3202,7 @@
             </a:ln>
             <a:extLst>
               <a:ext uri="{91240B29-F687-4f45-9708-019B960494DF}">
-                <a14:hiddenLine xmlns:a14="http://schemas.microsoft.com/office/drawing/2010/main" xmlns="" w="9525">
+                <a14:hiddenLine xmlns="" xmlns:a14="http://schemas.microsoft.com/office/drawing/2010/main" w="9525">
                   <a:solidFill>
                     <a:srgbClr val="000000"/>
                   </a:solidFill>
@@ -3277,7 +3292,7 @@
             </a:ln>
             <a:extLst>
               <a:ext uri="{91240B29-F687-4f45-9708-019B960494DF}">
-                <a14:hiddenLine xmlns:a14="http://schemas.microsoft.com/office/drawing/2010/main" xmlns="" w="9525">
+                <a14:hiddenLine xmlns="" xmlns:a14="http://schemas.microsoft.com/office/drawing/2010/main" w="9525">
                   <a:solidFill>
                     <a:srgbClr val="000000"/>
                   </a:solidFill>
@@ -3339,7 +3354,7 @@
             </a:ln>
             <a:extLst>
               <a:ext uri="{91240B29-F687-4f45-9708-019B960494DF}">
-                <a14:hiddenLine xmlns:a14="http://schemas.microsoft.com/office/drawing/2010/main" xmlns="" w="9525">
+                <a14:hiddenLine xmlns="" xmlns:a14="http://schemas.microsoft.com/office/drawing/2010/main" w="9525">
                   <a:solidFill>
                     <a:srgbClr val="000000"/>
                   </a:solidFill>
@@ -3449,7 +3464,7 @@
             </a:ln>
             <a:extLst>
               <a:ext uri="{91240B29-F687-4f45-9708-019B960494DF}">
-                <a14:hiddenLine xmlns:a14="http://schemas.microsoft.com/office/drawing/2010/main" xmlns="" w="9525">
+                <a14:hiddenLine xmlns="" xmlns:a14="http://schemas.microsoft.com/office/drawing/2010/main" w="9525">
                   <a:solidFill>
                     <a:srgbClr val="000000"/>
                   </a:solidFill>
@@ -3511,7 +3526,7 @@
             </a:ln>
             <a:extLst>
               <a:ext uri="{91240B29-F687-4f45-9708-019B960494DF}">
-                <a14:hiddenLine xmlns:a14="http://schemas.microsoft.com/office/drawing/2010/main" xmlns="" w="9525">
+                <a14:hiddenLine xmlns="" xmlns:a14="http://schemas.microsoft.com/office/drawing/2010/main" w="9525">
                   <a:solidFill>
                     <a:srgbClr val="000000"/>
                   </a:solidFill>
@@ -3601,7 +3616,7 @@
             </a:ln>
             <a:extLst>
               <a:ext uri="{91240B29-F687-4f45-9708-019B960494DF}">
-                <a14:hiddenLine xmlns:a14="http://schemas.microsoft.com/office/drawing/2010/main" xmlns="" w="9525">
+                <a14:hiddenLine xmlns="" xmlns:a14="http://schemas.microsoft.com/office/drawing/2010/main" w="9525">
                   <a:solidFill>
                     <a:srgbClr val="000000"/>
                   </a:solidFill>
@@ -3691,7 +3706,7 @@
             </a:ln>
             <a:extLst>
               <a:ext uri="{91240B29-F687-4f45-9708-019B960494DF}">
-                <a14:hiddenLine xmlns:a14="http://schemas.microsoft.com/office/drawing/2010/main" xmlns="" w="9525">
+                <a14:hiddenLine xmlns="" xmlns:a14="http://schemas.microsoft.com/office/drawing/2010/main" w="9525">
                   <a:solidFill>
                     <a:srgbClr val="000000"/>
                   </a:solidFill>
@@ -3753,7 +3768,7 @@
             </a:ln>
             <a:extLst>
               <a:ext uri="{91240B29-F687-4f45-9708-019B960494DF}">
-                <a14:hiddenLine xmlns:a14="http://schemas.microsoft.com/office/drawing/2010/main" xmlns="" w="9525">
+                <a14:hiddenLine xmlns="" xmlns:a14="http://schemas.microsoft.com/office/drawing/2010/main" w="9525">
                   <a:solidFill>
                     <a:srgbClr val="000000"/>
                   </a:solidFill>
@@ -3843,7 +3858,7 @@
             </a:ln>
             <a:extLst>
               <a:ext uri="{91240B29-F687-4f45-9708-019B960494DF}">
-                <a14:hiddenLine xmlns:a14="http://schemas.microsoft.com/office/drawing/2010/main" xmlns="" w="9525">
+                <a14:hiddenLine xmlns="" xmlns:a14="http://schemas.microsoft.com/office/drawing/2010/main" w="9525">
                   <a:solidFill>
                     <a:srgbClr val="000000"/>
                   </a:solidFill>
@@ -3933,7 +3948,7 @@
             </a:ln>
             <a:extLst>
               <a:ext uri="{91240B29-F687-4f45-9708-019B960494DF}">
-                <a14:hiddenLine xmlns:a14="http://schemas.microsoft.com/office/drawing/2010/main" xmlns="" w="9525">
+                <a14:hiddenLine xmlns="" xmlns:a14="http://schemas.microsoft.com/office/drawing/2010/main" w="9525">
                   <a:solidFill>
                     <a:srgbClr val="000000"/>
                   </a:solidFill>
@@ -3989,7 +4004,7 @@
             </a:ln>
             <a:extLst>
               <a:ext uri="{91240B29-F687-4f45-9708-019B960494DF}">
-                <a14:hiddenLine xmlns:a14="http://schemas.microsoft.com/office/drawing/2010/main" xmlns="" w="9525">
+                <a14:hiddenLine xmlns="" xmlns:a14="http://schemas.microsoft.com/office/drawing/2010/main" w="9525">
                   <a:solidFill>
                     <a:srgbClr val="000000"/>
                   </a:solidFill>
@@ -4079,7 +4094,7 @@
             </a:ln>
             <a:extLst>
               <a:ext uri="{91240B29-F687-4f45-9708-019B960494DF}">
-                <a14:hiddenLine xmlns:a14="http://schemas.microsoft.com/office/drawing/2010/main" xmlns="" w="9525">
+                <a14:hiddenLine xmlns="" xmlns:a14="http://schemas.microsoft.com/office/drawing/2010/main" w="9525">
                   <a:solidFill>
                     <a:srgbClr val="000000"/>
                   </a:solidFill>
@@ -4135,7 +4150,7 @@
             </a:ln>
             <a:extLst>
               <a:ext uri="{91240B29-F687-4f45-9708-019B960494DF}">
-                <a14:hiddenLine xmlns:a14="http://schemas.microsoft.com/office/drawing/2010/main" xmlns="" w="9525">
+                <a14:hiddenLine xmlns="" xmlns:a14="http://schemas.microsoft.com/office/drawing/2010/main" w="9525">
                   <a:solidFill>
                     <a:srgbClr val="000000"/>
                   </a:solidFill>
@@ -4225,7 +4240,7 @@
             </a:ln>
             <a:extLst>
               <a:ext uri="{91240B29-F687-4f45-9708-019B960494DF}">
-                <a14:hiddenLine xmlns:a14="http://schemas.microsoft.com/office/drawing/2010/main" xmlns="" w="9525">
+                <a14:hiddenLine xmlns="" xmlns:a14="http://schemas.microsoft.com/office/drawing/2010/main" w="9525">
                   <a:solidFill>
                     <a:srgbClr val="000000"/>
                   </a:solidFill>
@@ -4293,7 +4308,7 @@
             </a:ln>
             <a:extLst>
               <a:ext uri="{91240B29-F687-4f45-9708-019B960494DF}">
-                <a14:hiddenLine xmlns:a14="http://schemas.microsoft.com/office/drawing/2010/main" xmlns="" w="9525">
+                <a14:hiddenLine xmlns="" xmlns:a14="http://schemas.microsoft.com/office/drawing/2010/main" w="9525">
                   <a:solidFill>
                     <a:srgbClr val="000000"/>
                   </a:solidFill>
@@ -4383,7 +4398,7 @@
             </a:ln>
             <a:extLst>
               <a:ext uri="{91240B29-F687-4f45-9708-019B960494DF}">
-                <a14:hiddenLine xmlns:a14="http://schemas.microsoft.com/office/drawing/2010/main" xmlns="" w="9525">
+                <a14:hiddenLine xmlns="" xmlns:a14="http://schemas.microsoft.com/office/drawing/2010/main" w="9525">
                   <a:solidFill>
                     <a:srgbClr val="000000"/>
                   </a:solidFill>
@@ -4451,7 +4466,7 @@
             </a:ln>
             <a:extLst>
               <a:ext uri="{91240B29-F687-4f45-9708-019B960494DF}">
-                <a14:hiddenLine xmlns:a14="http://schemas.microsoft.com/office/drawing/2010/main" xmlns="" w="9525">
+                <a14:hiddenLine xmlns="" xmlns:a14="http://schemas.microsoft.com/office/drawing/2010/main" w="9525">
                   <a:solidFill>
                     <a:srgbClr val="000000"/>
                   </a:solidFill>
@@ -4541,7 +4556,7 @@
             </a:ln>
             <a:extLst>
               <a:ext uri="{91240B29-F687-4f45-9708-019B960494DF}">
-                <a14:hiddenLine xmlns:a14="http://schemas.microsoft.com/office/drawing/2010/main" xmlns="" w="9525">
+                <a14:hiddenLine xmlns="" xmlns:a14="http://schemas.microsoft.com/office/drawing/2010/main" w="9525">
                   <a:solidFill>
                     <a:srgbClr val="000000"/>
                   </a:solidFill>
@@ -4575,7 +4590,7 @@
             </a:ln>
             <a:extLst>
               <a:ext uri="{91240B29-F687-4f45-9708-019B960494DF}">
-                <a14:hiddenLine xmlns:a14="http://schemas.microsoft.com/office/drawing/2010/main" xmlns="" w="9525">
+                <a14:hiddenLine xmlns="" xmlns:a14="http://schemas.microsoft.com/office/drawing/2010/main" w="9525">
                   <a:solidFill>
                     <a:srgbClr val="000000"/>
                   </a:solidFill>
@@ -4665,7 +4680,7 @@
             </a:ln>
             <a:extLst>
               <a:ext uri="{91240B29-F687-4f45-9708-019B960494DF}">
-                <a14:hiddenLine xmlns:a14="http://schemas.microsoft.com/office/drawing/2010/main" xmlns="" w="9525">
+                <a14:hiddenLine xmlns="" xmlns:a14="http://schemas.microsoft.com/office/drawing/2010/main" w="9525">
                   <a:solidFill>
                     <a:srgbClr val="000000"/>
                   </a:solidFill>
@@ -4727,7 +4742,7 @@
             </a:ln>
             <a:extLst>
               <a:ext uri="{91240B29-F687-4f45-9708-019B960494DF}">
-                <a14:hiddenLine xmlns:a14="http://schemas.microsoft.com/office/drawing/2010/main" xmlns="" w="9525">
+                <a14:hiddenLine xmlns="" xmlns:a14="http://schemas.microsoft.com/office/drawing/2010/main" w="9525">
                   <a:solidFill>
                     <a:srgbClr val="000000"/>
                   </a:solidFill>
@@ -4789,7 +4804,7 @@
             </a:ln>
             <a:extLst>
               <a:ext uri="{91240B29-F687-4f45-9708-019B960494DF}">
-                <a14:hiddenLine xmlns:a14="http://schemas.microsoft.com/office/drawing/2010/main" xmlns="" w="9525">
+                <a14:hiddenLine xmlns="" xmlns:a14="http://schemas.microsoft.com/office/drawing/2010/main" w="9525">
                   <a:solidFill>
                     <a:srgbClr val="000000"/>
                   </a:solidFill>
@@ -4879,7 +4894,7 @@
             </a:ln>
             <a:extLst>
               <a:ext uri="{91240B29-F687-4f45-9708-019B960494DF}">
-                <a14:hiddenLine xmlns:a14="http://schemas.microsoft.com/office/drawing/2010/main" xmlns="" w="9525">
+                <a14:hiddenLine xmlns="" xmlns:a14="http://schemas.microsoft.com/office/drawing/2010/main" w="9525">
                   <a:solidFill>
                     <a:srgbClr val="000000"/>
                   </a:solidFill>
@@ -4947,7 +4962,7 @@
             </a:ln>
             <a:extLst>
               <a:ext uri="{91240B29-F687-4f45-9708-019B960494DF}">
-                <a14:hiddenLine xmlns:a14="http://schemas.microsoft.com/office/drawing/2010/main" xmlns="" w="9525">
+                <a14:hiddenLine xmlns="" xmlns:a14="http://schemas.microsoft.com/office/drawing/2010/main" w="9525">
                   <a:solidFill>
                     <a:srgbClr val="000000"/>
                   </a:solidFill>
@@ -5009,7 +5024,7 @@
             </a:ln>
             <a:extLst>
               <a:ext uri="{91240B29-F687-4f45-9708-019B960494DF}">
-                <a14:hiddenLine xmlns:a14="http://schemas.microsoft.com/office/drawing/2010/main" xmlns="" w="9525">
+                <a14:hiddenLine xmlns="" xmlns:a14="http://schemas.microsoft.com/office/drawing/2010/main" w="9525">
                   <a:solidFill>
                     <a:srgbClr val="000000"/>
                   </a:solidFill>
@@ -5099,7 +5114,7 @@
             </a:ln>
             <a:extLst>
               <a:ext uri="{91240B29-F687-4f45-9708-019B960494DF}">
-                <a14:hiddenLine xmlns:a14="http://schemas.microsoft.com/office/drawing/2010/main" xmlns="" w="9525">
+                <a14:hiddenLine xmlns="" xmlns:a14="http://schemas.microsoft.com/office/drawing/2010/main" w="9525">
                   <a:solidFill>
                     <a:srgbClr val="000000"/>
                   </a:solidFill>
@@ -5161,7 +5176,7 @@
             </a:ln>
             <a:extLst>
               <a:ext uri="{91240B29-F687-4f45-9708-019B960494DF}">
-                <a14:hiddenLine xmlns:a14="http://schemas.microsoft.com/office/drawing/2010/main" xmlns="" w="9525">
+                <a14:hiddenLine xmlns="" xmlns:a14="http://schemas.microsoft.com/office/drawing/2010/main" w="9525">
                   <a:solidFill>
                     <a:srgbClr val="000000"/>
                   </a:solidFill>
@@ -5251,7 +5266,7 @@
             </a:ln>
             <a:extLst>
               <a:ext uri="{91240B29-F687-4f45-9708-019B960494DF}">
-                <a14:hiddenLine xmlns:a14="http://schemas.microsoft.com/office/drawing/2010/main" xmlns="" w="9525">
+                <a14:hiddenLine xmlns="" xmlns:a14="http://schemas.microsoft.com/office/drawing/2010/main" w="9525">
                   <a:solidFill>
                     <a:srgbClr val="000000"/>
                   </a:solidFill>
@@ -5313,7 +5328,7 @@
             </a:ln>
             <a:extLst>
               <a:ext uri="{91240B29-F687-4f45-9708-019B960494DF}">
-                <a14:hiddenLine xmlns:a14="http://schemas.microsoft.com/office/drawing/2010/main" xmlns="" w="9525">
+                <a14:hiddenLine xmlns="" xmlns:a14="http://schemas.microsoft.com/office/drawing/2010/main" w="9525">
                   <a:solidFill>
                     <a:srgbClr val="000000"/>
                   </a:solidFill>
@@ -5403,7 +5418,7 @@
             </a:ln>
             <a:extLst>
               <a:ext uri="{91240B29-F687-4f45-9708-019B960494DF}">
-                <a14:hiddenLine xmlns:a14="http://schemas.microsoft.com/office/drawing/2010/main" xmlns="" w="9525">
+                <a14:hiddenLine xmlns="" xmlns:a14="http://schemas.microsoft.com/office/drawing/2010/main" w="9525">
                   <a:solidFill>
                     <a:srgbClr val="000000"/>
                   </a:solidFill>
@@ -5437,7 +5452,7 @@
             </a:ln>
             <a:extLst>
               <a:ext uri="{91240B29-F687-4f45-9708-019B960494DF}">
-                <a14:hiddenLine xmlns:a14="http://schemas.microsoft.com/office/drawing/2010/main" xmlns="" w="9525">
+                <a14:hiddenLine xmlns="" xmlns:a14="http://schemas.microsoft.com/office/drawing/2010/main" w="9525">
                   <a:solidFill>
                     <a:srgbClr val="000000"/>
                   </a:solidFill>
@@ -5502,7 +5517,7 @@
             </a:ln>
             <a:extLst>
               <a:ext uri="{91240B29-F687-4f45-9708-019B960494DF}">
-                <a14:hiddenLine xmlns:a14="http://schemas.microsoft.com/office/drawing/2010/main" xmlns="" w="9525">
+                <a14:hiddenLine xmlns="" xmlns:a14="http://schemas.microsoft.com/office/drawing/2010/main" w="9525">
                   <a:solidFill>
                     <a:srgbClr val="000000"/>
                   </a:solidFill>
@@ -5592,7 +5607,7 @@
             </a:ln>
             <a:extLst>
               <a:ext uri="{91240B29-F687-4f45-9708-019B960494DF}">
-                <a14:hiddenLine xmlns:a14="http://schemas.microsoft.com/office/drawing/2010/main" xmlns="" w="9525">
+                <a14:hiddenLine xmlns="" xmlns:a14="http://schemas.microsoft.com/office/drawing/2010/main" w="9525">
                   <a:solidFill>
                     <a:srgbClr val="000000"/>
                   </a:solidFill>
@@ -5654,7 +5669,7 @@
             </a:ln>
             <a:extLst>
               <a:ext uri="{91240B29-F687-4f45-9708-019B960494DF}">
-                <a14:hiddenLine xmlns:a14="http://schemas.microsoft.com/office/drawing/2010/main" xmlns="" w="9525">
+                <a14:hiddenLine xmlns="" xmlns:a14="http://schemas.microsoft.com/office/drawing/2010/main" w="9525">
                   <a:solidFill>
                     <a:srgbClr val="000000"/>
                   </a:solidFill>
@@ -5744,7 +5759,7 @@
             </a:ln>
             <a:extLst>
               <a:ext uri="{91240B29-F687-4f45-9708-019B960494DF}">
-                <a14:hiddenLine xmlns:a14="http://schemas.microsoft.com/office/drawing/2010/main" xmlns="" w="9525">
+                <a14:hiddenLine xmlns="" xmlns:a14="http://schemas.microsoft.com/office/drawing/2010/main" w="9525">
                   <a:solidFill>
                     <a:srgbClr val="000000"/>
                   </a:solidFill>
@@ -5834,7 +5849,7 @@
             </a:ln>
             <a:extLst>
               <a:ext uri="{91240B29-F687-4f45-9708-019B960494DF}">
-                <a14:hiddenLine xmlns:a14="http://schemas.microsoft.com/office/drawing/2010/main" xmlns="" w="9525">
+                <a14:hiddenLine xmlns="" xmlns:a14="http://schemas.microsoft.com/office/drawing/2010/main" w="9525">
                   <a:solidFill>
                     <a:srgbClr val="000000"/>
                   </a:solidFill>
@@ -5899,7 +5914,7 @@
             </a:ln>
             <a:extLst>
               <a:ext uri="{91240B29-F687-4f45-9708-019B960494DF}">
-                <a14:hiddenLine xmlns:a14="http://schemas.microsoft.com/office/drawing/2010/main" xmlns="" w="9525">
+                <a14:hiddenLine xmlns="" xmlns:a14="http://schemas.microsoft.com/office/drawing/2010/main" w="9525">
                   <a:solidFill>
                     <a:srgbClr val="000000"/>
                   </a:solidFill>
@@ -5961,7 +5976,7 @@
             </a:ln>
             <a:extLst>
               <a:ext uri="{91240B29-F687-4f45-9708-019B960494DF}">
-                <a14:hiddenLine xmlns:a14="http://schemas.microsoft.com/office/drawing/2010/main" xmlns="" w="9525">
+                <a14:hiddenLine xmlns="" xmlns:a14="http://schemas.microsoft.com/office/drawing/2010/main" w="9525">
                   <a:solidFill>
                     <a:srgbClr val="000000"/>
                   </a:solidFill>
@@ -6051,7 +6066,7 @@
             </a:ln>
             <a:extLst>
               <a:ext uri="{91240B29-F687-4f45-9708-019B960494DF}">
-                <a14:hiddenLine xmlns:a14="http://schemas.microsoft.com/office/drawing/2010/main" xmlns="" w="9525">
+                <a14:hiddenLine xmlns="" xmlns:a14="http://schemas.microsoft.com/office/drawing/2010/main" w="9525">
                   <a:solidFill>
                     <a:srgbClr val="000000"/>
                   </a:solidFill>
@@ -6141,7 +6156,7 @@
             </a:ln>
             <a:extLst>
               <a:ext uri="{91240B29-F687-4f45-9708-019B960494DF}">
-                <a14:hiddenLine xmlns:a14="http://schemas.microsoft.com/office/drawing/2010/main" xmlns="" w="9525">
+                <a14:hiddenLine xmlns="" xmlns:a14="http://schemas.microsoft.com/office/drawing/2010/main" w="9525">
                   <a:solidFill>
                     <a:srgbClr val="000000"/>
                   </a:solidFill>
@@ -6203,7 +6218,7 @@
             </a:ln>
             <a:extLst>
               <a:ext uri="{91240B29-F687-4f45-9708-019B960494DF}">
-                <a14:hiddenLine xmlns:a14="http://schemas.microsoft.com/office/drawing/2010/main" xmlns="" w="9525">
+                <a14:hiddenLine xmlns="" xmlns:a14="http://schemas.microsoft.com/office/drawing/2010/main" w="9525">
                   <a:solidFill>
                     <a:srgbClr val="000000"/>
                   </a:solidFill>
@@ -6323,7 +6338,7 @@
             </a:ln>
             <a:extLst>
               <a:ext uri="{91240B29-F687-4f45-9708-019B960494DF}">
-                <a14:hiddenLine xmlns:a14="http://schemas.microsoft.com/office/drawing/2010/main" xmlns="" w="9525">
+                <a14:hiddenLine xmlns="" xmlns:a14="http://schemas.microsoft.com/office/drawing/2010/main" w="9525">
                   <a:solidFill>
                     <a:srgbClr val="000000"/>
                   </a:solidFill>
@@ -6391,7 +6406,7 @@
             </a:ln>
             <a:extLst>
               <a:ext uri="{91240B29-F687-4f45-9708-019B960494DF}">
-                <a14:hiddenLine xmlns:a14="http://schemas.microsoft.com/office/drawing/2010/main" xmlns="" w="9525">
+                <a14:hiddenLine xmlns="" xmlns:a14="http://schemas.microsoft.com/office/drawing/2010/main" w="9525">
                   <a:solidFill>
                     <a:srgbClr val="000000"/>
                   </a:solidFill>
@@ -6481,7 +6496,7 @@
             </a:ln>
             <a:extLst>
               <a:ext uri="{91240B29-F687-4f45-9708-019B960494DF}">
-                <a14:hiddenLine xmlns:a14="http://schemas.microsoft.com/office/drawing/2010/main" xmlns="" w="9525">
+                <a14:hiddenLine xmlns="" xmlns:a14="http://schemas.microsoft.com/office/drawing/2010/main" w="9525">
                   <a:solidFill>
                     <a:srgbClr val="000000"/>
                   </a:solidFill>
@@ -6621,7 +6636,7 @@
           <a:p>
             <a:fld id="{28C8C52B-89EE-4CDC-A682-AE4AEE963228}" type="datetimeFigureOut">
               <a:rPr lang="en-GB" smtClean="0"/>
-              <a:t>05/11/2015</a:t>
+              <a:t>06/11/2015</a:t>
             </a:fld>
             <a:endParaRPr lang="en-GB"/>
           </a:p>
@@ -6888,7 +6903,7 @@
           <a:p>
             <a:fld id="{28C8C52B-89EE-4CDC-A682-AE4AEE963228}" type="datetimeFigureOut">
               <a:rPr lang="en-GB" smtClean="0"/>
-              <a:t>05/11/2015</a:t>
+              <a:t>06/11/2015</a:t>
             </a:fld>
             <a:endParaRPr lang="en-GB"/>
           </a:p>
@@ -7084,7 +7099,7 @@
           <a:p>
             <a:fld id="{28C8C52B-89EE-4CDC-A682-AE4AEE963228}" type="datetimeFigureOut">
               <a:rPr lang="en-GB" smtClean="0"/>
-              <a:t>05/11/2015</a:t>
+              <a:t>06/11/2015</a:t>
             </a:fld>
             <a:endParaRPr lang="en-GB"/>
           </a:p>
@@ -7347,7 +7362,7 @@
           <a:p>
             <a:fld id="{28C8C52B-89EE-4CDC-A682-AE4AEE963228}" type="datetimeFigureOut">
               <a:rPr lang="en-GB" smtClean="0"/>
-              <a:t>05/11/2015</a:t>
+              <a:t>06/11/2015</a:t>
             </a:fld>
             <a:endParaRPr lang="en-GB"/>
           </a:p>
@@ -7781,7 +7796,7 @@
           <a:p>
             <a:fld id="{28C8C52B-89EE-4CDC-A682-AE4AEE963228}" type="datetimeFigureOut">
               <a:rPr lang="en-GB" smtClean="0"/>
-              <a:t>05/11/2015</a:t>
+              <a:t>06/11/2015</a:t>
             </a:fld>
             <a:endParaRPr lang="en-GB"/>
           </a:p>
@@ -8327,7 +8342,7 @@
           <a:p>
             <a:fld id="{28C8C52B-89EE-4CDC-A682-AE4AEE963228}" type="datetimeFigureOut">
               <a:rPr lang="en-GB" smtClean="0"/>
-              <a:t>05/11/2015</a:t>
+              <a:t>06/11/2015</a:t>
             </a:fld>
             <a:endParaRPr lang="en-GB"/>
           </a:p>
@@ -9047,7 +9062,7 @@
           <a:p>
             <a:fld id="{28C8C52B-89EE-4CDC-A682-AE4AEE963228}" type="datetimeFigureOut">
               <a:rPr lang="en-GB" smtClean="0"/>
-              <a:t>05/11/2015</a:t>
+              <a:t>06/11/2015</a:t>
             </a:fld>
             <a:endParaRPr lang="en-GB"/>
           </a:p>
@@ -9217,7 +9232,7 @@
           <a:p>
             <a:fld id="{28C8C52B-89EE-4CDC-A682-AE4AEE963228}" type="datetimeFigureOut">
               <a:rPr lang="en-GB" smtClean="0"/>
-              <a:t>05/11/2015</a:t>
+              <a:t>06/11/2015</a:t>
             </a:fld>
             <a:endParaRPr lang="en-GB"/>
           </a:p>
@@ -9397,7 +9412,7 @@
           <a:p>
             <a:fld id="{28C8C52B-89EE-4CDC-A682-AE4AEE963228}" type="datetimeFigureOut">
               <a:rPr lang="en-GB" smtClean="0"/>
-              <a:t>05/11/2015</a:t>
+              <a:t>06/11/2015</a:t>
             </a:fld>
             <a:endParaRPr lang="en-GB"/>
           </a:p>
@@ -9567,7 +9582,7 @@
           <a:p>
             <a:fld id="{28C8C52B-89EE-4CDC-A682-AE4AEE963228}" type="datetimeFigureOut">
               <a:rPr lang="en-GB" smtClean="0"/>
-              <a:t>05/11/2015</a:t>
+              <a:t>06/11/2015</a:t>
             </a:fld>
             <a:endParaRPr lang="en-GB"/>
           </a:p>
@@ -9817,7 +9832,7 @@
           <a:p>
             <a:fld id="{28C8C52B-89EE-4CDC-A682-AE4AEE963228}" type="datetimeFigureOut">
               <a:rPr lang="en-GB" smtClean="0"/>
-              <a:t>05/11/2015</a:t>
+              <a:t>06/11/2015</a:t>
             </a:fld>
             <a:endParaRPr lang="en-GB"/>
           </a:p>
@@ -10049,7 +10064,7 @@
           <a:p>
             <a:fld id="{28C8C52B-89EE-4CDC-A682-AE4AEE963228}" type="datetimeFigureOut">
               <a:rPr lang="en-GB" smtClean="0"/>
-              <a:t>05/11/2015</a:t>
+              <a:t>06/11/2015</a:t>
             </a:fld>
             <a:endParaRPr lang="en-GB"/>
           </a:p>
@@ -10430,7 +10445,7 @@
           <a:p>
             <a:fld id="{28C8C52B-89EE-4CDC-A682-AE4AEE963228}" type="datetimeFigureOut">
               <a:rPr lang="en-GB" smtClean="0"/>
-              <a:t>05/11/2015</a:t>
+              <a:t>06/11/2015</a:t>
             </a:fld>
             <a:endParaRPr lang="en-GB"/>
           </a:p>
@@ -10548,7 +10563,7 @@
           <a:p>
             <a:fld id="{28C8C52B-89EE-4CDC-A682-AE4AEE963228}" type="datetimeFigureOut">
               <a:rPr lang="en-GB" smtClean="0"/>
-              <a:t>05/11/2015</a:t>
+              <a:t>06/11/2015</a:t>
             </a:fld>
             <a:endParaRPr lang="en-GB"/>
           </a:p>
@@ -10643,7 +10658,7 @@
           <a:p>
             <a:fld id="{28C8C52B-89EE-4CDC-A682-AE4AEE963228}" type="datetimeFigureOut">
               <a:rPr lang="en-GB" smtClean="0"/>
-              <a:t>05/11/2015</a:t>
+              <a:t>06/11/2015</a:t>
             </a:fld>
             <a:endParaRPr lang="en-GB"/>
           </a:p>
@@ -10892,7 +10907,7 @@
           <a:p>
             <a:fld id="{28C8C52B-89EE-4CDC-A682-AE4AEE963228}" type="datetimeFigureOut">
               <a:rPr lang="en-GB" smtClean="0"/>
-              <a:t>05/11/2015</a:t>
+              <a:t>06/11/2015</a:t>
             </a:fld>
             <a:endParaRPr lang="en-GB"/>
           </a:p>
@@ -11172,7 +11187,7 @@
           <a:p>
             <a:fld id="{28C8C52B-89EE-4CDC-A682-AE4AEE963228}" type="datetimeFigureOut">
               <a:rPr lang="en-GB" smtClean="0"/>
-              <a:t>05/11/2015</a:t>
+              <a:t>06/11/2015</a:t>
             </a:fld>
             <a:endParaRPr lang="en-GB"/>
           </a:p>
@@ -11295,7 +11310,7 @@
           <a:noFill/>
           <a:extLst>
             <a:ext uri="{909E8E84-426E-40dd-AFC4-6F175D3DCCD1}">
-              <a14:hiddenFill xmlns:a14="http://schemas.microsoft.com/office/drawing/2010/main" xmlns="">
+              <a14:hiddenFill xmlns="" xmlns:a14="http://schemas.microsoft.com/office/drawing/2010/main">
                 <a:solidFill>
                   <a:srgbClr val="FFFFFF"/>
                 </a:solidFill>
@@ -11369,7 +11384,7 @@
               </a:ln>
               <a:extLst>
                 <a:ext uri="{91240B29-F687-4f45-9708-019B960494DF}">
-                  <a14:hiddenLine xmlns:a14="http://schemas.microsoft.com/office/drawing/2010/main" xmlns="" w="9525">
+                  <a14:hiddenLine xmlns="" xmlns:a14="http://schemas.microsoft.com/office/drawing/2010/main" w="9525">
                     <a:solidFill>
                       <a:srgbClr val="000000"/>
                     </a:solidFill>
@@ -11459,7 +11474,7 @@
               </a:ln>
               <a:extLst>
                 <a:ext uri="{91240B29-F687-4f45-9708-019B960494DF}">
-                  <a14:hiddenLine xmlns:a14="http://schemas.microsoft.com/office/drawing/2010/main" xmlns="" w="9525">
+                  <a14:hiddenLine xmlns="" xmlns:a14="http://schemas.microsoft.com/office/drawing/2010/main" w="9525">
                     <a:solidFill>
                       <a:srgbClr val="000000"/>
                     </a:solidFill>
@@ -11549,7 +11564,7 @@
               </a:ln>
               <a:extLst>
                 <a:ext uri="{91240B29-F687-4f45-9708-019B960494DF}">
-                  <a14:hiddenLine xmlns:a14="http://schemas.microsoft.com/office/drawing/2010/main" xmlns="" w="9525">
+                  <a14:hiddenLine xmlns="" xmlns:a14="http://schemas.microsoft.com/office/drawing/2010/main" w="9525">
                     <a:solidFill>
                       <a:srgbClr val="000000"/>
                     </a:solidFill>
@@ -11611,7 +11626,7 @@
               </a:ln>
               <a:extLst>
                 <a:ext uri="{91240B29-F687-4f45-9708-019B960494DF}">
-                  <a14:hiddenLine xmlns:a14="http://schemas.microsoft.com/office/drawing/2010/main" xmlns="" w="9525">
+                  <a14:hiddenLine xmlns="" xmlns:a14="http://schemas.microsoft.com/office/drawing/2010/main" w="9525">
                     <a:solidFill>
                       <a:srgbClr val="000000"/>
                     </a:solidFill>
@@ -11701,7 +11716,7 @@
               </a:ln>
               <a:extLst>
                 <a:ext uri="{91240B29-F687-4f45-9708-019B960494DF}">
-                  <a14:hiddenLine xmlns:a14="http://schemas.microsoft.com/office/drawing/2010/main" xmlns="" w="9525">
+                  <a14:hiddenLine xmlns="" xmlns:a14="http://schemas.microsoft.com/office/drawing/2010/main" w="9525">
                     <a:solidFill>
                       <a:srgbClr val="000000"/>
                     </a:solidFill>
@@ -11763,7 +11778,7 @@
               </a:ln>
               <a:extLst>
                 <a:ext uri="{91240B29-F687-4f45-9708-019B960494DF}">
-                  <a14:hiddenLine xmlns:a14="http://schemas.microsoft.com/office/drawing/2010/main" xmlns="" w="9525">
+                  <a14:hiddenLine xmlns="" xmlns:a14="http://schemas.microsoft.com/office/drawing/2010/main" w="9525">
                     <a:solidFill>
                       <a:srgbClr val="000000"/>
                     </a:solidFill>
@@ -11825,7 +11840,7 @@
               </a:ln>
               <a:extLst>
                 <a:ext uri="{91240B29-F687-4f45-9708-019B960494DF}">
-                  <a14:hiddenLine xmlns:a14="http://schemas.microsoft.com/office/drawing/2010/main" xmlns="" w="9525">
+                  <a14:hiddenLine xmlns="" xmlns:a14="http://schemas.microsoft.com/office/drawing/2010/main" w="9525">
                     <a:solidFill>
                       <a:srgbClr val="000000"/>
                     </a:solidFill>
@@ -11915,7 +11930,7 @@
               </a:ln>
               <a:extLst>
                 <a:ext uri="{91240B29-F687-4f45-9708-019B960494DF}">
-                  <a14:hiddenLine xmlns:a14="http://schemas.microsoft.com/office/drawing/2010/main" xmlns="" w="9525">
+                  <a14:hiddenLine xmlns="" xmlns:a14="http://schemas.microsoft.com/office/drawing/2010/main" w="9525">
                     <a:solidFill>
                       <a:srgbClr val="000000"/>
                     </a:solidFill>
@@ -12005,7 +12020,7 @@
               </a:ln>
               <a:extLst>
                 <a:ext uri="{91240B29-F687-4f45-9708-019B960494DF}">
-                  <a14:hiddenLine xmlns:a14="http://schemas.microsoft.com/office/drawing/2010/main" xmlns="" w="9525">
+                  <a14:hiddenLine xmlns="" xmlns:a14="http://schemas.microsoft.com/office/drawing/2010/main" w="9525">
                     <a:solidFill>
                       <a:srgbClr val="000000"/>
                     </a:solidFill>
@@ -12067,7 +12082,7 @@
               </a:ln>
               <a:extLst>
                 <a:ext uri="{91240B29-F687-4f45-9708-019B960494DF}">
-                  <a14:hiddenLine xmlns:a14="http://schemas.microsoft.com/office/drawing/2010/main" xmlns="" w="9525">
+                  <a14:hiddenLine xmlns="" xmlns:a14="http://schemas.microsoft.com/office/drawing/2010/main" w="9525">
                     <a:solidFill>
                       <a:srgbClr val="000000"/>
                     </a:solidFill>
@@ -12177,7 +12192,7 @@
               </a:ln>
               <a:extLst>
                 <a:ext uri="{91240B29-F687-4f45-9708-019B960494DF}">
-                  <a14:hiddenLine xmlns:a14="http://schemas.microsoft.com/office/drawing/2010/main" xmlns="" w="9525">
+                  <a14:hiddenLine xmlns="" xmlns:a14="http://schemas.microsoft.com/office/drawing/2010/main" w="9525">
                     <a:solidFill>
                       <a:srgbClr val="000000"/>
                     </a:solidFill>
@@ -12261,7 +12276,7 @@
               </a:ln>
               <a:extLst>
                 <a:ext uri="{91240B29-F687-4f45-9708-019B960494DF}">
-                  <a14:hiddenLine xmlns:a14="http://schemas.microsoft.com/office/drawing/2010/main" xmlns="" w="9525">
+                  <a14:hiddenLine xmlns="" xmlns:a14="http://schemas.microsoft.com/office/drawing/2010/main" w="9525">
                     <a:solidFill>
                       <a:srgbClr val="000000"/>
                     </a:solidFill>
@@ -12323,7 +12338,7 @@
               </a:ln>
               <a:extLst>
                 <a:ext uri="{91240B29-F687-4f45-9708-019B960494DF}">
-                  <a14:hiddenLine xmlns:a14="http://schemas.microsoft.com/office/drawing/2010/main" xmlns="" w="9525">
+                  <a14:hiddenLine xmlns="" xmlns:a14="http://schemas.microsoft.com/office/drawing/2010/main" w="9525">
                     <a:solidFill>
                       <a:srgbClr val="000000"/>
                     </a:solidFill>
@@ -12385,7 +12400,7 @@
               </a:ln>
               <a:extLst>
                 <a:ext uri="{91240B29-F687-4f45-9708-019B960494DF}">
-                  <a14:hiddenLine xmlns:a14="http://schemas.microsoft.com/office/drawing/2010/main" xmlns="" w="9525">
+                  <a14:hiddenLine xmlns="" xmlns:a14="http://schemas.microsoft.com/office/drawing/2010/main" w="9525">
                     <a:solidFill>
                       <a:srgbClr val="000000"/>
                     </a:solidFill>
@@ -12475,7 +12490,7 @@
               </a:ln>
               <a:extLst>
                 <a:ext uri="{91240B29-F687-4f45-9708-019B960494DF}">
-                  <a14:hiddenLine xmlns:a14="http://schemas.microsoft.com/office/drawing/2010/main" xmlns="" w="9525">
+                  <a14:hiddenLine xmlns="" xmlns:a14="http://schemas.microsoft.com/office/drawing/2010/main" w="9525">
                     <a:solidFill>
                       <a:srgbClr val="000000"/>
                     </a:solidFill>
@@ -12509,7 +12524,7 @@
               </a:ln>
               <a:extLst>
                 <a:ext uri="{91240B29-F687-4f45-9708-019B960494DF}">
-                  <a14:hiddenLine xmlns:a14="http://schemas.microsoft.com/office/drawing/2010/main" xmlns="" w="9525">
+                  <a14:hiddenLine xmlns="" xmlns:a14="http://schemas.microsoft.com/office/drawing/2010/main" w="9525">
                     <a:solidFill>
                       <a:srgbClr val="000000"/>
                     </a:solidFill>
@@ -12574,7 +12589,7 @@
               </a:ln>
               <a:extLst>
                 <a:ext uri="{91240B29-F687-4f45-9708-019B960494DF}">
-                  <a14:hiddenLine xmlns:a14="http://schemas.microsoft.com/office/drawing/2010/main" xmlns="" w="9525">
+                  <a14:hiddenLine xmlns="" xmlns:a14="http://schemas.microsoft.com/office/drawing/2010/main" w="9525">
                     <a:solidFill>
                       <a:srgbClr val="000000"/>
                     </a:solidFill>
@@ -12664,7 +12679,7 @@
               </a:ln>
               <a:extLst>
                 <a:ext uri="{91240B29-F687-4f45-9708-019B960494DF}">
-                  <a14:hiddenLine xmlns:a14="http://schemas.microsoft.com/office/drawing/2010/main" xmlns="" w="9525">
+                  <a14:hiddenLine xmlns="" xmlns:a14="http://schemas.microsoft.com/office/drawing/2010/main" w="9525">
                     <a:solidFill>
                       <a:srgbClr val="000000"/>
                     </a:solidFill>
@@ -12726,7 +12741,7 @@
               </a:ln>
               <a:extLst>
                 <a:ext uri="{91240B29-F687-4f45-9708-019B960494DF}">
-                  <a14:hiddenLine xmlns:a14="http://schemas.microsoft.com/office/drawing/2010/main" xmlns="" w="9525">
+                  <a14:hiddenLine xmlns="" xmlns:a14="http://schemas.microsoft.com/office/drawing/2010/main" w="9525">
                     <a:solidFill>
                       <a:srgbClr val="000000"/>
                     </a:solidFill>
@@ -12816,7 +12831,7 @@
               </a:ln>
               <a:extLst>
                 <a:ext uri="{91240B29-F687-4f45-9708-019B960494DF}">
-                  <a14:hiddenLine xmlns:a14="http://schemas.microsoft.com/office/drawing/2010/main" xmlns="" w="9525">
+                  <a14:hiddenLine xmlns="" xmlns:a14="http://schemas.microsoft.com/office/drawing/2010/main" w="9525">
                     <a:solidFill>
                       <a:srgbClr val="000000"/>
                     </a:solidFill>
@@ -12881,7 +12896,7 @@
               </a:ln>
               <a:extLst>
                 <a:ext uri="{91240B29-F687-4f45-9708-019B960494DF}">
-                  <a14:hiddenLine xmlns:a14="http://schemas.microsoft.com/office/drawing/2010/main" xmlns="" w="9525">
+                  <a14:hiddenLine xmlns="" xmlns:a14="http://schemas.microsoft.com/office/drawing/2010/main" w="9525">
                     <a:solidFill>
                       <a:srgbClr val="000000"/>
                     </a:solidFill>
@@ -12943,7 +12958,7 @@
               </a:ln>
               <a:extLst>
                 <a:ext uri="{91240B29-F687-4f45-9708-019B960494DF}">
-                  <a14:hiddenLine xmlns:a14="http://schemas.microsoft.com/office/drawing/2010/main" xmlns="" w="9525">
+                  <a14:hiddenLine xmlns="" xmlns:a14="http://schemas.microsoft.com/office/drawing/2010/main" w="9525">
                     <a:solidFill>
                       <a:srgbClr val="000000"/>
                     </a:solidFill>
@@ -13033,7 +13048,7 @@
               </a:ln>
               <a:extLst>
                 <a:ext uri="{91240B29-F687-4f45-9708-019B960494DF}">
-                  <a14:hiddenLine xmlns:a14="http://schemas.microsoft.com/office/drawing/2010/main" xmlns="" w="9525">
+                  <a14:hiddenLine xmlns="" xmlns:a14="http://schemas.microsoft.com/office/drawing/2010/main" w="9525">
                     <a:solidFill>
                       <a:srgbClr val="000000"/>
                     </a:solidFill>
@@ -13123,7 +13138,7 @@
               </a:ln>
               <a:extLst>
                 <a:ext uri="{91240B29-F687-4f45-9708-019B960494DF}">
-                  <a14:hiddenLine xmlns:a14="http://schemas.microsoft.com/office/drawing/2010/main" xmlns="" w="9525">
+                  <a14:hiddenLine xmlns="" xmlns:a14="http://schemas.microsoft.com/office/drawing/2010/main" w="9525">
                     <a:solidFill>
                       <a:srgbClr val="000000"/>
                     </a:solidFill>
@@ -13188,7 +13203,7 @@
               </a:ln>
               <a:extLst>
                 <a:ext uri="{91240B29-F687-4f45-9708-019B960494DF}">
-                  <a14:hiddenLine xmlns:a14="http://schemas.microsoft.com/office/drawing/2010/main" xmlns="" w="9525">
+                  <a14:hiddenLine xmlns="" xmlns:a14="http://schemas.microsoft.com/office/drawing/2010/main" w="9525">
                     <a:solidFill>
                       <a:srgbClr val="000000"/>
                     </a:solidFill>
@@ -13308,7 +13323,7 @@
               </a:ln>
               <a:extLst>
                 <a:ext uri="{91240B29-F687-4f45-9708-019B960494DF}">
-                  <a14:hiddenLine xmlns:a14="http://schemas.microsoft.com/office/drawing/2010/main" xmlns="" w="9525">
+                  <a14:hiddenLine xmlns="" xmlns:a14="http://schemas.microsoft.com/office/drawing/2010/main" w="9525">
                     <a:solidFill>
                       <a:srgbClr val="000000"/>
                     </a:solidFill>
@@ -13406,7 +13421,7 @@
               </a:ln>
               <a:extLst>
                 <a:ext uri="{91240B29-F687-4f45-9708-019B960494DF}">
-                  <a14:hiddenLine xmlns:a14="http://schemas.microsoft.com/office/drawing/2010/main" xmlns="" w="9525">
+                  <a14:hiddenLine xmlns="" xmlns:a14="http://schemas.microsoft.com/office/drawing/2010/main" w="9525">
                     <a:solidFill>
                       <a:srgbClr val="000000"/>
                     </a:solidFill>
@@ -13521,7 +13536,7 @@
               </a:ln>
               <a:extLst>
                 <a:ext uri="{91240B29-F687-4f45-9708-019B960494DF}">
-                  <a14:hiddenLine xmlns:a14="http://schemas.microsoft.com/office/drawing/2010/main" xmlns="" w="9525">
+                  <a14:hiddenLine xmlns="" xmlns:a14="http://schemas.microsoft.com/office/drawing/2010/main" w="9525">
                     <a:solidFill>
                       <a:srgbClr val="000000"/>
                     </a:solidFill>
@@ -13611,7 +13626,7 @@
               </a:ln>
               <a:extLst>
                 <a:ext uri="{91240B29-F687-4f45-9708-019B960494DF}">
-                  <a14:hiddenLine xmlns:a14="http://schemas.microsoft.com/office/drawing/2010/main" xmlns="" w="9525">
+                  <a14:hiddenLine xmlns="" xmlns:a14="http://schemas.microsoft.com/office/drawing/2010/main" w="9525">
                     <a:solidFill>
                       <a:srgbClr val="000000"/>
                     </a:solidFill>
@@ -13676,7 +13691,7 @@
               </a:ln>
               <a:extLst>
                 <a:ext uri="{91240B29-F687-4f45-9708-019B960494DF}">
-                  <a14:hiddenLine xmlns:a14="http://schemas.microsoft.com/office/drawing/2010/main" xmlns="" w="9525">
+                  <a14:hiddenLine xmlns="" xmlns:a14="http://schemas.microsoft.com/office/drawing/2010/main" w="9525">
                     <a:solidFill>
                       <a:srgbClr val="000000"/>
                     </a:solidFill>
@@ -13766,7 +13781,7 @@
               </a:ln>
               <a:extLst>
                 <a:ext uri="{91240B29-F687-4f45-9708-019B960494DF}">
-                  <a14:hiddenLine xmlns:a14="http://schemas.microsoft.com/office/drawing/2010/main" xmlns="" w="9525">
+                  <a14:hiddenLine xmlns="" xmlns:a14="http://schemas.microsoft.com/office/drawing/2010/main" w="9525">
                     <a:solidFill>
                       <a:srgbClr val="000000"/>
                     </a:solidFill>
@@ -13834,7 +13849,7 @@
               </a:ln>
               <a:extLst>
                 <a:ext uri="{91240B29-F687-4f45-9708-019B960494DF}">
-                  <a14:hiddenLine xmlns:a14="http://schemas.microsoft.com/office/drawing/2010/main" xmlns="" w="9525">
+                  <a14:hiddenLine xmlns="" xmlns:a14="http://schemas.microsoft.com/office/drawing/2010/main" w="9525">
                     <a:solidFill>
                       <a:srgbClr val="000000"/>
                     </a:solidFill>
@@ -13924,7 +13939,7 @@
               </a:ln>
               <a:extLst>
                 <a:ext uri="{91240B29-F687-4f45-9708-019B960494DF}">
-                  <a14:hiddenLine xmlns:a14="http://schemas.microsoft.com/office/drawing/2010/main" xmlns="" w="9525">
+                  <a14:hiddenLine xmlns="" xmlns:a14="http://schemas.microsoft.com/office/drawing/2010/main" w="9525">
                     <a:solidFill>
                       <a:srgbClr val="000000"/>
                     </a:solidFill>
@@ -13992,7 +14007,7 @@
               </a:ln>
               <a:extLst>
                 <a:ext uri="{91240B29-F687-4f45-9708-019B960494DF}">
-                  <a14:hiddenLine xmlns:a14="http://schemas.microsoft.com/office/drawing/2010/main" xmlns="" w="9525">
+                  <a14:hiddenLine xmlns="" xmlns:a14="http://schemas.microsoft.com/office/drawing/2010/main" w="9525">
                     <a:solidFill>
                       <a:srgbClr val="000000"/>
                     </a:solidFill>
@@ -14082,7 +14097,7 @@
               </a:ln>
               <a:extLst>
                 <a:ext uri="{91240B29-F687-4f45-9708-019B960494DF}">
-                  <a14:hiddenLine xmlns:a14="http://schemas.microsoft.com/office/drawing/2010/main" xmlns="" w="9525">
+                  <a14:hiddenLine xmlns="" xmlns:a14="http://schemas.microsoft.com/office/drawing/2010/main" w="9525">
                     <a:solidFill>
                       <a:srgbClr val="000000"/>
                     </a:solidFill>
@@ -14116,7 +14131,7 @@
               </a:ln>
               <a:extLst>
                 <a:ext uri="{91240B29-F687-4f45-9708-019B960494DF}">
-                  <a14:hiddenLine xmlns:a14="http://schemas.microsoft.com/office/drawing/2010/main" xmlns="" w="9525">
+                  <a14:hiddenLine xmlns="" xmlns:a14="http://schemas.microsoft.com/office/drawing/2010/main" w="9525">
                     <a:solidFill>
                       <a:srgbClr val="000000"/>
                     </a:solidFill>
@@ -14256,7 +14271,7 @@
           <a:p>
             <a:fld id="{28C8C52B-89EE-4CDC-A682-AE4AEE963228}" type="datetimeFigureOut">
               <a:rPr lang="en-GB" smtClean="0"/>
-              <a:t>05/11/2015</a:t>
+              <a:t>06/11/2015</a:t>
             </a:fld>
             <a:endParaRPr lang="en-GB"/>
           </a:p>
@@ -14827,6 +14842,64 @@
           <a:chExt cx="0" cy="0"/>
         </a:xfrm>
       </p:grpSpPr>
+      <p:pic>
+        <p:nvPicPr>
+          <p:cNvPr id="6" name="Picture 5"/>
+          <p:cNvPicPr>
+            <a:picLocks noChangeAspect="1"/>
+          </p:cNvPicPr>
+          <p:nvPr/>
+        </p:nvPicPr>
+        <p:blipFill rotWithShape="1">
+          <a:blip r:embed="rId2">
+            <a:extLst>
+              <a:ext uri="{28A0092B-C50C-407E-A947-70E740481C1C}">
+                <a14:useLocalDpi xmlns:a14="http://schemas.microsoft.com/office/drawing/2010/main" val="0"/>
+              </a:ext>
+            </a:extLst>
+          </a:blip>
+          <a:srcRect l="3916" r="4700" b="33997"/>
+          <a:stretch/>
+        </p:blipFill>
+        <p:spPr>
+          <a:xfrm>
+            <a:off x="2065627" y="2683282"/>
+            <a:ext cx="8057568" cy="3107919"/>
+          </a:xfrm>
+          <a:prstGeom prst="rect">
+            <a:avLst/>
+          </a:prstGeom>
+        </p:spPr>
+      </p:pic>
+      <p:pic>
+        <p:nvPicPr>
+          <p:cNvPr id="5" name="Content Placeholder 4"/>
+          <p:cNvPicPr>
+            <a:picLocks noChangeAspect="1"/>
+          </p:cNvPicPr>
+          <p:nvPr/>
+        </p:nvPicPr>
+        <p:blipFill rotWithShape="1">
+          <a:blip r:embed="rId3">
+            <a:extLst>
+              <a:ext uri="{28A0092B-C50C-407E-A947-70E740481C1C}">
+                <a14:useLocalDpi xmlns:a14="http://schemas.microsoft.com/office/drawing/2010/main" val="0"/>
+              </a:ext>
+            </a:extLst>
+          </a:blip>
+          <a:srcRect t="55532"/>
+          <a:stretch/>
+        </p:blipFill>
+        <p:spPr>
+          <a:xfrm>
+            <a:off x="2065627" y="2001328"/>
+            <a:ext cx="8057568" cy="860227"/>
+          </a:xfrm>
+          <a:prstGeom prst="rect">
+            <a:avLst/>
+          </a:prstGeom>
+        </p:spPr>
+      </p:pic>
       <p:sp>
         <p:nvSpPr>
           <p:cNvPr id="2" name="Title 1"/>
@@ -14844,7 +14917,7 @@
           <a:p>
             <a:pPr algn="ctr"/>
             <a:r>
-              <a:rPr lang="en-ZA" sz="4400" dirty="0">
+              <a:rPr lang="en-ZA" sz="4400" dirty="0" smtClean="0">
                 <a:solidFill>
                   <a:schemeClr val="accent1">
                     <a:lumMod val="60000"/>
@@ -14852,7 +14925,7 @@
                   </a:schemeClr>
                 </a:solidFill>
               </a:rPr>
-              <a:t>Requirements</a:t>
+              <a:t>Team Eclectic</a:t>
             </a:r>
             <a:endParaRPr lang="en-GB" sz="4400" dirty="0">
               <a:solidFill>
@@ -14865,74 +14938,23 @@
           </a:p>
         </p:txBody>
       </p:sp>
-      <p:sp>
-        <p:nvSpPr>
-          <p:cNvPr id="3" name="Content Placeholder 2"/>
-          <p:cNvSpPr>
-            <a:spLocks noGrp="1"/>
-          </p:cNvSpPr>
-          <p:nvPr>
-            <p:ph idx="1"/>
-          </p:nvPr>
-        </p:nvSpPr>
-        <p:spPr/>
-        <p:txBody>
-          <a:bodyPr>
-            <a:normAutofit/>
-          </a:bodyPr>
-          <a:lstStyle/>
-          <a:p>
-            <a:r>
-              <a:rPr lang="en-ZA" sz="2800" dirty="0" smtClean="0"/>
-              <a:t>Group Chat Functionality</a:t>
-            </a:r>
-          </a:p>
-          <a:p>
-            <a:pPr lvl="1"/>
-            <a:r>
-              <a:rPr lang="en-ZA" sz="2400" dirty="0" smtClean="0"/>
-              <a:t>Creation &amp; Deletion</a:t>
-            </a:r>
-          </a:p>
-          <a:p>
-            <a:pPr lvl="1"/>
-            <a:r>
-              <a:rPr lang="en-ZA" sz="2400" dirty="0" smtClean="0"/>
-              <a:t>Member Addition &amp; Removal</a:t>
-            </a:r>
-          </a:p>
-          <a:p>
-            <a:pPr lvl="1"/>
-            <a:r>
-              <a:rPr lang="en-ZA" sz="2400" dirty="0" smtClean="0"/>
-              <a:t>Message Broadcasting</a:t>
-            </a:r>
-          </a:p>
-          <a:p>
-            <a:r>
-              <a:rPr lang="en-ZA" sz="2800" dirty="0" smtClean="0"/>
-              <a:t>AES256 Encrypted &amp; Unencrypted Messaging</a:t>
-            </a:r>
-          </a:p>
-          <a:p>
-            <a:r>
-              <a:rPr lang="en-ZA" sz="2800" dirty="0" smtClean="0"/>
-              <a:t>UI Improvements</a:t>
-            </a:r>
-            <a:endParaRPr lang="en-GB" sz="2800" dirty="0" smtClean="0"/>
-          </a:p>
-        </p:txBody>
-      </p:sp>
     </p:spTree>
     <p:extLst>
       <p:ext uri="{BB962C8B-B14F-4D97-AF65-F5344CB8AC3E}">
-        <p14:creationId xmlns:p14="http://schemas.microsoft.com/office/powerpoint/2010/main" val="3481259140"/>
+        <p14:creationId xmlns:p14="http://schemas.microsoft.com/office/powerpoint/2010/main" val="4036630029"/>
       </p:ext>
     </p:extLst>
   </p:cSld>
   <p:clrMapOvr>
     <a:masterClrMapping/>
   </p:clrMapOvr>
+  <p:timing>
+    <p:tnLst>
+      <p:par>
+        <p:cTn id="1" dur="indefinite" restart="never" nodeType="tmRoot"/>
+      </p:par>
+    </p:tnLst>
+  </p:timing>
 </p:sld>
 </file>
 
@@ -14972,6 +14994,299 @@
           <a:p>
             <a:pPr algn="ctr"/>
             <a:r>
+              <a:rPr lang="en-ZA" sz="4400" dirty="0">
+                <a:solidFill>
+                  <a:schemeClr val="accent1">
+                    <a:lumMod val="60000"/>
+                    <a:lumOff val="40000"/>
+                  </a:schemeClr>
+                </a:solidFill>
+              </a:rPr>
+              <a:t>Existing</a:t>
+            </a:r>
+            <a:r>
+              <a:rPr lang="en-ZA" sz="4400" dirty="0" smtClean="0">
+                <a:solidFill>
+                  <a:schemeClr val="accent1"/>
+                </a:solidFill>
+              </a:rPr>
+              <a:t> </a:t>
+            </a:r>
+            <a:r>
+              <a:rPr lang="en-ZA" sz="4400" dirty="0">
+                <a:solidFill>
+                  <a:schemeClr val="accent1">
+                    <a:lumMod val="60000"/>
+                    <a:lumOff val="40000"/>
+                  </a:schemeClr>
+                </a:solidFill>
+              </a:rPr>
+              <a:t>System</a:t>
+            </a:r>
+            <a:r>
+              <a:rPr lang="en-ZA" sz="4400" dirty="0" smtClean="0">
+                <a:solidFill>
+                  <a:schemeClr val="accent1"/>
+                </a:solidFill>
+              </a:rPr>
+              <a:t> </a:t>
+            </a:r>
+            <a:r>
+              <a:rPr lang="en-ZA" sz="4400" dirty="0">
+                <a:solidFill>
+                  <a:schemeClr val="accent1">
+                    <a:lumMod val="60000"/>
+                    <a:lumOff val="40000"/>
+                  </a:schemeClr>
+                </a:solidFill>
+              </a:rPr>
+              <a:t>Overview</a:t>
+            </a:r>
+            <a:endParaRPr lang="en-GB" sz="4400" dirty="0">
+              <a:solidFill>
+                <a:schemeClr val="accent1">
+                  <a:lumMod val="60000"/>
+                  <a:lumOff val="40000"/>
+                </a:schemeClr>
+              </a:solidFill>
+            </a:endParaRPr>
+          </a:p>
+        </p:txBody>
+      </p:sp>
+      <p:sp>
+        <p:nvSpPr>
+          <p:cNvPr id="3" name="Content Placeholder 2"/>
+          <p:cNvSpPr>
+            <a:spLocks noGrp="1"/>
+          </p:cNvSpPr>
+          <p:nvPr>
+            <p:ph idx="1"/>
+          </p:nvPr>
+        </p:nvSpPr>
+        <p:spPr/>
+        <p:txBody>
+          <a:bodyPr>
+            <a:normAutofit/>
+          </a:bodyPr>
+          <a:lstStyle/>
+          <a:p>
+            <a:r>
+              <a:rPr lang="en-ZA" sz="2800" dirty="0" smtClean="0"/>
+              <a:t>Voice Calls</a:t>
+            </a:r>
+          </a:p>
+          <a:p>
+            <a:r>
+              <a:rPr lang="en-ZA" sz="2800" dirty="0" smtClean="0"/>
+              <a:t>Video Calls</a:t>
+            </a:r>
+          </a:p>
+          <a:p>
+            <a:r>
+              <a:rPr lang="en-ZA" sz="2800" dirty="0" smtClean="0"/>
+              <a:t>Private Chat Messaging</a:t>
+            </a:r>
+          </a:p>
+          <a:p>
+            <a:r>
+              <a:rPr lang="en-ZA" sz="2800" b="1" dirty="0" smtClean="0">
+                <a:solidFill>
+                  <a:schemeClr val="accent1"/>
+                </a:solidFill>
+              </a:rPr>
+              <a:t>No</a:t>
+            </a:r>
+            <a:r>
+              <a:rPr lang="en-ZA" sz="2800" dirty="0" smtClean="0">
+                <a:solidFill>
+                  <a:schemeClr val="accent1"/>
+                </a:solidFill>
+              </a:rPr>
+              <a:t> Group Chat Messaging</a:t>
+            </a:r>
+            <a:endParaRPr lang="en-GB" sz="2800" dirty="0">
+              <a:solidFill>
+                <a:schemeClr val="accent1"/>
+              </a:solidFill>
+            </a:endParaRPr>
+          </a:p>
+        </p:txBody>
+      </p:sp>
+    </p:spTree>
+    <p:extLst>
+      <p:ext uri="{BB962C8B-B14F-4D97-AF65-F5344CB8AC3E}">
+        <p14:creationId xmlns:p14="http://schemas.microsoft.com/office/powerpoint/2010/main" val="463250676"/>
+      </p:ext>
+    </p:extLst>
+  </p:cSld>
+  <p:clrMapOvr>
+    <a:masterClrMapping/>
+  </p:clrMapOvr>
+</p:sld>
+</file>
+
+<file path=ppt/slides/slide4.xml><?xml version="1.0" encoding="utf-8"?>
+<p:sld xmlns:a="http://schemas.openxmlformats.org/drawingml/2006/main" xmlns:r="http://schemas.openxmlformats.org/officeDocument/2006/relationships" xmlns:p="http://schemas.openxmlformats.org/presentationml/2006/main">
+  <p:cSld>
+    <p:spTree>
+      <p:nvGrpSpPr>
+        <p:cNvPr id="1" name=""/>
+        <p:cNvGrpSpPr/>
+        <p:nvPr/>
+      </p:nvGrpSpPr>
+      <p:grpSpPr>
+        <a:xfrm>
+          <a:off x="0" y="0"/>
+          <a:ext cx="0" cy="0"/>
+          <a:chOff x="0" y="0"/>
+          <a:chExt cx="0" cy="0"/>
+        </a:xfrm>
+      </p:grpSpPr>
+      <p:sp>
+        <p:nvSpPr>
+          <p:cNvPr id="2" name="Title 1"/>
+          <p:cNvSpPr>
+            <a:spLocks noGrp="1"/>
+          </p:cNvSpPr>
+          <p:nvPr>
+            <p:ph type="title"/>
+          </p:nvPr>
+        </p:nvSpPr>
+        <p:spPr/>
+        <p:txBody>
+          <a:bodyPr/>
+          <a:lstStyle/>
+          <a:p>
+            <a:pPr algn="ctr"/>
+            <a:r>
+              <a:rPr lang="en-ZA" sz="4400" dirty="0">
+                <a:solidFill>
+                  <a:schemeClr val="accent1">
+                    <a:lumMod val="60000"/>
+                    <a:lumOff val="40000"/>
+                  </a:schemeClr>
+                </a:solidFill>
+              </a:rPr>
+              <a:t>Requirements</a:t>
+            </a:r>
+            <a:endParaRPr lang="en-GB" sz="4400" dirty="0">
+              <a:solidFill>
+                <a:schemeClr val="accent1">
+                  <a:lumMod val="60000"/>
+                  <a:lumOff val="40000"/>
+                </a:schemeClr>
+              </a:solidFill>
+            </a:endParaRPr>
+          </a:p>
+        </p:txBody>
+      </p:sp>
+      <p:sp>
+        <p:nvSpPr>
+          <p:cNvPr id="3" name="Content Placeholder 2"/>
+          <p:cNvSpPr>
+            <a:spLocks noGrp="1"/>
+          </p:cNvSpPr>
+          <p:nvPr>
+            <p:ph idx="1"/>
+          </p:nvPr>
+        </p:nvSpPr>
+        <p:spPr/>
+        <p:txBody>
+          <a:bodyPr>
+            <a:normAutofit/>
+          </a:bodyPr>
+          <a:lstStyle/>
+          <a:p>
+            <a:r>
+              <a:rPr lang="en-ZA" sz="2800" dirty="0" smtClean="0"/>
+              <a:t>Group Chat Functionality</a:t>
+            </a:r>
+          </a:p>
+          <a:p>
+            <a:pPr lvl="1"/>
+            <a:r>
+              <a:rPr lang="en-ZA" sz="2400" dirty="0" smtClean="0"/>
+              <a:t>Creation &amp; Deletion</a:t>
+            </a:r>
+          </a:p>
+          <a:p>
+            <a:pPr lvl="1"/>
+            <a:r>
+              <a:rPr lang="en-ZA" sz="2400" dirty="0" smtClean="0"/>
+              <a:t>Member Addition &amp; Removal</a:t>
+            </a:r>
+          </a:p>
+          <a:p>
+            <a:pPr lvl="1"/>
+            <a:r>
+              <a:rPr lang="en-ZA" sz="2400" dirty="0" smtClean="0"/>
+              <a:t>Message Broadcasting</a:t>
+            </a:r>
+          </a:p>
+          <a:p>
+            <a:r>
+              <a:rPr lang="en-ZA" sz="2800" dirty="0" smtClean="0"/>
+              <a:t>AES256 Encrypted &amp; Unencrypted Messaging</a:t>
+            </a:r>
+          </a:p>
+          <a:p>
+            <a:r>
+              <a:rPr lang="en-ZA" sz="2800" dirty="0" smtClean="0"/>
+              <a:t>UI Improvements</a:t>
+            </a:r>
+            <a:endParaRPr lang="en-GB" sz="2800" dirty="0" smtClean="0"/>
+          </a:p>
+        </p:txBody>
+      </p:sp>
+    </p:spTree>
+    <p:extLst>
+      <p:ext uri="{BB962C8B-B14F-4D97-AF65-F5344CB8AC3E}">
+        <p14:creationId xmlns:p14="http://schemas.microsoft.com/office/powerpoint/2010/main" val="3481259140"/>
+      </p:ext>
+    </p:extLst>
+  </p:cSld>
+  <p:clrMapOvr>
+    <a:masterClrMapping/>
+  </p:clrMapOvr>
+</p:sld>
+</file>
+
+<file path=ppt/slides/slide5.xml><?xml version="1.0" encoding="utf-8"?>
+<p:sld xmlns:a="http://schemas.openxmlformats.org/drawingml/2006/main" xmlns:r="http://schemas.openxmlformats.org/officeDocument/2006/relationships" xmlns:p="http://schemas.openxmlformats.org/presentationml/2006/main">
+  <p:cSld>
+    <p:spTree>
+      <p:nvGrpSpPr>
+        <p:cNvPr id="1" name=""/>
+        <p:cNvGrpSpPr/>
+        <p:nvPr/>
+      </p:nvGrpSpPr>
+      <p:grpSpPr>
+        <a:xfrm>
+          <a:off x="0" y="0"/>
+          <a:ext cx="0" cy="0"/>
+          <a:chOff x="0" y="0"/>
+          <a:chExt cx="0" cy="0"/>
+        </a:xfrm>
+      </p:grpSpPr>
+      <p:sp>
+        <p:nvSpPr>
+          <p:cNvPr id="2" name="Title 1"/>
+          <p:cNvSpPr>
+            <a:spLocks noGrp="1"/>
+          </p:cNvSpPr>
+          <p:nvPr>
+            <p:ph type="title"/>
+          </p:nvPr>
+        </p:nvSpPr>
+        <p:spPr/>
+        <p:txBody>
+          <a:bodyPr>
+            <a:normAutofit/>
+          </a:bodyPr>
+          <a:lstStyle/>
+          <a:p>
+            <a:pPr algn="ctr"/>
+            <a:r>
               <a:rPr lang="en-ZA" sz="4400" dirty="0" smtClean="0">
                 <a:solidFill>
                   <a:schemeClr val="accent1">
@@ -15037,7 +15352,746 @@
 </p:sld>
 </file>
 
-<file path=ppt/slides/slide4.xml><?xml version="1.0" encoding="utf-8"?>
+<file path=ppt/slides/slide6.xml><?xml version="1.0" encoding="utf-8"?>
+<p:sld xmlns:a="http://schemas.openxmlformats.org/drawingml/2006/main" xmlns:r="http://schemas.openxmlformats.org/officeDocument/2006/relationships" xmlns:p="http://schemas.openxmlformats.org/presentationml/2006/main">
+  <p:cSld>
+    <p:spTree>
+      <p:nvGrpSpPr>
+        <p:cNvPr id="1" name=""/>
+        <p:cNvGrpSpPr/>
+        <p:nvPr/>
+      </p:nvGrpSpPr>
+      <p:grpSpPr>
+        <a:xfrm>
+          <a:off x="0" y="0"/>
+          <a:ext cx="0" cy="0"/>
+          <a:chOff x="0" y="0"/>
+          <a:chExt cx="0" cy="0"/>
+        </a:xfrm>
+      </p:grpSpPr>
+      <p:sp>
+        <p:nvSpPr>
+          <p:cNvPr id="2" name="Title 1"/>
+          <p:cNvSpPr>
+            <a:spLocks noGrp="1"/>
+          </p:cNvSpPr>
+          <p:nvPr>
+            <p:ph type="title"/>
+          </p:nvPr>
+        </p:nvSpPr>
+        <p:spPr/>
+        <p:txBody>
+          <a:bodyPr/>
+          <a:lstStyle/>
+          <a:p>
+            <a:pPr algn="ctr"/>
+            <a:r>
+              <a:rPr lang="en-ZA" dirty="0">
+                <a:solidFill>
+                  <a:schemeClr val="accent1">
+                    <a:lumMod val="60000"/>
+                    <a:lumOff val="40000"/>
+                  </a:schemeClr>
+                </a:solidFill>
+              </a:rPr>
+              <a:t>Design</a:t>
+            </a:r>
+            <a:endParaRPr lang="en-GB" dirty="0"/>
+          </a:p>
+        </p:txBody>
+      </p:sp>
+      <p:sp>
+        <p:nvSpPr>
+          <p:cNvPr id="4" name="Flowchart: Manual Operation 3"/>
+          <p:cNvSpPr/>
+          <p:nvPr/>
+        </p:nvSpPr>
+        <p:spPr>
+          <a:xfrm>
+            <a:off x="1161596" y="1817914"/>
+            <a:ext cx="2200502" cy="990600"/>
+          </a:xfrm>
+          <a:prstGeom prst="flowChartManualOperation">
+            <a:avLst/>
+          </a:prstGeom>
+        </p:spPr>
+        <p:style>
+          <a:lnRef idx="2">
+            <a:schemeClr val="accent1">
+              <a:shade val="50000"/>
+            </a:schemeClr>
+          </a:lnRef>
+          <a:fillRef idx="1">
+            <a:schemeClr val="accent1"/>
+          </a:fillRef>
+          <a:effectRef idx="0">
+            <a:schemeClr val="accent1"/>
+          </a:effectRef>
+          <a:fontRef idx="minor">
+            <a:schemeClr val="lt1"/>
+          </a:fontRef>
+        </p:style>
+        <p:txBody>
+          <a:bodyPr rtlCol="0" anchor="ctr"/>
+          <a:lstStyle/>
+          <a:p>
+            <a:pPr algn="ctr"/>
+            <a:r>
+              <a:rPr lang="en-ZA" dirty="0" smtClean="0"/>
+              <a:t>Message Listener</a:t>
+            </a:r>
+            <a:endParaRPr lang="en-GB" dirty="0"/>
+          </a:p>
+        </p:txBody>
+      </p:sp>
+      <p:sp>
+        <p:nvSpPr>
+          <p:cNvPr id="5" name="Rectangle 4"/>
+          <p:cNvSpPr/>
+          <p:nvPr/>
+        </p:nvSpPr>
+        <p:spPr>
+          <a:xfrm>
+            <a:off x="5109254" y="1894114"/>
+            <a:ext cx="1719943" cy="914400"/>
+          </a:xfrm>
+          <a:prstGeom prst="rect">
+            <a:avLst/>
+          </a:prstGeom>
+        </p:spPr>
+        <p:style>
+          <a:lnRef idx="2">
+            <a:schemeClr val="accent1">
+              <a:shade val="50000"/>
+            </a:schemeClr>
+          </a:lnRef>
+          <a:fillRef idx="1">
+            <a:schemeClr val="accent1"/>
+          </a:fillRef>
+          <a:effectRef idx="0">
+            <a:schemeClr val="accent1"/>
+          </a:effectRef>
+          <a:fontRef idx="minor">
+            <a:schemeClr val="lt1"/>
+          </a:fontRef>
+        </p:style>
+        <p:txBody>
+          <a:bodyPr rtlCol="0" anchor="ctr"/>
+          <a:lstStyle/>
+          <a:p>
+            <a:pPr algn="ctr"/>
+            <a:r>
+              <a:rPr lang="en-ZA" dirty="0" err="1" smtClean="0"/>
+              <a:t>Linphone</a:t>
+            </a:r>
+            <a:r>
+              <a:rPr lang="en-ZA" dirty="0" smtClean="0"/>
+              <a:t> Manager</a:t>
+            </a:r>
+            <a:endParaRPr lang="en-GB" dirty="0"/>
+          </a:p>
+        </p:txBody>
+      </p:sp>
+      <p:sp>
+        <p:nvSpPr>
+          <p:cNvPr id="6" name="Rectangle 5"/>
+          <p:cNvSpPr/>
+          <p:nvPr/>
+        </p:nvSpPr>
+        <p:spPr>
+          <a:xfrm>
+            <a:off x="1390196" y="4274230"/>
+            <a:ext cx="1743302" cy="914400"/>
+          </a:xfrm>
+          <a:prstGeom prst="rect">
+            <a:avLst/>
+          </a:prstGeom>
+        </p:spPr>
+        <p:style>
+          <a:lnRef idx="2">
+            <a:schemeClr val="accent1">
+              <a:shade val="50000"/>
+            </a:schemeClr>
+          </a:lnRef>
+          <a:fillRef idx="1">
+            <a:schemeClr val="accent1"/>
+          </a:fillRef>
+          <a:effectRef idx="0">
+            <a:schemeClr val="accent1"/>
+          </a:effectRef>
+          <a:fontRef idx="minor">
+            <a:schemeClr val="lt1"/>
+          </a:fontRef>
+        </p:style>
+        <p:txBody>
+          <a:bodyPr rtlCol="0" anchor="ctr"/>
+          <a:lstStyle/>
+          <a:p>
+            <a:pPr algn="ctr"/>
+            <a:r>
+              <a:rPr lang="en-ZA" dirty="0" smtClean="0"/>
+              <a:t>Group Chat Manager</a:t>
+            </a:r>
+            <a:endParaRPr lang="en-GB" dirty="0"/>
+          </a:p>
+        </p:txBody>
+      </p:sp>
+      <p:sp>
+        <p:nvSpPr>
+          <p:cNvPr id="9" name="Oval 8"/>
+          <p:cNvSpPr/>
+          <p:nvPr/>
+        </p:nvSpPr>
+        <p:spPr>
+          <a:xfrm>
+            <a:off x="4886098" y="3359830"/>
+            <a:ext cx="2166257" cy="914400"/>
+          </a:xfrm>
+          <a:prstGeom prst="ellipse">
+            <a:avLst/>
+          </a:prstGeom>
+        </p:spPr>
+        <p:style>
+          <a:lnRef idx="2">
+            <a:schemeClr val="accent1">
+              <a:shade val="50000"/>
+            </a:schemeClr>
+          </a:lnRef>
+          <a:fillRef idx="1">
+            <a:schemeClr val="accent1"/>
+          </a:fillRef>
+          <a:effectRef idx="0">
+            <a:schemeClr val="accent1"/>
+          </a:effectRef>
+          <a:fontRef idx="minor">
+            <a:schemeClr val="lt1"/>
+          </a:fontRef>
+        </p:style>
+        <p:txBody>
+          <a:bodyPr rtlCol="0" anchor="ctr"/>
+          <a:lstStyle/>
+          <a:p>
+            <a:pPr algn="ctr"/>
+            <a:r>
+              <a:rPr lang="en-ZA" dirty="0" smtClean="0"/>
+              <a:t>Group Chat</a:t>
+            </a:r>
+            <a:endParaRPr lang="en-GB" dirty="0"/>
+          </a:p>
+        </p:txBody>
+      </p:sp>
+      <p:sp>
+        <p:nvSpPr>
+          <p:cNvPr id="10" name="Oval 9"/>
+          <p:cNvSpPr/>
+          <p:nvPr/>
+        </p:nvSpPr>
+        <p:spPr>
+          <a:xfrm>
+            <a:off x="4886098" y="4364831"/>
+            <a:ext cx="2166257" cy="914400"/>
+          </a:xfrm>
+          <a:prstGeom prst="ellipse">
+            <a:avLst/>
+          </a:prstGeom>
+        </p:spPr>
+        <p:style>
+          <a:lnRef idx="2">
+            <a:schemeClr val="accent1">
+              <a:shade val="50000"/>
+            </a:schemeClr>
+          </a:lnRef>
+          <a:fillRef idx="1">
+            <a:schemeClr val="accent1"/>
+          </a:fillRef>
+          <a:effectRef idx="0">
+            <a:schemeClr val="accent1"/>
+          </a:effectRef>
+          <a:fontRef idx="minor">
+            <a:schemeClr val="lt1"/>
+          </a:fontRef>
+        </p:style>
+        <p:txBody>
+          <a:bodyPr rtlCol="0" anchor="ctr"/>
+          <a:lstStyle/>
+          <a:p>
+            <a:pPr algn="ctr"/>
+            <a:r>
+              <a:rPr lang="en-ZA" dirty="0" smtClean="0"/>
+              <a:t>Group Chat</a:t>
+            </a:r>
+            <a:endParaRPr lang="en-GB" dirty="0"/>
+          </a:p>
+        </p:txBody>
+      </p:sp>
+      <p:sp>
+        <p:nvSpPr>
+          <p:cNvPr id="11" name="Oval 10"/>
+          <p:cNvSpPr/>
+          <p:nvPr/>
+        </p:nvSpPr>
+        <p:spPr>
+          <a:xfrm>
+            <a:off x="4886098" y="5377542"/>
+            <a:ext cx="2166257" cy="914400"/>
+          </a:xfrm>
+          <a:prstGeom prst="ellipse">
+            <a:avLst/>
+          </a:prstGeom>
+        </p:spPr>
+        <p:style>
+          <a:lnRef idx="2">
+            <a:schemeClr val="accent1">
+              <a:shade val="50000"/>
+            </a:schemeClr>
+          </a:lnRef>
+          <a:fillRef idx="1">
+            <a:schemeClr val="accent1"/>
+          </a:fillRef>
+          <a:effectRef idx="0">
+            <a:schemeClr val="accent1"/>
+          </a:effectRef>
+          <a:fontRef idx="minor">
+            <a:schemeClr val="lt1"/>
+          </a:fontRef>
+        </p:style>
+        <p:txBody>
+          <a:bodyPr rtlCol="0" anchor="ctr"/>
+          <a:lstStyle/>
+          <a:p>
+            <a:pPr algn="ctr"/>
+            <a:r>
+              <a:rPr lang="en-ZA" dirty="0" smtClean="0"/>
+              <a:t>Group Chat</a:t>
+            </a:r>
+            <a:endParaRPr lang="en-GB" dirty="0"/>
+          </a:p>
+        </p:txBody>
+      </p:sp>
+      <p:cxnSp>
+        <p:nvCxnSpPr>
+          <p:cNvPr id="13" name="Straight Arrow Connector 12"/>
+          <p:cNvCxnSpPr>
+            <a:endCxn id="9" idx="2"/>
+          </p:cNvCxnSpPr>
+          <p:nvPr/>
+        </p:nvCxnSpPr>
+        <p:spPr>
+          <a:xfrm flipV="1">
+            <a:off x="3133498" y="3817030"/>
+            <a:ext cx="1752600" cy="457200"/>
+          </a:xfrm>
+          <a:prstGeom prst="straightConnector1">
+            <a:avLst/>
+          </a:prstGeom>
+          <a:ln>
+            <a:tailEnd type="triangle"/>
+          </a:ln>
+        </p:spPr>
+        <p:style>
+          <a:lnRef idx="1">
+            <a:schemeClr val="accent1"/>
+          </a:lnRef>
+          <a:fillRef idx="0">
+            <a:schemeClr val="accent1"/>
+          </a:fillRef>
+          <a:effectRef idx="0">
+            <a:schemeClr val="accent1"/>
+          </a:effectRef>
+          <a:fontRef idx="minor">
+            <a:schemeClr val="tx1"/>
+          </a:fontRef>
+        </p:style>
+      </p:cxnSp>
+      <p:cxnSp>
+        <p:nvCxnSpPr>
+          <p:cNvPr id="14" name="Straight Arrow Connector 13"/>
+          <p:cNvCxnSpPr>
+            <a:endCxn id="10" idx="2"/>
+          </p:cNvCxnSpPr>
+          <p:nvPr/>
+        </p:nvCxnSpPr>
+        <p:spPr>
+          <a:xfrm>
+            <a:off x="3133498" y="4734606"/>
+            <a:ext cx="1752600" cy="87425"/>
+          </a:xfrm>
+          <a:prstGeom prst="straightConnector1">
+            <a:avLst/>
+          </a:prstGeom>
+          <a:ln>
+            <a:tailEnd type="triangle"/>
+          </a:ln>
+        </p:spPr>
+        <p:style>
+          <a:lnRef idx="1">
+            <a:schemeClr val="accent1"/>
+          </a:lnRef>
+          <a:fillRef idx="0">
+            <a:schemeClr val="accent1"/>
+          </a:fillRef>
+          <a:effectRef idx="0">
+            <a:schemeClr val="accent1"/>
+          </a:effectRef>
+          <a:fontRef idx="minor">
+            <a:schemeClr val="tx1"/>
+          </a:fontRef>
+        </p:style>
+      </p:cxnSp>
+      <p:cxnSp>
+        <p:nvCxnSpPr>
+          <p:cNvPr id="15" name="Straight Arrow Connector 14"/>
+          <p:cNvCxnSpPr>
+            <a:endCxn id="11" idx="2"/>
+          </p:cNvCxnSpPr>
+          <p:nvPr/>
+        </p:nvCxnSpPr>
+        <p:spPr>
+          <a:xfrm>
+            <a:off x="3133498" y="5192145"/>
+            <a:ext cx="1752600" cy="642597"/>
+          </a:xfrm>
+          <a:prstGeom prst="straightConnector1">
+            <a:avLst/>
+          </a:prstGeom>
+          <a:ln>
+            <a:tailEnd type="triangle"/>
+          </a:ln>
+        </p:spPr>
+        <p:style>
+          <a:lnRef idx="1">
+            <a:schemeClr val="accent1"/>
+          </a:lnRef>
+          <a:fillRef idx="0">
+            <a:schemeClr val="accent1"/>
+          </a:fillRef>
+          <a:effectRef idx="0">
+            <a:schemeClr val="accent1"/>
+          </a:effectRef>
+          <a:fontRef idx="minor">
+            <a:schemeClr val="tx1"/>
+          </a:fontRef>
+        </p:style>
+      </p:cxnSp>
+      <p:cxnSp>
+        <p:nvCxnSpPr>
+          <p:cNvPr id="19" name="Straight Arrow Connector 18"/>
+          <p:cNvCxnSpPr>
+            <a:endCxn id="6" idx="0"/>
+          </p:cNvCxnSpPr>
+          <p:nvPr/>
+        </p:nvCxnSpPr>
+        <p:spPr>
+          <a:xfrm>
+            <a:off x="2257198" y="2749890"/>
+            <a:ext cx="4649" cy="1524340"/>
+          </a:xfrm>
+          <a:prstGeom prst="straightConnector1">
+            <a:avLst/>
+          </a:prstGeom>
+          <a:ln>
+            <a:tailEnd type="triangle"/>
+          </a:ln>
+        </p:spPr>
+        <p:style>
+          <a:lnRef idx="1">
+            <a:schemeClr val="accent1"/>
+          </a:lnRef>
+          <a:fillRef idx="0">
+            <a:schemeClr val="accent1"/>
+          </a:fillRef>
+          <a:effectRef idx="0">
+            <a:schemeClr val="accent1"/>
+          </a:effectRef>
+          <a:fontRef idx="minor">
+            <a:schemeClr val="tx1"/>
+          </a:fontRef>
+        </p:style>
+      </p:cxnSp>
+      <p:cxnSp>
+        <p:nvCxnSpPr>
+          <p:cNvPr id="21" name="Straight Arrow Connector 20"/>
+          <p:cNvCxnSpPr>
+            <a:endCxn id="5" idx="1"/>
+          </p:cNvCxnSpPr>
+          <p:nvPr/>
+        </p:nvCxnSpPr>
+        <p:spPr>
+          <a:xfrm flipV="1">
+            <a:off x="2981098" y="2351314"/>
+            <a:ext cx="2128156" cy="21432"/>
+          </a:xfrm>
+          <a:prstGeom prst="straightConnector1">
+            <a:avLst/>
+          </a:prstGeom>
+          <a:ln>
+            <a:tailEnd type="triangle"/>
+          </a:ln>
+        </p:spPr>
+        <p:style>
+          <a:lnRef idx="1">
+            <a:schemeClr val="accent1"/>
+          </a:lnRef>
+          <a:fillRef idx="0">
+            <a:schemeClr val="accent1"/>
+          </a:fillRef>
+          <a:effectRef idx="0">
+            <a:schemeClr val="accent1"/>
+          </a:effectRef>
+          <a:fontRef idx="minor">
+            <a:schemeClr val="tx1"/>
+          </a:fontRef>
+        </p:style>
+      </p:cxnSp>
+      <p:cxnSp>
+        <p:nvCxnSpPr>
+          <p:cNvPr id="24" name="Straight Arrow Connector 23"/>
+          <p:cNvCxnSpPr>
+            <a:endCxn id="4" idx="0"/>
+          </p:cNvCxnSpPr>
+          <p:nvPr/>
+        </p:nvCxnSpPr>
+        <p:spPr>
+          <a:xfrm>
+            <a:off x="2257198" y="1164771"/>
+            <a:ext cx="4649" cy="653143"/>
+          </a:xfrm>
+          <a:prstGeom prst="straightConnector1">
+            <a:avLst/>
+          </a:prstGeom>
+          <a:ln>
+            <a:tailEnd type="triangle"/>
+          </a:ln>
+        </p:spPr>
+        <p:style>
+          <a:lnRef idx="1">
+            <a:schemeClr val="accent1"/>
+          </a:lnRef>
+          <a:fillRef idx="0">
+            <a:schemeClr val="accent1"/>
+          </a:fillRef>
+          <a:effectRef idx="0">
+            <a:schemeClr val="accent1"/>
+          </a:effectRef>
+          <a:fontRef idx="minor">
+            <a:schemeClr val="tx1"/>
+          </a:fontRef>
+        </p:style>
+      </p:cxnSp>
+      <p:sp>
+        <p:nvSpPr>
+          <p:cNvPr id="26" name="Cloud 25"/>
+          <p:cNvSpPr/>
+          <p:nvPr/>
+        </p:nvSpPr>
+        <p:spPr>
+          <a:xfrm>
+            <a:off x="1555863" y="457804"/>
+            <a:ext cx="1402669" cy="729343"/>
+          </a:xfrm>
+          <a:prstGeom prst="cloud">
+            <a:avLst/>
+          </a:prstGeom>
+        </p:spPr>
+        <p:style>
+          <a:lnRef idx="2">
+            <a:schemeClr val="accent1">
+              <a:shade val="50000"/>
+            </a:schemeClr>
+          </a:lnRef>
+          <a:fillRef idx="1">
+            <a:schemeClr val="accent1"/>
+          </a:fillRef>
+          <a:effectRef idx="0">
+            <a:schemeClr val="accent1"/>
+          </a:effectRef>
+          <a:fontRef idx="minor">
+            <a:schemeClr val="lt1"/>
+          </a:fontRef>
+        </p:style>
+        <p:txBody>
+          <a:bodyPr rtlCol="0" anchor="ctr"/>
+          <a:lstStyle/>
+          <a:p>
+            <a:pPr algn="ctr"/>
+            <a:endParaRPr lang="en-GB"/>
+          </a:p>
+        </p:txBody>
+      </p:sp>
+      <p:sp>
+        <p:nvSpPr>
+          <p:cNvPr id="27" name="Can 26"/>
+          <p:cNvSpPr/>
+          <p:nvPr/>
+        </p:nvSpPr>
+        <p:spPr>
+          <a:xfrm>
+            <a:off x="8228012" y="4174331"/>
+            <a:ext cx="1153886" cy="1295400"/>
+          </a:xfrm>
+          <a:prstGeom prst="can">
+            <a:avLst/>
+          </a:prstGeom>
+        </p:spPr>
+        <p:style>
+          <a:lnRef idx="2">
+            <a:schemeClr val="accent1">
+              <a:shade val="50000"/>
+            </a:schemeClr>
+          </a:lnRef>
+          <a:fillRef idx="1">
+            <a:schemeClr val="accent1"/>
+          </a:fillRef>
+          <a:effectRef idx="0">
+            <a:schemeClr val="accent1"/>
+          </a:effectRef>
+          <a:fontRef idx="minor">
+            <a:schemeClr val="lt1"/>
+          </a:fontRef>
+        </p:style>
+        <p:txBody>
+          <a:bodyPr rtlCol="0" anchor="ctr"/>
+          <a:lstStyle/>
+          <a:p>
+            <a:pPr algn="ctr"/>
+            <a:r>
+              <a:rPr lang="en-ZA" dirty="0" smtClean="0"/>
+              <a:t>Storage</a:t>
+            </a:r>
+            <a:endParaRPr lang="en-GB" dirty="0"/>
+          </a:p>
+        </p:txBody>
+      </p:sp>
+      <p:sp>
+        <p:nvSpPr>
+          <p:cNvPr id="28" name="Flowchart: Display 27"/>
+          <p:cNvSpPr/>
+          <p:nvPr/>
+        </p:nvSpPr>
+        <p:spPr>
+          <a:xfrm rot="5400000">
+            <a:off x="8059282" y="2562111"/>
+            <a:ext cx="1480457" cy="1295400"/>
+          </a:xfrm>
+          <a:prstGeom prst="flowChartDisplay">
+            <a:avLst/>
+          </a:prstGeom>
+        </p:spPr>
+        <p:style>
+          <a:lnRef idx="2">
+            <a:schemeClr val="accent1">
+              <a:shade val="50000"/>
+            </a:schemeClr>
+          </a:lnRef>
+          <a:fillRef idx="1">
+            <a:schemeClr val="accent1"/>
+          </a:fillRef>
+          <a:effectRef idx="0">
+            <a:schemeClr val="accent1"/>
+          </a:effectRef>
+          <a:fontRef idx="minor">
+            <a:schemeClr val="lt1"/>
+          </a:fontRef>
+        </p:style>
+        <p:txBody>
+          <a:bodyPr vert="vert270" rtlCol="0" anchor="ctr"/>
+          <a:lstStyle/>
+          <a:p>
+            <a:pPr algn="ctr"/>
+            <a:r>
+              <a:rPr lang="en-ZA" dirty="0" smtClean="0"/>
+              <a:t>Encryption</a:t>
+            </a:r>
+            <a:endParaRPr lang="en-GB" dirty="0"/>
+          </a:p>
+        </p:txBody>
+      </p:sp>
+      <p:cxnSp>
+        <p:nvCxnSpPr>
+          <p:cNvPr id="30" name="Straight Arrow Connector 29"/>
+          <p:cNvCxnSpPr>
+            <a:stCxn id="9" idx="6"/>
+            <a:endCxn id="28" idx="2"/>
+          </p:cNvCxnSpPr>
+          <p:nvPr/>
+        </p:nvCxnSpPr>
+        <p:spPr>
+          <a:xfrm flipV="1">
+            <a:off x="7052355" y="3209812"/>
+            <a:ext cx="1099456" cy="607218"/>
+          </a:xfrm>
+          <a:prstGeom prst="straightConnector1">
+            <a:avLst/>
+          </a:prstGeom>
+          <a:ln>
+            <a:tailEnd type="triangle"/>
+          </a:ln>
+        </p:spPr>
+        <p:style>
+          <a:lnRef idx="1">
+            <a:schemeClr val="accent1"/>
+          </a:lnRef>
+          <a:fillRef idx="0">
+            <a:schemeClr val="accent1"/>
+          </a:fillRef>
+          <a:effectRef idx="0">
+            <a:schemeClr val="accent1"/>
+          </a:effectRef>
+          <a:fontRef idx="minor">
+            <a:schemeClr val="tx1"/>
+          </a:fontRef>
+        </p:style>
+      </p:cxnSp>
+      <p:cxnSp>
+        <p:nvCxnSpPr>
+          <p:cNvPr id="32" name="Straight Arrow Connector 31"/>
+          <p:cNvCxnSpPr>
+            <a:stCxn id="9" idx="6"/>
+            <a:endCxn id="27" idx="2"/>
+          </p:cNvCxnSpPr>
+          <p:nvPr/>
+        </p:nvCxnSpPr>
+        <p:spPr>
+          <a:xfrm>
+            <a:off x="7052355" y="3817030"/>
+            <a:ext cx="1175657" cy="1005001"/>
+          </a:xfrm>
+          <a:prstGeom prst="straightConnector1">
+            <a:avLst/>
+          </a:prstGeom>
+          <a:ln>
+            <a:tailEnd type="triangle"/>
+          </a:ln>
+        </p:spPr>
+        <p:style>
+          <a:lnRef idx="1">
+            <a:schemeClr val="accent1"/>
+          </a:lnRef>
+          <a:fillRef idx="0">
+            <a:schemeClr val="accent1"/>
+          </a:fillRef>
+          <a:effectRef idx="0">
+            <a:schemeClr val="accent1"/>
+          </a:effectRef>
+          <a:fontRef idx="minor">
+            <a:schemeClr val="tx1"/>
+          </a:fontRef>
+        </p:style>
+      </p:cxnSp>
+    </p:spTree>
+    <p:extLst>
+      <p:ext uri="{BB962C8B-B14F-4D97-AF65-F5344CB8AC3E}">
+        <p14:creationId xmlns:p14="http://schemas.microsoft.com/office/powerpoint/2010/main" val="4123222276"/>
+      </p:ext>
+    </p:extLst>
+  </p:cSld>
+  <p:clrMapOvr>
+    <a:masterClrMapping/>
+  </p:clrMapOvr>
+</p:sld>
+</file>
+
+<file path=ppt/slides/slide7.xml><?xml version="1.0" encoding="utf-8"?>
 <p:sld xmlns:a="http://schemas.openxmlformats.org/drawingml/2006/main" xmlns:r="http://schemas.openxmlformats.org/officeDocument/2006/relationships" xmlns:p="http://schemas.openxmlformats.org/presentationml/2006/main">
   <p:cSld>
     <p:spTree>
@@ -15225,7 +16279,7 @@
 </p:sld>
 </file>
 
-<file path=ppt/slides/slide5.xml><?xml version="1.0" encoding="utf-8"?>
+<file path=ppt/slides/slide8.xml><?xml version="1.0" encoding="utf-8"?>
 <p:sld xmlns:a="http://schemas.openxmlformats.org/drawingml/2006/main" xmlns:r="http://schemas.openxmlformats.org/officeDocument/2006/relationships" xmlns:p="http://schemas.openxmlformats.org/presentationml/2006/main">
   <p:cSld>
     <p:spTree>
@@ -15347,7 +16401,7 @@
 </p:sld>
 </file>
 
-<file path=ppt/slides/slide6.xml><?xml version="1.0" encoding="utf-8"?>
+<file path=ppt/slides/slide9.xml><?xml version="1.0" encoding="utf-8"?>
 <p:sld xmlns:a="http://schemas.openxmlformats.org/drawingml/2006/main" xmlns:r="http://schemas.openxmlformats.org/officeDocument/2006/relationships" xmlns:p="http://schemas.openxmlformats.org/presentationml/2006/main">
   <p:cSld>
     <p:spTree>

--- a/Project Documentation/Demos/Nanoteq Demo/demo_nanoteq.pptx
+++ b/Project Documentation/Demos/Nanoteq Demo/demo_nanoteq.pptx
@@ -4,6 +4,9 @@
   <p:sldMasterIdLst>
     <p:sldMasterId id="2147483696" r:id="rId1"/>
   </p:sldMasterIdLst>
+  <p:notesMasterIdLst>
+    <p:notesMasterId r:id="rId11"/>
+  </p:notesMasterIdLst>
   <p:sldIdLst>
     <p:sldId id="256" r:id="rId2"/>
     <p:sldId id="262" r:id="rId3"/>
@@ -989,7 +992,7 @@
   <dgm:whole/>
   <dgm:extLst>
     <a:ext uri="http://schemas.microsoft.com/office/drawing/2008/diagram">
-      <dsp:dataModelExt xmlns:dsp="http://schemas.microsoft.com/office/drawing/2008/diagram" relId="rId6" minVer="http://schemas.openxmlformats.org/drawingml/2006/diagram"/>
+      <dsp:dataModelExt xmlns:dsp="http://schemas.microsoft.com/office/drawing/2008/diagram" relId="rId7" minVer="http://schemas.openxmlformats.org/drawingml/2006/diagram"/>
     </a:ext>
   </dgm:extLst>
 </dgm:dataModel>
@@ -2351,6 +2354,900 @@
     </dgm:style>
   </dgm:styleLbl>
 </dgm:styleDef>
+</file>
+
+<file path=ppt/notesMasters/notesMaster1.xml><?xml version="1.0" encoding="utf-8"?>
+<p:notesMaster xmlns:a="http://schemas.openxmlformats.org/drawingml/2006/main" xmlns:r="http://schemas.openxmlformats.org/officeDocument/2006/relationships" xmlns:p="http://schemas.openxmlformats.org/presentationml/2006/main">
+  <p:cSld>
+    <p:bg>
+      <p:bgRef idx="1001">
+        <a:schemeClr val="bg1"/>
+      </p:bgRef>
+    </p:bg>
+    <p:spTree>
+      <p:nvGrpSpPr>
+        <p:cNvPr id="1" name=""/>
+        <p:cNvGrpSpPr/>
+        <p:nvPr/>
+      </p:nvGrpSpPr>
+      <p:grpSpPr>
+        <a:xfrm>
+          <a:off x="0" y="0"/>
+          <a:ext cx="0" cy="0"/>
+          <a:chOff x="0" y="0"/>
+          <a:chExt cx="0" cy="0"/>
+        </a:xfrm>
+      </p:grpSpPr>
+      <p:sp>
+        <p:nvSpPr>
+          <p:cNvPr id="2" name="Header Placeholder 1"/>
+          <p:cNvSpPr>
+            <a:spLocks noGrp="1"/>
+          </p:cNvSpPr>
+          <p:nvPr>
+            <p:ph type="hdr" sz="quarter"/>
+          </p:nvPr>
+        </p:nvSpPr>
+        <p:spPr>
+          <a:xfrm>
+            <a:off x="0" y="0"/>
+            <a:ext cx="2971800" cy="458788"/>
+          </a:xfrm>
+          <a:prstGeom prst="rect">
+            <a:avLst/>
+          </a:prstGeom>
+        </p:spPr>
+        <p:txBody>
+          <a:bodyPr vert="horz" lIns="91440" tIns="45720" rIns="91440" bIns="45720" rtlCol="0"/>
+          <a:lstStyle>
+            <a:lvl1pPr algn="l">
+              <a:defRPr sz="1200"/>
+            </a:lvl1pPr>
+          </a:lstStyle>
+          <a:p>
+            <a:endParaRPr lang="en-GB"/>
+          </a:p>
+        </p:txBody>
+      </p:sp>
+      <p:sp>
+        <p:nvSpPr>
+          <p:cNvPr id="3" name="Date Placeholder 2"/>
+          <p:cNvSpPr>
+            <a:spLocks noGrp="1"/>
+          </p:cNvSpPr>
+          <p:nvPr>
+            <p:ph type="dt" idx="1"/>
+          </p:nvPr>
+        </p:nvSpPr>
+        <p:spPr>
+          <a:xfrm>
+            <a:off x="3884613" y="0"/>
+            <a:ext cx="2971800" cy="458788"/>
+          </a:xfrm>
+          <a:prstGeom prst="rect">
+            <a:avLst/>
+          </a:prstGeom>
+        </p:spPr>
+        <p:txBody>
+          <a:bodyPr vert="horz" lIns="91440" tIns="45720" rIns="91440" bIns="45720" rtlCol="0"/>
+          <a:lstStyle>
+            <a:lvl1pPr algn="r">
+              <a:defRPr sz="1200"/>
+            </a:lvl1pPr>
+          </a:lstStyle>
+          <a:p>
+            <a:fld id="{3E7F7E54-ABB0-4A46-9FFF-785A78757873}" type="datetimeFigureOut">
+              <a:rPr lang="en-GB" smtClean="0"/>
+              <a:t>06/11/2015</a:t>
+            </a:fld>
+            <a:endParaRPr lang="en-GB"/>
+          </a:p>
+        </p:txBody>
+      </p:sp>
+      <p:sp>
+        <p:nvSpPr>
+          <p:cNvPr id="4" name="Slide Image Placeholder 3"/>
+          <p:cNvSpPr>
+            <a:spLocks noGrp="1" noRot="1" noChangeAspect="1"/>
+          </p:cNvSpPr>
+          <p:nvPr>
+            <p:ph type="sldImg" idx="2"/>
+          </p:nvPr>
+        </p:nvSpPr>
+        <p:spPr>
+          <a:xfrm>
+            <a:off x="685800" y="1143000"/>
+            <a:ext cx="5486400" cy="3086100"/>
+          </a:xfrm>
+          <a:prstGeom prst="rect">
+            <a:avLst/>
+          </a:prstGeom>
+          <a:noFill/>
+          <a:ln w="12700">
+            <a:solidFill>
+              <a:prstClr val="black"/>
+            </a:solidFill>
+          </a:ln>
+        </p:spPr>
+        <p:txBody>
+          <a:bodyPr vert="horz" lIns="91440" tIns="45720" rIns="91440" bIns="45720" rtlCol="0" anchor="ctr"/>
+          <a:lstStyle/>
+          <a:p>
+            <a:endParaRPr lang="en-GB"/>
+          </a:p>
+        </p:txBody>
+      </p:sp>
+      <p:sp>
+        <p:nvSpPr>
+          <p:cNvPr id="5" name="Notes Placeholder 4"/>
+          <p:cNvSpPr>
+            <a:spLocks noGrp="1"/>
+          </p:cNvSpPr>
+          <p:nvPr>
+            <p:ph type="body" sz="quarter" idx="3"/>
+          </p:nvPr>
+        </p:nvSpPr>
+        <p:spPr>
+          <a:xfrm>
+            <a:off x="685800" y="4400550"/>
+            <a:ext cx="5486400" cy="3600450"/>
+          </a:xfrm>
+          <a:prstGeom prst="rect">
+            <a:avLst/>
+          </a:prstGeom>
+        </p:spPr>
+        <p:txBody>
+          <a:bodyPr vert="horz" lIns="91440" tIns="45720" rIns="91440" bIns="45720" rtlCol="0"/>
+          <a:lstStyle/>
+          <a:p>
+            <a:pPr lvl="0"/>
+            <a:r>
+              <a:rPr lang="en-US" smtClean="0"/>
+              <a:t>Click to edit Master text styles</a:t>
+            </a:r>
+          </a:p>
+          <a:p>
+            <a:pPr lvl="1"/>
+            <a:r>
+              <a:rPr lang="en-US" smtClean="0"/>
+              <a:t>Second level</a:t>
+            </a:r>
+          </a:p>
+          <a:p>
+            <a:pPr lvl="2"/>
+            <a:r>
+              <a:rPr lang="en-US" smtClean="0"/>
+              <a:t>Third level</a:t>
+            </a:r>
+          </a:p>
+          <a:p>
+            <a:pPr lvl="3"/>
+            <a:r>
+              <a:rPr lang="en-US" smtClean="0"/>
+              <a:t>Fourth level</a:t>
+            </a:r>
+          </a:p>
+          <a:p>
+            <a:pPr lvl="4"/>
+            <a:r>
+              <a:rPr lang="en-US" smtClean="0"/>
+              <a:t>Fifth level</a:t>
+            </a:r>
+            <a:endParaRPr lang="en-GB"/>
+          </a:p>
+        </p:txBody>
+      </p:sp>
+      <p:sp>
+        <p:nvSpPr>
+          <p:cNvPr id="6" name="Footer Placeholder 5"/>
+          <p:cNvSpPr>
+            <a:spLocks noGrp="1"/>
+          </p:cNvSpPr>
+          <p:nvPr>
+            <p:ph type="ftr" sz="quarter" idx="4"/>
+          </p:nvPr>
+        </p:nvSpPr>
+        <p:spPr>
+          <a:xfrm>
+            <a:off x="0" y="8685213"/>
+            <a:ext cx="2971800" cy="458787"/>
+          </a:xfrm>
+          <a:prstGeom prst="rect">
+            <a:avLst/>
+          </a:prstGeom>
+        </p:spPr>
+        <p:txBody>
+          <a:bodyPr vert="horz" lIns="91440" tIns="45720" rIns="91440" bIns="45720" rtlCol="0" anchor="b"/>
+          <a:lstStyle>
+            <a:lvl1pPr algn="l">
+              <a:defRPr sz="1200"/>
+            </a:lvl1pPr>
+          </a:lstStyle>
+          <a:p>
+            <a:endParaRPr lang="en-GB"/>
+          </a:p>
+        </p:txBody>
+      </p:sp>
+      <p:sp>
+        <p:nvSpPr>
+          <p:cNvPr id="7" name="Slide Number Placeholder 6"/>
+          <p:cNvSpPr>
+            <a:spLocks noGrp="1"/>
+          </p:cNvSpPr>
+          <p:nvPr>
+            <p:ph type="sldNum" sz="quarter" idx="5"/>
+          </p:nvPr>
+        </p:nvSpPr>
+        <p:spPr>
+          <a:xfrm>
+            <a:off x="3884613" y="8685213"/>
+            <a:ext cx="2971800" cy="458787"/>
+          </a:xfrm>
+          <a:prstGeom prst="rect">
+            <a:avLst/>
+          </a:prstGeom>
+        </p:spPr>
+        <p:txBody>
+          <a:bodyPr vert="horz" lIns="91440" tIns="45720" rIns="91440" bIns="45720" rtlCol="0" anchor="b"/>
+          <a:lstStyle>
+            <a:lvl1pPr algn="r">
+              <a:defRPr sz="1200"/>
+            </a:lvl1pPr>
+          </a:lstStyle>
+          <a:p>
+            <a:fld id="{2DF68108-A486-4586-8CEF-6E2E90BB08D2}" type="slidenum">
+              <a:rPr lang="en-GB" smtClean="0"/>
+              <a:t>‹#›</a:t>
+            </a:fld>
+            <a:endParaRPr lang="en-GB"/>
+          </a:p>
+        </p:txBody>
+      </p:sp>
+    </p:spTree>
+    <p:extLst>
+      <p:ext uri="{BB962C8B-B14F-4D97-AF65-F5344CB8AC3E}">
+        <p14:creationId xmlns:p14="http://schemas.microsoft.com/office/powerpoint/2010/main" val="4169740493"/>
+      </p:ext>
+    </p:extLst>
+  </p:cSld>
+  <p:clrMap bg1="lt1" tx1="dk1" bg2="lt2" tx2="dk2" accent1="accent1" accent2="accent2" accent3="accent3" accent4="accent4" accent5="accent5" accent6="accent6" hlink="hlink" folHlink="folHlink"/>
+  <p:notesStyle>
+    <a:lvl1pPr marL="0" algn="l" defTabSz="914400" rtl="0" eaLnBrk="1" latinLnBrk="0" hangingPunct="1">
+      <a:defRPr sz="1200" kern="1200">
+        <a:solidFill>
+          <a:schemeClr val="tx1"/>
+        </a:solidFill>
+        <a:latin typeface="+mn-lt"/>
+        <a:ea typeface="+mn-ea"/>
+        <a:cs typeface="+mn-cs"/>
+      </a:defRPr>
+    </a:lvl1pPr>
+    <a:lvl2pPr marL="457200" algn="l" defTabSz="914400" rtl="0" eaLnBrk="1" latinLnBrk="0" hangingPunct="1">
+      <a:defRPr sz="1200" kern="1200">
+        <a:solidFill>
+          <a:schemeClr val="tx1"/>
+        </a:solidFill>
+        <a:latin typeface="+mn-lt"/>
+        <a:ea typeface="+mn-ea"/>
+        <a:cs typeface="+mn-cs"/>
+      </a:defRPr>
+    </a:lvl2pPr>
+    <a:lvl3pPr marL="914400" algn="l" defTabSz="914400" rtl="0" eaLnBrk="1" latinLnBrk="0" hangingPunct="1">
+      <a:defRPr sz="1200" kern="1200">
+        <a:solidFill>
+          <a:schemeClr val="tx1"/>
+        </a:solidFill>
+        <a:latin typeface="+mn-lt"/>
+        <a:ea typeface="+mn-ea"/>
+        <a:cs typeface="+mn-cs"/>
+      </a:defRPr>
+    </a:lvl3pPr>
+    <a:lvl4pPr marL="1371600" algn="l" defTabSz="914400" rtl="0" eaLnBrk="1" latinLnBrk="0" hangingPunct="1">
+      <a:defRPr sz="1200" kern="1200">
+        <a:solidFill>
+          <a:schemeClr val="tx1"/>
+        </a:solidFill>
+        <a:latin typeface="+mn-lt"/>
+        <a:ea typeface="+mn-ea"/>
+        <a:cs typeface="+mn-cs"/>
+      </a:defRPr>
+    </a:lvl4pPr>
+    <a:lvl5pPr marL="1828800" algn="l" defTabSz="914400" rtl="0" eaLnBrk="1" latinLnBrk="0" hangingPunct="1">
+      <a:defRPr sz="1200" kern="1200">
+        <a:solidFill>
+          <a:schemeClr val="tx1"/>
+        </a:solidFill>
+        <a:latin typeface="+mn-lt"/>
+        <a:ea typeface="+mn-ea"/>
+        <a:cs typeface="+mn-cs"/>
+      </a:defRPr>
+    </a:lvl5pPr>
+    <a:lvl6pPr marL="2286000" algn="l" defTabSz="914400" rtl="0" eaLnBrk="1" latinLnBrk="0" hangingPunct="1">
+      <a:defRPr sz="1200" kern="1200">
+        <a:solidFill>
+          <a:schemeClr val="tx1"/>
+        </a:solidFill>
+        <a:latin typeface="+mn-lt"/>
+        <a:ea typeface="+mn-ea"/>
+        <a:cs typeface="+mn-cs"/>
+      </a:defRPr>
+    </a:lvl6pPr>
+    <a:lvl7pPr marL="2743200" algn="l" defTabSz="914400" rtl="0" eaLnBrk="1" latinLnBrk="0" hangingPunct="1">
+      <a:defRPr sz="1200" kern="1200">
+        <a:solidFill>
+          <a:schemeClr val="tx1"/>
+        </a:solidFill>
+        <a:latin typeface="+mn-lt"/>
+        <a:ea typeface="+mn-ea"/>
+        <a:cs typeface="+mn-cs"/>
+      </a:defRPr>
+    </a:lvl7pPr>
+    <a:lvl8pPr marL="3200400" algn="l" defTabSz="914400" rtl="0" eaLnBrk="1" latinLnBrk="0" hangingPunct="1">
+      <a:defRPr sz="1200" kern="1200">
+        <a:solidFill>
+          <a:schemeClr val="tx1"/>
+        </a:solidFill>
+        <a:latin typeface="+mn-lt"/>
+        <a:ea typeface="+mn-ea"/>
+        <a:cs typeface="+mn-cs"/>
+      </a:defRPr>
+    </a:lvl8pPr>
+    <a:lvl9pPr marL="3657600" algn="l" defTabSz="914400" rtl="0" eaLnBrk="1" latinLnBrk="0" hangingPunct="1">
+      <a:defRPr sz="1200" kern="1200">
+        <a:solidFill>
+          <a:schemeClr val="tx1"/>
+        </a:solidFill>
+        <a:latin typeface="+mn-lt"/>
+        <a:ea typeface="+mn-ea"/>
+        <a:cs typeface="+mn-cs"/>
+      </a:defRPr>
+    </a:lvl9pPr>
+  </p:notesStyle>
+</p:notesMaster>
+</file>
+
+<file path=ppt/notesSlides/notesSlide1.xml><?xml version="1.0" encoding="utf-8"?>
+<p:notes xmlns:a="http://schemas.openxmlformats.org/drawingml/2006/main" xmlns:r="http://schemas.openxmlformats.org/officeDocument/2006/relationships" xmlns:p="http://schemas.openxmlformats.org/presentationml/2006/main">
+  <p:cSld>
+    <p:spTree>
+      <p:nvGrpSpPr>
+        <p:cNvPr id="1" name=""/>
+        <p:cNvGrpSpPr/>
+        <p:nvPr/>
+      </p:nvGrpSpPr>
+      <p:grpSpPr>
+        <a:xfrm>
+          <a:off x="0" y="0"/>
+          <a:ext cx="0" cy="0"/>
+          <a:chOff x="0" y="0"/>
+          <a:chExt cx="0" cy="0"/>
+        </a:xfrm>
+      </p:grpSpPr>
+      <p:sp>
+        <p:nvSpPr>
+          <p:cNvPr id="2" name="Slide Image Placeholder 1"/>
+          <p:cNvSpPr>
+            <a:spLocks noGrp="1" noRot="1" noChangeAspect="1"/>
+          </p:cNvSpPr>
+          <p:nvPr>
+            <p:ph type="sldImg"/>
+          </p:nvPr>
+        </p:nvSpPr>
+        <p:spPr/>
+      </p:sp>
+      <p:sp>
+        <p:nvSpPr>
+          <p:cNvPr id="3" name="Notes Placeholder 2"/>
+          <p:cNvSpPr>
+            <a:spLocks noGrp="1"/>
+          </p:cNvSpPr>
+          <p:nvPr>
+            <p:ph type="body" idx="1"/>
+          </p:nvPr>
+        </p:nvSpPr>
+        <p:spPr/>
+        <p:txBody>
+          <a:bodyPr/>
+          <a:lstStyle/>
+          <a:p>
+            <a:endParaRPr lang="en-GB" dirty="0"/>
+          </a:p>
+        </p:txBody>
+      </p:sp>
+      <p:sp>
+        <p:nvSpPr>
+          <p:cNvPr id="4" name="Slide Number Placeholder 3"/>
+          <p:cNvSpPr>
+            <a:spLocks noGrp="1"/>
+          </p:cNvSpPr>
+          <p:nvPr>
+            <p:ph type="sldNum" sz="quarter" idx="10"/>
+          </p:nvPr>
+        </p:nvSpPr>
+        <p:spPr/>
+        <p:txBody>
+          <a:bodyPr/>
+          <a:lstStyle/>
+          <a:p>
+            <a:fld id="{2DF68108-A486-4586-8CEF-6E2E90BB08D2}" type="slidenum">
+              <a:rPr lang="en-GB" smtClean="0"/>
+              <a:t>1</a:t>
+            </a:fld>
+            <a:endParaRPr lang="en-GB"/>
+          </a:p>
+        </p:txBody>
+      </p:sp>
+    </p:spTree>
+    <p:extLst>
+      <p:ext uri="{BB962C8B-B14F-4D97-AF65-F5344CB8AC3E}">
+        <p14:creationId xmlns:p14="http://schemas.microsoft.com/office/powerpoint/2010/main" val="2206562508"/>
+      </p:ext>
+    </p:extLst>
+  </p:cSld>
+  <p:clrMapOvr>
+    <a:masterClrMapping/>
+  </p:clrMapOvr>
+</p:notes>
+</file>
+
+<file path=ppt/notesSlides/notesSlide2.xml><?xml version="1.0" encoding="utf-8"?>
+<p:notes xmlns:a="http://schemas.openxmlformats.org/drawingml/2006/main" xmlns:r="http://schemas.openxmlformats.org/officeDocument/2006/relationships" xmlns:p="http://schemas.openxmlformats.org/presentationml/2006/main">
+  <p:cSld>
+    <p:spTree>
+      <p:nvGrpSpPr>
+        <p:cNvPr id="1" name=""/>
+        <p:cNvGrpSpPr/>
+        <p:nvPr/>
+      </p:nvGrpSpPr>
+      <p:grpSpPr>
+        <a:xfrm>
+          <a:off x="0" y="0"/>
+          <a:ext cx="0" cy="0"/>
+          <a:chOff x="0" y="0"/>
+          <a:chExt cx="0" cy="0"/>
+        </a:xfrm>
+      </p:grpSpPr>
+      <p:sp>
+        <p:nvSpPr>
+          <p:cNvPr id="2" name="Slide Image Placeholder 1"/>
+          <p:cNvSpPr>
+            <a:spLocks noGrp="1" noRot="1" noChangeAspect="1"/>
+          </p:cNvSpPr>
+          <p:nvPr>
+            <p:ph type="sldImg"/>
+          </p:nvPr>
+        </p:nvSpPr>
+        <p:spPr/>
+      </p:sp>
+      <p:sp>
+        <p:nvSpPr>
+          <p:cNvPr id="3" name="Notes Placeholder 2"/>
+          <p:cNvSpPr>
+            <a:spLocks noGrp="1"/>
+          </p:cNvSpPr>
+          <p:nvPr>
+            <p:ph type="body" idx="1"/>
+          </p:nvPr>
+        </p:nvSpPr>
+        <p:spPr/>
+        <p:txBody>
+          <a:bodyPr/>
+          <a:lstStyle/>
+          <a:p>
+            <a:pPr marL="171450" indent="-171450">
+              <a:buFont typeface="Arial" panose="020B0604020202020204" pitchFamily="34" charset="0"/>
+              <a:buChar char="•"/>
+            </a:pPr>
+            <a:r>
+              <a:rPr lang="en-ZA" dirty="0" smtClean="0"/>
+              <a:t>Our</a:t>
+            </a:r>
+            <a:r>
+              <a:rPr lang="en-ZA" baseline="0" dirty="0" smtClean="0"/>
+              <a:t> listener listens for new messages and depending on the message headers, delegates the handling of the message to the </a:t>
+            </a:r>
+            <a:r>
+              <a:rPr lang="en-ZA" baseline="0" dirty="0" err="1" smtClean="0"/>
+              <a:t>Linphone</a:t>
+            </a:r>
+            <a:r>
+              <a:rPr lang="en-ZA" baseline="0" dirty="0" smtClean="0"/>
+              <a:t> Manager of the Group Chat Manager.</a:t>
+            </a:r>
+          </a:p>
+          <a:p>
+            <a:pPr marL="171450" indent="-171450">
+              <a:buFont typeface="Arial" panose="020B0604020202020204" pitchFamily="34" charset="0"/>
+              <a:buChar char="•"/>
+            </a:pPr>
+            <a:r>
+              <a:rPr lang="en-ZA" baseline="0" dirty="0" smtClean="0"/>
+              <a:t>Depends on existence of a Group Chat ID header.</a:t>
+            </a:r>
+          </a:p>
+          <a:p>
+            <a:pPr marL="171450" indent="-171450">
+              <a:buFont typeface="Arial" panose="020B0604020202020204" pitchFamily="34" charset="0"/>
+              <a:buChar char="•"/>
+            </a:pPr>
+            <a:r>
+              <a:rPr lang="en-ZA" baseline="0" dirty="0" smtClean="0"/>
+              <a:t>Group Chat Manager delegates the message to the correct group, if it exists.</a:t>
+            </a:r>
+          </a:p>
+          <a:p>
+            <a:pPr marL="171450" indent="-171450">
+              <a:buFont typeface="Arial" panose="020B0604020202020204" pitchFamily="34" charset="0"/>
+              <a:buChar char="•"/>
+            </a:pPr>
+            <a:r>
+              <a:rPr lang="en-ZA" baseline="0" dirty="0" smtClean="0"/>
+              <a:t>Group Chat handles the message appropriately, possibly first decrypting the message.</a:t>
+            </a:r>
+          </a:p>
+          <a:p>
+            <a:pPr marL="171450" indent="-171450">
+              <a:buFont typeface="Arial" panose="020B0604020202020204" pitchFamily="34" charset="0"/>
+              <a:buChar char="•"/>
+            </a:pPr>
+            <a:r>
+              <a:rPr lang="en-ZA" baseline="0" dirty="0" smtClean="0"/>
+              <a:t>If a plain text message, it is stored.</a:t>
+            </a:r>
+          </a:p>
+          <a:p>
+            <a:pPr marL="171450" indent="-171450">
+              <a:buFont typeface="Arial" panose="020B0604020202020204" pitchFamily="34" charset="0"/>
+              <a:buChar char="•"/>
+            </a:pPr>
+            <a:r>
+              <a:rPr lang="en-ZA" baseline="0" dirty="0" smtClean="0"/>
+              <a:t>Other message types include group updates such as for member changes, or admin changes.</a:t>
+            </a:r>
+            <a:endParaRPr lang="en-GB" dirty="0"/>
+          </a:p>
+        </p:txBody>
+      </p:sp>
+      <p:sp>
+        <p:nvSpPr>
+          <p:cNvPr id="4" name="Slide Number Placeholder 3"/>
+          <p:cNvSpPr>
+            <a:spLocks noGrp="1"/>
+          </p:cNvSpPr>
+          <p:nvPr>
+            <p:ph type="sldNum" sz="quarter" idx="10"/>
+          </p:nvPr>
+        </p:nvSpPr>
+        <p:spPr/>
+        <p:txBody>
+          <a:bodyPr/>
+          <a:lstStyle/>
+          <a:p>
+            <a:fld id="{2DF68108-A486-4586-8CEF-6E2E90BB08D2}" type="slidenum">
+              <a:rPr lang="en-GB" smtClean="0"/>
+              <a:t>6</a:t>
+            </a:fld>
+            <a:endParaRPr lang="en-GB"/>
+          </a:p>
+        </p:txBody>
+      </p:sp>
+    </p:spTree>
+    <p:extLst>
+      <p:ext uri="{BB962C8B-B14F-4D97-AF65-F5344CB8AC3E}">
+        <p14:creationId xmlns:p14="http://schemas.microsoft.com/office/powerpoint/2010/main" val="3708222285"/>
+      </p:ext>
+    </p:extLst>
+  </p:cSld>
+  <p:clrMapOvr>
+    <a:masterClrMapping/>
+  </p:clrMapOvr>
+</p:notes>
+</file>
+
+<file path=ppt/notesSlides/notesSlide3.xml><?xml version="1.0" encoding="utf-8"?>
+<p:notes xmlns:a="http://schemas.openxmlformats.org/drawingml/2006/main" xmlns:r="http://schemas.openxmlformats.org/officeDocument/2006/relationships" xmlns:p="http://schemas.openxmlformats.org/presentationml/2006/main">
+  <p:cSld>
+    <p:spTree>
+      <p:nvGrpSpPr>
+        <p:cNvPr id="1" name=""/>
+        <p:cNvGrpSpPr/>
+        <p:nvPr/>
+      </p:nvGrpSpPr>
+      <p:grpSpPr>
+        <a:xfrm>
+          <a:off x="0" y="0"/>
+          <a:ext cx="0" cy="0"/>
+          <a:chOff x="0" y="0"/>
+          <a:chExt cx="0" cy="0"/>
+        </a:xfrm>
+      </p:grpSpPr>
+      <p:sp>
+        <p:nvSpPr>
+          <p:cNvPr id="2" name="Slide Image Placeholder 1"/>
+          <p:cNvSpPr>
+            <a:spLocks noGrp="1" noRot="1" noChangeAspect="1"/>
+          </p:cNvSpPr>
+          <p:nvPr>
+            <p:ph type="sldImg"/>
+          </p:nvPr>
+        </p:nvSpPr>
+        <p:spPr/>
+      </p:sp>
+      <p:sp>
+        <p:nvSpPr>
+          <p:cNvPr id="3" name="Notes Placeholder 2"/>
+          <p:cNvSpPr>
+            <a:spLocks noGrp="1"/>
+          </p:cNvSpPr>
+          <p:nvPr>
+            <p:ph type="body" idx="1"/>
+          </p:nvPr>
+        </p:nvSpPr>
+        <p:spPr/>
+        <p:txBody>
+          <a:bodyPr/>
+          <a:lstStyle/>
+          <a:p>
+            <a:pPr marL="171450" indent="-171450">
+              <a:buFont typeface="Arial" panose="020B0604020202020204" pitchFamily="34" charset="0"/>
+              <a:buChar char="•"/>
+            </a:pPr>
+            <a:r>
+              <a:rPr lang="en-ZA" dirty="0" smtClean="0"/>
+              <a:t>Separation</a:t>
+            </a:r>
+            <a:r>
+              <a:rPr lang="en-ZA" baseline="0" dirty="0" smtClean="0"/>
+              <a:t> of concerns.</a:t>
+            </a:r>
+          </a:p>
+          <a:p>
+            <a:pPr marL="171450" indent="-171450">
+              <a:buFont typeface="Arial" panose="020B0604020202020204" pitchFamily="34" charset="0"/>
+              <a:buChar char="•"/>
+            </a:pPr>
+            <a:r>
+              <a:rPr lang="en-ZA" baseline="0" dirty="0" smtClean="0"/>
+              <a:t>Allowing different implementations of certain aspects to be interchanged through use of interfaces.</a:t>
+            </a:r>
+            <a:endParaRPr lang="en-GB" dirty="0"/>
+          </a:p>
+        </p:txBody>
+      </p:sp>
+      <p:sp>
+        <p:nvSpPr>
+          <p:cNvPr id="4" name="Slide Number Placeholder 3"/>
+          <p:cNvSpPr>
+            <a:spLocks noGrp="1"/>
+          </p:cNvSpPr>
+          <p:nvPr>
+            <p:ph type="sldNum" sz="quarter" idx="10"/>
+          </p:nvPr>
+        </p:nvSpPr>
+        <p:spPr/>
+        <p:txBody>
+          <a:bodyPr/>
+          <a:lstStyle/>
+          <a:p>
+            <a:fld id="{2DF68108-A486-4586-8CEF-6E2E90BB08D2}" type="slidenum">
+              <a:rPr lang="en-GB" smtClean="0"/>
+              <a:t>7</a:t>
+            </a:fld>
+            <a:endParaRPr lang="en-GB"/>
+          </a:p>
+        </p:txBody>
+      </p:sp>
+    </p:spTree>
+    <p:extLst>
+      <p:ext uri="{BB962C8B-B14F-4D97-AF65-F5344CB8AC3E}">
+        <p14:creationId xmlns:p14="http://schemas.microsoft.com/office/powerpoint/2010/main" val="520477189"/>
+      </p:ext>
+    </p:extLst>
+  </p:cSld>
+  <p:clrMapOvr>
+    <a:masterClrMapping/>
+  </p:clrMapOvr>
+</p:notes>
+</file>
+
+<file path=ppt/notesSlides/notesSlide4.xml><?xml version="1.0" encoding="utf-8"?>
+<p:notes xmlns:a="http://schemas.openxmlformats.org/drawingml/2006/main" xmlns:r="http://schemas.openxmlformats.org/officeDocument/2006/relationships" xmlns:p="http://schemas.openxmlformats.org/presentationml/2006/main">
+  <p:cSld>
+    <p:spTree>
+      <p:nvGrpSpPr>
+        <p:cNvPr id="1" name=""/>
+        <p:cNvGrpSpPr/>
+        <p:nvPr/>
+      </p:nvGrpSpPr>
+      <p:grpSpPr>
+        <a:xfrm>
+          <a:off x="0" y="0"/>
+          <a:ext cx="0" cy="0"/>
+          <a:chOff x="0" y="0"/>
+          <a:chExt cx="0" cy="0"/>
+        </a:xfrm>
+      </p:grpSpPr>
+      <p:sp>
+        <p:nvSpPr>
+          <p:cNvPr id="2" name="Slide Image Placeholder 1"/>
+          <p:cNvSpPr>
+            <a:spLocks noGrp="1" noRot="1" noChangeAspect="1"/>
+          </p:cNvSpPr>
+          <p:nvPr>
+            <p:ph type="sldImg"/>
+          </p:nvPr>
+        </p:nvSpPr>
+        <p:spPr/>
+      </p:sp>
+      <p:sp>
+        <p:nvSpPr>
+          <p:cNvPr id="3" name="Notes Placeholder 2"/>
+          <p:cNvSpPr>
+            <a:spLocks noGrp="1"/>
+          </p:cNvSpPr>
+          <p:nvPr>
+            <p:ph type="body" idx="1"/>
+          </p:nvPr>
+        </p:nvSpPr>
+        <p:spPr/>
+        <p:txBody>
+          <a:bodyPr/>
+          <a:lstStyle/>
+          <a:p>
+            <a:pPr marL="171450" indent="-171450">
+              <a:buFont typeface="Arial" panose="020B0604020202020204" pitchFamily="34" charset="0"/>
+              <a:buChar char="•"/>
+            </a:pPr>
+            <a:r>
+              <a:rPr lang="en-ZA" dirty="0" smtClean="0"/>
+              <a:t>RSA for secure channel upon</a:t>
+            </a:r>
+            <a:r>
+              <a:rPr lang="en-ZA" baseline="0" dirty="0" smtClean="0"/>
+              <a:t> member invite.</a:t>
+            </a:r>
+          </a:p>
+          <a:p>
+            <a:pPr marL="171450" indent="-171450">
+              <a:buFont typeface="Arial" panose="020B0604020202020204" pitchFamily="34" charset="0"/>
+              <a:buChar char="•"/>
+            </a:pPr>
+            <a:r>
+              <a:rPr lang="en-ZA" baseline="0" dirty="0" smtClean="0"/>
+              <a:t>AES secret key is sent through this channel.</a:t>
+            </a:r>
+          </a:p>
+          <a:p>
+            <a:pPr marL="171450" indent="-171450">
+              <a:buFont typeface="Arial" panose="020B0604020202020204" pitchFamily="34" charset="0"/>
+              <a:buChar char="•"/>
+            </a:pPr>
+            <a:r>
+              <a:rPr lang="en-ZA" baseline="0" dirty="0" smtClean="0"/>
+              <a:t>AES used for normal communication thereafter.</a:t>
+            </a:r>
+            <a:endParaRPr lang="en-GB" dirty="0"/>
+          </a:p>
+        </p:txBody>
+      </p:sp>
+      <p:sp>
+        <p:nvSpPr>
+          <p:cNvPr id="4" name="Slide Number Placeholder 3"/>
+          <p:cNvSpPr>
+            <a:spLocks noGrp="1"/>
+          </p:cNvSpPr>
+          <p:nvPr>
+            <p:ph type="sldNum" sz="quarter" idx="10"/>
+          </p:nvPr>
+        </p:nvSpPr>
+        <p:spPr/>
+        <p:txBody>
+          <a:bodyPr/>
+          <a:lstStyle/>
+          <a:p>
+            <a:fld id="{2DF68108-A486-4586-8CEF-6E2E90BB08D2}" type="slidenum">
+              <a:rPr lang="en-GB" smtClean="0"/>
+              <a:t>8</a:t>
+            </a:fld>
+            <a:endParaRPr lang="en-GB"/>
+          </a:p>
+        </p:txBody>
+      </p:sp>
+    </p:spTree>
+    <p:extLst>
+      <p:ext uri="{BB962C8B-B14F-4D97-AF65-F5344CB8AC3E}">
+        <p14:creationId xmlns:p14="http://schemas.microsoft.com/office/powerpoint/2010/main" val="1486576197"/>
+      </p:ext>
+    </p:extLst>
+  </p:cSld>
+  <p:clrMapOvr>
+    <a:masterClrMapping/>
+  </p:clrMapOvr>
+</p:notes>
+</file>
+
+<file path=ppt/notesSlides/notesSlide5.xml><?xml version="1.0" encoding="utf-8"?>
+<p:notes xmlns:a="http://schemas.openxmlformats.org/drawingml/2006/main" xmlns:r="http://schemas.openxmlformats.org/officeDocument/2006/relationships" xmlns:p="http://schemas.openxmlformats.org/presentationml/2006/main">
+  <p:cSld>
+    <p:spTree>
+      <p:nvGrpSpPr>
+        <p:cNvPr id="1" name=""/>
+        <p:cNvGrpSpPr/>
+        <p:nvPr/>
+      </p:nvGrpSpPr>
+      <p:grpSpPr>
+        <a:xfrm>
+          <a:off x="0" y="0"/>
+          <a:ext cx="0" cy="0"/>
+          <a:chOff x="0" y="0"/>
+          <a:chExt cx="0" cy="0"/>
+        </a:xfrm>
+      </p:grpSpPr>
+      <p:sp>
+        <p:nvSpPr>
+          <p:cNvPr id="2" name="Slide Image Placeholder 1"/>
+          <p:cNvSpPr>
+            <a:spLocks noGrp="1" noRot="1" noChangeAspect="1"/>
+          </p:cNvSpPr>
+          <p:nvPr>
+            <p:ph type="sldImg"/>
+          </p:nvPr>
+        </p:nvSpPr>
+        <p:spPr/>
+      </p:sp>
+      <p:sp>
+        <p:nvSpPr>
+          <p:cNvPr id="3" name="Notes Placeholder 2"/>
+          <p:cNvSpPr>
+            <a:spLocks noGrp="1"/>
+          </p:cNvSpPr>
+          <p:nvPr>
+            <p:ph type="body" idx="1"/>
+          </p:nvPr>
+        </p:nvSpPr>
+        <p:spPr/>
+        <p:txBody>
+          <a:bodyPr/>
+          <a:lstStyle/>
+          <a:p>
+            <a:endParaRPr lang="en-GB" dirty="0"/>
+          </a:p>
+        </p:txBody>
+      </p:sp>
+      <p:sp>
+        <p:nvSpPr>
+          <p:cNvPr id="4" name="Slide Number Placeholder 3"/>
+          <p:cNvSpPr>
+            <a:spLocks noGrp="1"/>
+          </p:cNvSpPr>
+          <p:nvPr>
+            <p:ph type="sldNum" sz="quarter" idx="10"/>
+          </p:nvPr>
+        </p:nvSpPr>
+        <p:spPr/>
+        <p:txBody>
+          <a:bodyPr/>
+          <a:lstStyle/>
+          <a:p>
+            <a:fld id="{2DF68108-A486-4586-8CEF-6E2E90BB08D2}" type="slidenum">
+              <a:rPr lang="en-GB" smtClean="0"/>
+              <a:t>9</a:t>
+            </a:fld>
+            <a:endParaRPr lang="en-GB"/>
+          </a:p>
+        </p:txBody>
+      </p:sp>
+    </p:spTree>
+    <p:extLst>
+      <p:ext uri="{BB962C8B-B14F-4D97-AF65-F5344CB8AC3E}">
+        <p14:creationId xmlns:p14="http://schemas.microsoft.com/office/powerpoint/2010/main" val="1903291280"/>
+      </p:ext>
+    </p:extLst>
+  </p:cSld>
+  <p:clrMapOvr>
+    <a:masterClrMapping/>
+  </p:clrMapOvr>
+</p:notes>
 </file>
 
 <file path=ppt/slideLayouts/slideLayout1.xml><?xml version="1.0" encoding="utf-8"?>
@@ -14751,7 +15648,7 @@
         </p:xfrm>
         <a:graphic>
           <a:graphicData uri="http://schemas.openxmlformats.org/drawingml/2006/diagram">
-            <dgm:relIds xmlns:dgm="http://schemas.openxmlformats.org/drawingml/2006/diagram" xmlns:r="http://schemas.openxmlformats.org/officeDocument/2006/relationships" r:dm="rId2" r:lo="rId3" r:qs="rId4" r:cs="rId5"/>
+            <dgm:relIds xmlns:dgm="http://schemas.openxmlformats.org/drawingml/2006/diagram" xmlns:r="http://schemas.openxmlformats.org/officeDocument/2006/relationships" r:dm="rId3" r:lo="rId4" r:qs="rId5" r:cs="rId6"/>
           </a:graphicData>
         </a:graphic>
       </p:graphicFrame>
@@ -14764,7 +15661,7 @@
           <p:nvPr/>
         </p:nvPicPr>
         <p:blipFill>
-          <a:blip r:embed="rId7">
+          <a:blip r:embed="rId8">
             <a:extLst>
               <a:ext uri="{28A0092B-C50C-407E-A947-70E740481C1C}">
                 <a14:useLocalDpi xmlns:a14="http://schemas.microsoft.com/office/drawing/2010/main" val="0"/>
@@ -14822,6 +15719,13 @@
   <p:clrMapOvr>
     <a:masterClrMapping/>
   </p:clrMapOvr>
+  <p:timing>
+    <p:tnLst>
+      <p:par>
+        <p:cTn id="1" dur="indefinite" restart="never" nodeType="tmRoot"/>
+      </p:par>
+    </p:tnLst>
+  </p:timing>
 </p:sld>
 </file>
 
@@ -15122,6 +16026,13 @@
   <p:clrMapOvr>
     <a:masterClrMapping/>
   </p:clrMapOvr>
+  <p:timing>
+    <p:tnLst>
+      <p:par>
+        <p:cTn id="1" dur="indefinite" restart="never" nodeType="tmRoot"/>
+      </p:par>
+    </p:tnLst>
+  </p:timing>
 </p:sld>
 </file>
 
@@ -15248,6 +16159,13 @@
   <p:clrMapOvr>
     <a:masterClrMapping/>
   </p:clrMapOvr>
+  <p:timing>
+    <p:tnLst>
+      <p:par>
+        <p:cTn id="1" dur="indefinite" restart="never" nodeType="tmRoot"/>
+      </p:par>
+    </p:tnLst>
+  </p:timing>
 </p:sld>
 </file>
 
@@ -15349,6 +16267,13 @@
   <p:clrMapOvr>
     <a:masterClrMapping/>
   </p:clrMapOvr>
+  <p:timing>
+    <p:tnLst>
+      <p:par>
+        <p:cTn id="1" dur="indefinite" restart="never" nodeType="tmRoot"/>
+      </p:par>
+    </p:tnLst>
+  </p:timing>
 </p:sld>
 </file>
 
@@ -16088,6 +17013,13 @@
   <p:clrMapOvr>
     <a:masterClrMapping/>
   </p:clrMapOvr>
+  <p:timing>
+    <p:tnLst>
+      <p:par>
+        <p:cTn id="1" dur="indefinite" restart="never" nodeType="tmRoot"/>
+      </p:par>
+    </p:tnLst>
+  </p:timing>
 </p:sld>
 </file>
 
@@ -16245,7 +17177,7 @@
           <p:nvPr/>
         </p:nvPicPr>
         <p:blipFill>
-          <a:blip r:embed="rId2">
+          <a:blip r:embed="rId3">
             <a:extLst>
               <a:ext uri="{28A0092B-C50C-407E-A947-70E740481C1C}">
                 <a14:useLocalDpi xmlns:a14="http://schemas.microsoft.com/office/drawing/2010/main" val="0"/>
@@ -16276,6 +17208,13 @@
   <p:clrMapOvr>
     <a:masterClrMapping/>
   </p:clrMapOvr>
+  <p:timing>
+    <p:tnLst>
+      <p:par>
+        <p:cTn id="1" dur="indefinite" restart="never" nodeType="tmRoot"/>
+      </p:par>
+    </p:tnLst>
+  </p:timing>
 </p:sld>
 </file>
 
@@ -16398,6 +17337,13 @@
   <p:clrMapOvr>
     <a:masterClrMapping/>
   </p:clrMapOvr>
+  <p:timing>
+    <p:tnLst>
+      <p:par>
+        <p:cTn id="1" dur="indefinite" restart="never" nodeType="tmRoot"/>
+      </p:par>
+    </p:tnLst>
+  </p:timing>
 </p:sld>
 </file>
 
@@ -16469,7 +17415,7 @@
           </p:nvPr>
         </p:nvPicPr>
         <p:blipFill>
-          <a:blip r:embed="rId2" cstate="print">
+          <a:blip r:embed="rId3" cstate="print">
             <a:extLst>
               <a:ext uri="{28A0092B-C50C-407E-A947-70E740481C1C}">
                 <a14:useLocalDpi xmlns:a14="http://schemas.microsoft.com/office/drawing/2010/main" val="0"/>
@@ -16497,6 +17443,13 @@
   <p:clrMapOvr>
     <a:masterClrMapping/>
   </p:clrMapOvr>
+  <p:timing>
+    <p:tnLst>
+      <p:par>
+        <p:cTn id="1" dur="indefinite" restart="never" nodeType="tmRoot"/>
+      </p:par>
+    </p:tnLst>
+  </p:timing>
 </p:sld>
 </file>
 
@@ -16749,4 +17702,265 @@
     </a:ext>
   </a:extLst>
 </a:theme>
+</file>
+
+<file path=ppt/theme/theme2.xml><?xml version="1.0" encoding="utf-8"?>
+<a:theme xmlns:a="http://schemas.openxmlformats.org/drawingml/2006/main" name="Office Theme">
+  <a:themeElements>
+    <a:clrScheme name="Office">
+      <a:dk1>
+        <a:sysClr val="windowText" lastClr="000000"/>
+      </a:dk1>
+      <a:lt1>
+        <a:sysClr val="window" lastClr="FFFFFF"/>
+      </a:lt1>
+      <a:dk2>
+        <a:srgbClr val="44546A"/>
+      </a:dk2>
+      <a:lt2>
+        <a:srgbClr val="E7E6E6"/>
+      </a:lt2>
+      <a:accent1>
+        <a:srgbClr val="5B9BD5"/>
+      </a:accent1>
+      <a:accent2>
+        <a:srgbClr val="ED7D31"/>
+      </a:accent2>
+      <a:accent3>
+        <a:srgbClr val="A5A5A5"/>
+      </a:accent3>
+      <a:accent4>
+        <a:srgbClr val="FFC000"/>
+      </a:accent4>
+      <a:accent5>
+        <a:srgbClr val="4472C4"/>
+      </a:accent5>
+      <a:accent6>
+        <a:srgbClr val="70AD47"/>
+      </a:accent6>
+      <a:hlink>
+        <a:srgbClr val="0563C1"/>
+      </a:hlink>
+      <a:folHlink>
+        <a:srgbClr val="954F72"/>
+      </a:folHlink>
+    </a:clrScheme>
+    <a:fontScheme name="Office">
+      <a:majorFont>
+        <a:latin typeface="Calibri Light" panose="020F0302020204030204"/>
+        <a:ea typeface=""/>
+        <a:cs typeface=""/>
+        <a:font script="Jpan" typeface="ＭＳ Ｐゴシック"/>
+        <a:font script="Hang" typeface="맑은 고딕"/>
+        <a:font script="Hans" typeface="宋体"/>
+        <a:font script="Hant" typeface="新細明體"/>
+        <a:font script="Arab" typeface="Times New Roman"/>
+        <a:font script="Hebr" typeface="Times New Roman"/>
+        <a:font script="Thai" typeface="Angsana New"/>
+        <a:font script="Ethi" typeface="Nyala"/>
+        <a:font script="Beng" typeface="Vrinda"/>
+        <a:font script="Gujr" typeface="Shruti"/>
+        <a:font script="Khmr" typeface="MoolBoran"/>
+        <a:font script="Knda" typeface="Tunga"/>
+        <a:font script="Guru" typeface="Raavi"/>
+        <a:font script="Cans" typeface="Euphemia"/>
+        <a:font script="Cher" typeface="Plantagenet Cherokee"/>
+        <a:font script="Yiii" typeface="Microsoft Yi Baiti"/>
+        <a:font script="Tibt" typeface="Microsoft Himalaya"/>
+        <a:font script="Thaa" typeface="MV Boli"/>
+        <a:font script="Deva" typeface="Mangal"/>
+        <a:font script="Telu" typeface="Gautami"/>
+        <a:font script="Taml" typeface="Latha"/>
+        <a:font script="Syrc" typeface="Estrangelo Edessa"/>
+        <a:font script="Orya" typeface="Kalinga"/>
+        <a:font script="Mlym" typeface="Kartika"/>
+        <a:font script="Laoo" typeface="DokChampa"/>
+        <a:font script="Sinh" typeface="Iskoola Pota"/>
+        <a:font script="Mong" typeface="Mongolian Baiti"/>
+        <a:font script="Viet" typeface="Times New Roman"/>
+        <a:font script="Uigh" typeface="Microsoft Uighur"/>
+        <a:font script="Geor" typeface="Sylfaen"/>
+      </a:majorFont>
+      <a:minorFont>
+        <a:latin typeface="Calibri" panose="020F0502020204030204"/>
+        <a:ea typeface=""/>
+        <a:cs typeface=""/>
+        <a:font script="Jpan" typeface="ＭＳ Ｐゴシック"/>
+        <a:font script="Hang" typeface="맑은 고딕"/>
+        <a:font script="Hans" typeface="宋体"/>
+        <a:font script="Hant" typeface="新細明體"/>
+        <a:font script="Arab" typeface="Arial"/>
+        <a:font script="Hebr" typeface="Arial"/>
+        <a:font script="Thai" typeface="Cordia New"/>
+        <a:font script="Ethi" typeface="Nyala"/>
+        <a:font script="Beng" typeface="Vrinda"/>
+        <a:font script="Gujr" typeface="Shruti"/>
+        <a:font script="Khmr" typeface="DaunPenh"/>
+        <a:font script="Knda" typeface="Tunga"/>
+        <a:font script="Guru" typeface="Raavi"/>
+        <a:font script="Cans" typeface="Euphemia"/>
+        <a:font script="Cher" typeface="Plantagenet Cherokee"/>
+        <a:font script="Yiii" typeface="Microsoft Yi Baiti"/>
+        <a:font script="Tibt" typeface="Microsoft Himalaya"/>
+        <a:font script="Thaa" typeface="MV Boli"/>
+        <a:font script="Deva" typeface="Mangal"/>
+        <a:font script="Telu" typeface="Gautami"/>
+        <a:font script="Taml" typeface="Latha"/>
+        <a:font script="Syrc" typeface="Estrangelo Edessa"/>
+        <a:font script="Orya" typeface="Kalinga"/>
+        <a:font script="Mlym" typeface="Kartika"/>
+        <a:font script="Laoo" typeface="DokChampa"/>
+        <a:font script="Sinh" typeface="Iskoola Pota"/>
+        <a:font script="Mong" typeface="Mongolian Baiti"/>
+        <a:font script="Viet" typeface="Arial"/>
+        <a:font script="Uigh" typeface="Microsoft Uighur"/>
+        <a:font script="Geor" typeface="Sylfaen"/>
+      </a:minorFont>
+    </a:fontScheme>
+    <a:fmtScheme name="Office">
+      <a:fillStyleLst>
+        <a:solidFill>
+          <a:schemeClr val="phClr"/>
+        </a:solidFill>
+        <a:gradFill rotWithShape="1">
+          <a:gsLst>
+            <a:gs pos="0">
+              <a:schemeClr val="phClr">
+                <a:lumMod val="110000"/>
+                <a:satMod val="105000"/>
+                <a:tint val="67000"/>
+              </a:schemeClr>
+            </a:gs>
+            <a:gs pos="50000">
+              <a:schemeClr val="phClr">
+                <a:lumMod val="105000"/>
+                <a:satMod val="103000"/>
+                <a:tint val="73000"/>
+              </a:schemeClr>
+            </a:gs>
+            <a:gs pos="100000">
+              <a:schemeClr val="phClr">
+                <a:lumMod val="105000"/>
+                <a:satMod val="109000"/>
+                <a:tint val="81000"/>
+              </a:schemeClr>
+            </a:gs>
+          </a:gsLst>
+          <a:lin ang="5400000" scaled="0"/>
+        </a:gradFill>
+        <a:gradFill rotWithShape="1">
+          <a:gsLst>
+            <a:gs pos="0">
+              <a:schemeClr val="phClr">
+                <a:satMod val="103000"/>
+                <a:lumMod val="102000"/>
+                <a:tint val="94000"/>
+              </a:schemeClr>
+            </a:gs>
+            <a:gs pos="50000">
+              <a:schemeClr val="phClr">
+                <a:satMod val="110000"/>
+                <a:lumMod val="100000"/>
+                <a:shade val="100000"/>
+              </a:schemeClr>
+            </a:gs>
+            <a:gs pos="100000">
+              <a:schemeClr val="phClr">
+                <a:lumMod val="99000"/>
+                <a:satMod val="120000"/>
+                <a:shade val="78000"/>
+              </a:schemeClr>
+            </a:gs>
+          </a:gsLst>
+          <a:lin ang="5400000" scaled="0"/>
+        </a:gradFill>
+      </a:fillStyleLst>
+      <a:lnStyleLst>
+        <a:ln w="6350" cap="flat" cmpd="sng" algn="ctr">
+          <a:solidFill>
+            <a:schemeClr val="phClr"/>
+          </a:solidFill>
+          <a:prstDash val="solid"/>
+          <a:miter lim="800000"/>
+        </a:ln>
+        <a:ln w="12700" cap="flat" cmpd="sng" algn="ctr">
+          <a:solidFill>
+            <a:schemeClr val="phClr"/>
+          </a:solidFill>
+          <a:prstDash val="solid"/>
+          <a:miter lim="800000"/>
+        </a:ln>
+        <a:ln w="19050" cap="flat" cmpd="sng" algn="ctr">
+          <a:solidFill>
+            <a:schemeClr val="phClr"/>
+          </a:solidFill>
+          <a:prstDash val="solid"/>
+          <a:miter lim="800000"/>
+        </a:ln>
+      </a:lnStyleLst>
+      <a:effectStyleLst>
+        <a:effectStyle>
+          <a:effectLst/>
+        </a:effectStyle>
+        <a:effectStyle>
+          <a:effectLst/>
+        </a:effectStyle>
+        <a:effectStyle>
+          <a:effectLst>
+            <a:outerShdw blurRad="57150" dist="19050" dir="5400000" algn="ctr" rotWithShape="0">
+              <a:srgbClr val="000000">
+                <a:alpha val="63000"/>
+              </a:srgbClr>
+            </a:outerShdw>
+          </a:effectLst>
+        </a:effectStyle>
+      </a:effectStyleLst>
+      <a:bgFillStyleLst>
+        <a:solidFill>
+          <a:schemeClr val="phClr"/>
+        </a:solidFill>
+        <a:solidFill>
+          <a:schemeClr val="phClr">
+            <a:tint val="95000"/>
+            <a:satMod val="170000"/>
+          </a:schemeClr>
+        </a:solidFill>
+        <a:gradFill rotWithShape="1">
+          <a:gsLst>
+            <a:gs pos="0">
+              <a:schemeClr val="phClr">
+                <a:tint val="93000"/>
+                <a:satMod val="150000"/>
+                <a:shade val="98000"/>
+                <a:lumMod val="102000"/>
+              </a:schemeClr>
+            </a:gs>
+            <a:gs pos="50000">
+              <a:schemeClr val="phClr">
+                <a:tint val="98000"/>
+                <a:satMod val="130000"/>
+                <a:shade val="90000"/>
+                <a:lumMod val="103000"/>
+              </a:schemeClr>
+            </a:gs>
+            <a:gs pos="100000">
+              <a:schemeClr val="phClr">
+                <a:shade val="63000"/>
+                <a:satMod val="120000"/>
+              </a:schemeClr>
+            </a:gs>
+          </a:gsLst>
+          <a:lin ang="5400000" scaled="0"/>
+        </a:gradFill>
+      </a:bgFillStyleLst>
+    </a:fmtScheme>
+  </a:themeElements>
+  <a:objectDefaults/>
+  <a:extraClrSchemeLst/>
+  <a:extLst>
+    <a:ext uri="{05A4C25C-085E-4340-85A3-A5531E510DB2}">
+      <thm15:themeFamily xmlns:thm15="http://schemas.microsoft.com/office/thememl/2012/main" name="Office Theme" id="{62F939B6-93AF-4DB8-9C6B-D6C7DFDC589F}" vid="{4A3C46E8-61CC-4603-A589-7422A47A8E4A}"/>
+    </a:ext>
+  </a:extLst>
+</a:theme>
 </file>
--- a/Project Documentation/Demos/Nanoteq Demo/demo_nanoteq.pptx
+++ b/Project Documentation/Demos/Nanoteq Demo/demo_nanoteq.pptx
@@ -3008,7 +3008,51 @@
             </a:pPr>
             <a:r>
               <a:rPr lang="en-ZA" baseline="0" dirty="0" smtClean="0"/>
-              <a:t>Allowing different implementations of certain aspects to be interchanged through use of interfaces.</a:t>
+              <a:t>Allowing different implementations of certain aspects to be interchanged through use of interfaces</a:t>
+            </a:r>
+            <a:r>
+              <a:rPr lang="en-ZA" baseline="0" dirty="0" smtClean="0"/>
+              <a:t>.</a:t>
+            </a:r>
+          </a:p>
+          <a:p>
+            <a:pPr marL="171450" indent="-171450">
+              <a:buFont typeface="Arial" panose="020B0604020202020204" pitchFamily="34" charset="0"/>
+              <a:buChar char="•"/>
+            </a:pPr>
+            <a:r>
+              <a:rPr lang="en-ZA" baseline="0" dirty="0" smtClean="0"/>
+              <a:t>Patters:</a:t>
+            </a:r>
+          </a:p>
+          <a:p>
+            <a:pPr marL="628650" lvl="1" indent="-171450">
+              <a:buFont typeface="Arial" panose="020B0604020202020204" pitchFamily="34" charset="0"/>
+              <a:buChar char="•"/>
+            </a:pPr>
+            <a:r>
+              <a:rPr lang="en-ZA" baseline="0" dirty="0" smtClean="0"/>
+              <a:t>Strategy used for message sending based on whether or not encryption is used.</a:t>
+            </a:r>
+          </a:p>
+          <a:p>
+            <a:pPr marL="628650" lvl="1" indent="-171450">
+              <a:buFont typeface="Arial" panose="020B0604020202020204" pitchFamily="34" charset="0"/>
+              <a:buChar char="•"/>
+            </a:pPr>
+            <a:r>
+              <a:rPr lang="en-ZA" baseline="0" dirty="0" smtClean="0"/>
+              <a:t>Factory to produce the correct messaging strategy based on encryption type, also for providing the correct storage mechanism.</a:t>
+            </a:r>
+          </a:p>
+          <a:p>
+            <a:pPr marL="628650" lvl="1" indent="-171450">
+              <a:buFont typeface="Arial" panose="020B0604020202020204" pitchFamily="34" charset="0"/>
+              <a:buChar char="•"/>
+            </a:pPr>
+            <a:r>
+              <a:rPr lang="en-ZA" baseline="0" dirty="0" smtClean="0"/>
+              <a:t>Singleton used for Listener, Manager and Storage.</a:t>
             </a:r>
             <a:endParaRPr lang="en-GB" dirty="0"/>
           </a:p>
@@ -3307,7 +3351,7 @@
           <a:noFill/>
           <a:extLst>
             <a:ext uri="{909E8E84-426E-40dd-AFC4-6F175D3DCCD1}">
-              <a14:hiddenFill xmlns="" xmlns:a14="http://schemas.microsoft.com/office/drawing/2010/main">
+              <a14:hiddenFill xmlns:a14="http://schemas.microsoft.com/office/drawing/2010/main" xmlns="">
                 <a:solidFill>
                   <a:srgbClr val="FFFFFF"/>
                 </a:solidFill>
@@ -3367,7 +3411,7 @@
             </a:ln>
             <a:extLst>
               <a:ext uri="{91240B29-F687-4f45-9708-019B960494DF}">
-                <a14:hiddenLine xmlns="" xmlns:a14="http://schemas.microsoft.com/office/drawing/2010/main" w="9525">
+                <a14:hiddenLine xmlns:a14="http://schemas.microsoft.com/office/drawing/2010/main" xmlns="" w="9525">
                   <a:solidFill>
                     <a:srgbClr val="000000"/>
                   </a:solidFill>
@@ -3457,7 +3501,7 @@
             </a:ln>
             <a:extLst>
               <a:ext uri="{91240B29-F687-4f45-9708-019B960494DF}">
-                <a14:hiddenLine xmlns="" xmlns:a14="http://schemas.microsoft.com/office/drawing/2010/main" w="9525">
+                <a14:hiddenLine xmlns:a14="http://schemas.microsoft.com/office/drawing/2010/main" xmlns="" w="9525">
                   <a:solidFill>
                     <a:srgbClr val="000000"/>
                   </a:solidFill>
@@ -3547,7 +3591,7 @@
             </a:ln>
             <a:extLst>
               <a:ext uri="{91240B29-F687-4f45-9708-019B960494DF}">
-                <a14:hiddenLine xmlns="" xmlns:a14="http://schemas.microsoft.com/office/drawing/2010/main" w="9525">
+                <a14:hiddenLine xmlns:a14="http://schemas.microsoft.com/office/drawing/2010/main" xmlns="" w="9525">
                   <a:solidFill>
                     <a:srgbClr val="000000"/>
                   </a:solidFill>
@@ -3581,7 +3625,7 @@
             </a:ln>
             <a:extLst>
               <a:ext uri="{91240B29-F687-4f45-9708-019B960494DF}">
-                <a14:hiddenLine xmlns="" xmlns:a14="http://schemas.microsoft.com/office/drawing/2010/main" w="9525">
+                <a14:hiddenLine xmlns:a14="http://schemas.microsoft.com/office/drawing/2010/main" xmlns="" w="9525">
                   <a:solidFill>
                     <a:srgbClr val="000000"/>
                   </a:solidFill>
@@ -3671,7 +3715,7 @@
             </a:ln>
             <a:extLst>
               <a:ext uri="{91240B29-F687-4f45-9708-019B960494DF}">
-                <a14:hiddenLine xmlns="" xmlns:a14="http://schemas.microsoft.com/office/drawing/2010/main" w="9525">
+                <a14:hiddenLine xmlns:a14="http://schemas.microsoft.com/office/drawing/2010/main" xmlns="" w="9525">
                   <a:solidFill>
                     <a:srgbClr val="000000"/>
                   </a:solidFill>
@@ -3733,7 +3777,7 @@
             </a:ln>
             <a:extLst>
               <a:ext uri="{91240B29-F687-4f45-9708-019B960494DF}">
-                <a14:hiddenLine xmlns="" xmlns:a14="http://schemas.microsoft.com/office/drawing/2010/main" w="9525">
+                <a14:hiddenLine xmlns:a14="http://schemas.microsoft.com/office/drawing/2010/main" xmlns="" w="9525">
                   <a:solidFill>
                     <a:srgbClr val="000000"/>
                   </a:solidFill>
@@ -3795,7 +3839,7 @@
             </a:ln>
             <a:extLst>
               <a:ext uri="{91240B29-F687-4f45-9708-019B960494DF}">
-                <a14:hiddenLine xmlns="" xmlns:a14="http://schemas.microsoft.com/office/drawing/2010/main" w="9525">
+                <a14:hiddenLine xmlns:a14="http://schemas.microsoft.com/office/drawing/2010/main" xmlns="" w="9525">
                   <a:solidFill>
                     <a:srgbClr val="000000"/>
                   </a:solidFill>
@@ -3885,7 +3929,7 @@
             </a:ln>
             <a:extLst>
               <a:ext uri="{91240B29-F687-4f45-9708-019B960494DF}">
-                <a14:hiddenLine xmlns="" xmlns:a14="http://schemas.microsoft.com/office/drawing/2010/main" w="9525">
+                <a14:hiddenLine xmlns:a14="http://schemas.microsoft.com/office/drawing/2010/main" xmlns="" w="9525">
                   <a:solidFill>
                     <a:srgbClr val="000000"/>
                   </a:solidFill>
@@ -3947,7 +3991,7 @@
             </a:ln>
             <a:extLst>
               <a:ext uri="{91240B29-F687-4f45-9708-019B960494DF}">
-                <a14:hiddenLine xmlns="" xmlns:a14="http://schemas.microsoft.com/office/drawing/2010/main" w="9525">
+                <a14:hiddenLine xmlns:a14="http://schemas.microsoft.com/office/drawing/2010/main" xmlns="" w="9525">
                   <a:solidFill>
                     <a:srgbClr val="000000"/>
                   </a:solidFill>
@@ -4009,7 +4053,7 @@
             </a:ln>
             <a:extLst>
               <a:ext uri="{91240B29-F687-4f45-9708-019B960494DF}">
-                <a14:hiddenLine xmlns="" xmlns:a14="http://schemas.microsoft.com/office/drawing/2010/main" w="9525">
+                <a14:hiddenLine xmlns:a14="http://schemas.microsoft.com/office/drawing/2010/main" xmlns="" w="9525">
                   <a:solidFill>
                     <a:srgbClr val="000000"/>
                   </a:solidFill>
@@ -4099,7 +4143,7 @@
             </a:ln>
             <a:extLst>
               <a:ext uri="{91240B29-F687-4f45-9708-019B960494DF}">
-                <a14:hiddenLine xmlns="" xmlns:a14="http://schemas.microsoft.com/office/drawing/2010/main" w="9525">
+                <a14:hiddenLine xmlns:a14="http://schemas.microsoft.com/office/drawing/2010/main" xmlns="" w="9525">
                   <a:solidFill>
                     <a:srgbClr val="000000"/>
                   </a:solidFill>
@@ -4189,7 +4233,7 @@
             </a:ln>
             <a:extLst>
               <a:ext uri="{91240B29-F687-4f45-9708-019B960494DF}">
-                <a14:hiddenLine xmlns="" xmlns:a14="http://schemas.microsoft.com/office/drawing/2010/main" w="9525">
+                <a14:hiddenLine xmlns:a14="http://schemas.microsoft.com/office/drawing/2010/main" xmlns="" w="9525">
                   <a:solidFill>
                     <a:srgbClr val="000000"/>
                   </a:solidFill>
@@ -4251,7 +4295,7 @@
             </a:ln>
             <a:extLst>
               <a:ext uri="{91240B29-F687-4f45-9708-019B960494DF}">
-                <a14:hiddenLine xmlns="" xmlns:a14="http://schemas.microsoft.com/office/drawing/2010/main" w="9525">
+                <a14:hiddenLine xmlns:a14="http://schemas.microsoft.com/office/drawing/2010/main" xmlns="" w="9525">
                   <a:solidFill>
                     <a:srgbClr val="000000"/>
                   </a:solidFill>
@@ -4361,7 +4405,7 @@
             </a:ln>
             <a:extLst>
               <a:ext uri="{91240B29-F687-4f45-9708-019B960494DF}">
-                <a14:hiddenLine xmlns="" xmlns:a14="http://schemas.microsoft.com/office/drawing/2010/main" w="9525">
+                <a14:hiddenLine xmlns:a14="http://schemas.microsoft.com/office/drawing/2010/main" xmlns="" w="9525">
                   <a:solidFill>
                     <a:srgbClr val="000000"/>
                   </a:solidFill>
@@ -4423,7 +4467,7 @@
             </a:ln>
             <a:extLst>
               <a:ext uri="{91240B29-F687-4f45-9708-019B960494DF}">
-                <a14:hiddenLine xmlns="" xmlns:a14="http://schemas.microsoft.com/office/drawing/2010/main" w="9525">
+                <a14:hiddenLine xmlns:a14="http://schemas.microsoft.com/office/drawing/2010/main" xmlns="" w="9525">
                   <a:solidFill>
                     <a:srgbClr val="000000"/>
                   </a:solidFill>
@@ -4513,7 +4557,7 @@
             </a:ln>
             <a:extLst>
               <a:ext uri="{91240B29-F687-4f45-9708-019B960494DF}">
-                <a14:hiddenLine xmlns="" xmlns:a14="http://schemas.microsoft.com/office/drawing/2010/main" w="9525">
+                <a14:hiddenLine xmlns:a14="http://schemas.microsoft.com/office/drawing/2010/main" xmlns="" w="9525">
                   <a:solidFill>
                     <a:srgbClr val="000000"/>
                   </a:solidFill>
@@ -4603,7 +4647,7 @@
             </a:ln>
             <a:extLst>
               <a:ext uri="{91240B29-F687-4f45-9708-019B960494DF}">
-                <a14:hiddenLine xmlns="" xmlns:a14="http://schemas.microsoft.com/office/drawing/2010/main" w="9525">
+                <a14:hiddenLine xmlns:a14="http://schemas.microsoft.com/office/drawing/2010/main" xmlns="" w="9525">
                   <a:solidFill>
                     <a:srgbClr val="000000"/>
                   </a:solidFill>
@@ -4665,7 +4709,7 @@
             </a:ln>
             <a:extLst>
               <a:ext uri="{91240B29-F687-4f45-9708-019B960494DF}">
-                <a14:hiddenLine xmlns="" xmlns:a14="http://schemas.microsoft.com/office/drawing/2010/main" w="9525">
+                <a14:hiddenLine xmlns:a14="http://schemas.microsoft.com/office/drawing/2010/main" xmlns="" w="9525">
                   <a:solidFill>
                     <a:srgbClr val="000000"/>
                   </a:solidFill>
@@ -4755,7 +4799,7 @@
             </a:ln>
             <a:extLst>
               <a:ext uri="{91240B29-F687-4f45-9708-019B960494DF}">
-                <a14:hiddenLine xmlns="" xmlns:a14="http://schemas.microsoft.com/office/drawing/2010/main" w="9525">
+                <a14:hiddenLine xmlns:a14="http://schemas.microsoft.com/office/drawing/2010/main" xmlns="" w="9525">
                   <a:solidFill>
                     <a:srgbClr val="000000"/>
                   </a:solidFill>
@@ -4845,7 +4889,7 @@
             </a:ln>
             <a:extLst>
               <a:ext uri="{91240B29-F687-4f45-9708-019B960494DF}">
-                <a14:hiddenLine xmlns="" xmlns:a14="http://schemas.microsoft.com/office/drawing/2010/main" w="9525">
+                <a14:hiddenLine xmlns:a14="http://schemas.microsoft.com/office/drawing/2010/main" xmlns="" w="9525">
                   <a:solidFill>
                     <a:srgbClr val="000000"/>
                   </a:solidFill>
@@ -4901,7 +4945,7 @@
             </a:ln>
             <a:extLst>
               <a:ext uri="{91240B29-F687-4f45-9708-019B960494DF}">
-                <a14:hiddenLine xmlns="" xmlns:a14="http://schemas.microsoft.com/office/drawing/2010/main" w="9525">
+                <a14:hiddenLine xmlns:a14="http://schemas.microsoft.com/office/drawing/2010/main" xmlns="" w="9525">
                   <a:solidFill>
                     <a:srgbClr val="000000"/>
                   </a:solidFill>
@@ -4991,7 +5035,7 @@
             </a:ln>
             <a:extLst>
               <a:ext uri="{91240B29-F687-4f45-9708-019B960494DF}">
-                <a14:hiddenLine xmlns="" xmlns:a14="http://schemas.microsoft.com/office/drawing/2010/main" w="9525">
+                <a14:hiddenLine xmlns:a14="http://schemas.microsoft.com/office/drawing/2010/main" xmlns="" w="9525">
                   <a:solidFill>
                     <a:srgbClr val="000000"/>
                   </a:solidFill>
@@ -5047,7 +5091,7 @@
             </a:ln>
             <a:extLst>
               <a:ext uri="{91240B29-F687-4f45-9708-019B960494DF}">
-                <a14:hiddenLine xmlns="" xmlns:a14="http://schemas.microsoft.com/office/drawing/2010/main" w="9525">
+                <a14:hiddenLine xmlns:a14="http://schemas.microsoft.com/office/drawing/2010/main" xmlns="" w="9525">
                   <a:solidFill>
                     <a:srgbClr val="000000"/>
                   </a:solidFill>
@@ -5137,7 +5181,7 @@
             </a:ln>
             <a:extLst>
               <a:ext uri="{91240B29-F687-4f45-9708-019B960494DF}">
-                <a14:hiddenLine xmlns="" xmlns:a14="http://schemas.microsoft.com/office/drawing/2010/main" w="9525">
+                <a14:hiddenLine xmlns:a14="http://schemas.microsoft.com/office/drawing/2010/main" xmlns="" w="9525">
                   <a:solidFill>
                     <a:srgbClr val="000000"/>
                   </a:solidFill>
@@ -5205,7 +5249,7 @@
             </a:ln>
             <a:extLst>
               <a:ext uri="{91240B29-F687-4f45-9708-019B960494DF}">
-                <a14:hiddenLine xmlns="" xmlns:a14="http://schemas.microsoft.com/office/drawing/2010/main" w="9525">
+                <a14:hiddenLine xmlns:a14="http://schemas.microsoft.com/office/drawing/2010/main" xmlns="" w="9525">
                   <a:solidFill>
                     <a:srgbClr val="000000"/>
                   </a:solidFill>
@@ -5295,7 +5339,7 @@
             </a:ln>
             <a:extLst>
               <a:ext uri="{91240B29-F687-4f45-9708-019B960494DF}">
-                <a14:hiddenLine xmlns="" xmlns:a14="http://schemas.microsoft.com/office/drawing/2010/main" w="9525">
+                <a14:hiddenLine xmlns:a14="http://schemas.microsoft.com/office/drawing/2010/main" xmlns="" w="9525">
                   <a:solidFill>
                     <a:srgbClr val="000000"/>
                   </a:solidFill>
@@ -5363,7 +5407,7 @@
             </a:ln>
             <a:extLst>
               <a:ext uri="{91240B29-F687-4f45-9708-019B960494DF}">
-                <a14:hiddenLine xmlns="" xmlns:a14="http://schemas.microsoft.com/office/drawing/2010/main" w="9525">
+                <a14:hiddenLine xmlns:a14="http://schemas.microsoft.com/office/drawing/2010/main" xmlns="" w="9525">
                   <a:solidFill>
                     <a:srgbClr val="000000"/>
                   </a:solidFill>
@@ -5453,7 +5497,7 @@
             </a:ln>
             <a:extLst>
               <a:ext uri="{91240B29-F687-4f45-9708-019B960494DF}">
-                <a14:hiddenLine xmlns="" xmlns:a14="http://schemas.microsoft.com/office/drawing/2010/main" w="9525">
+                <a14:hiddenLine xmlns:a14="http://schemas.microsoft.com/office/drawing/2010/main" xmlns="" w="9525">
                   <a:solidFill>
                     <a:srgbClr val="000000"/>
                   </a:solidFill>
@@ -5487,7 +5531,7 @@
             </a:ln>
             <a:extLst>
               <a:ext uri="{91240B29-F687-4f45-9708-019B960494DF}">
-                <a14:hiddenLine xmlns="" xmlns:a14="http://schemas.microsoft.com/office/drawing/2010/main" w="9525">
+                <a14:hiddenLine xmlns:a14="http://schemas.microsoft.com/office/drawing/2010/main" xmlns="" w="9525">
                   <a:solidFill>
                     <a:srgbClr val="000000"/>
                   </a:solidFill>
@@ -5577,7 +5621,7 @@
             </a:ln>
             <a:extLst>
               <a:ext uri="{91240B29-F687-4f45-9708-019B960494DF}">
-                <a14:hiddenLine xmlns="" xmlns:a14="http://schemas.microsoft.com/office/drawing/2010/main" w="9525">
+                <a14:hiddenLine xmlns:a14="http://schemas.microsoft.com/office/drawing/2010/main" xmlns="" w="9525">
                   <a:solidFill>
                     <a:srgbClr val="000000"/>
                   </a:solidFill>
@@ -5639,7 +5683,7 @@
             </a:ln>
             <a:extLst>
               <a:ext uri="{91240B29-F687-4f45-9708-019B960494DF}">
-                <a14:hiddenLine xmlns="" xmlns:a14="http://schemas.microsoft.com/office/drawing/2010/main" w="9525">
+                <a14:hiddenLine xmlns:a14="http://schemas.microsoft.com/office/drawing/2010/main" xmlns="" w="9525">
                   <a:solidFill>
                     <a:srgbClr val="000000"/>
                   </a:solidFill>
@@ -5701,7 +5745,7 @@
             </a:ln>
             <a:extLst>
               <a:ext uri="{91240B29-F687-4f45-9708-019B960494DF}">
-                <a14:hiddenLine xmlns="" xmlns:a14="http://schemas.microsoft.com/office/drawing/2010/main" w="9525">
+                <a14:hiddenLine xmlns:a14="http://schemas.microsoft.com/office/drawing/2010/main" xmlns="" w="9525">
                   <a:solidFill>
                     <a:srgbClr val="000000"/>
                   </a:solidFill>
@@ -5791,7 +5835,7 @@
             </a:ln>
             <a:extLst>
               <a:ext uri="{91240B29-F687-4f45-9708-019B960494DF}">
-                <a14:hiddenLine xmlns="" xmlns:a14="http://schemas.microsoft.com/office/drawing/2010/main" w="9525">
+                <a14:hiddenLine xmlns:a14="http://schemas.microsoft.com/office/drawing/2010/main" xmlns="" w="9525">
                   <a:solidFill>
                     <a:srgbClr val="000000"/>
                   </a:solidFill>
@@ -5859,7 +5903,7 @@
             </a:ln>
             <a:extLst>
               <a:ext uri="{91240B29-F687-4f45-9708-019B960494DF}">
-                <a14:hiddenLine xmlns="" xmlns:a14="http://schemas.microsoft.com/office/drawing/2010/main" w="9525">
+                <a14:hiddenLine xmlns:a14="http://schemas.microsoft.com/office/drawing/2010/main" xmlns="" w="9525">
                   <a:solidFill>
                     <a:srgbClr val="000000"/>
                   </a:solidFill>
@@ -5921,7 +5965,7 @@
             </a:ln>
             <a:extLst>
               <a:ext uri="{91240B29-F687-4f45-9708-019B960494DF}">
-                <a14:hiddenLine xmlns="" xmlns:a14="http://schemas.microsoft.com/office/drawing/2010/main" w="9525">
+                <a14:hiddenLine xmlns:a14="http://schemas.microsoft.com/office/drawing/2010/main" xmlns="" w="9525">
                   <a:solidFill>
                     <a:srgbClr val="000000"/>
                   </a:solidFill>
@@ -6011,7 +6055,7 @@
             </a:ln>
             <a:extLst>
               <a:ext uri="{91240B29-F687-4f45-9708-019B960494DF}">
-                <a14:hiddenLine xmlns="" xmlns:a14="http://schemas.microsoft.com/office/drawing/2010/main" w="9525">
+                <a14:hiddenLine xmlns:a14="http://schemas.microsoft.com/office/drawing/2010/main" xmlns="" w="9525">
                   <a:solidFill>
                     <a:srgbClr val="000000"/>
                   </a:solidFill>
@@ -6073,7 +6117,7 @@
             </a:ln>
             <a:extLst>
               <a:ext uri="{91240B29-F687-4f45-9708-019B960494DF}">
-                <a14:hiddenLine xmlns="" xmlns:a14="http://schemas.microsoft.com/office/drawing/2010/main" w="9525">
+                <a14:hiddenLine xmlns:a14="http://schemas.microsoft.com/office/drawing/2010/main" xmlns="" w="9525">
                   <a:solidFill>
                     <a:srgbClr val="000000"/>
                   </a:solidFill>
@@ -6163,7 +6207,7 @@
             </a:ln>
             <a:extLst>
               <a:ext uri="{91240B29-F687-4f45-9708-019B960494DF}">
-                <a14:hiddenLine xmlns="" xmlns:a14="http://schemas.microsoft.com/office/drawing/2010/main" w="9525">
+                <a14:hiddenLine xmlns:a14="http://schemas.microsoft.com/office/drawing/2010/main" xmlns="" w="9525">
                   <a:solidFill>
                     <a:srgbClr val="000000"/>
                   </a:solidFill>
@@ -6225,7 +6269,7 @@
             </a:ln>
             <a:extLst>
               <a:ext uri="{91240B29-F687-4f45-9708-019B960494DF}">
-                <a14:hiddenLine xmlns="" xmlns:a14="http://schemas.microsoft.com/office/drawing/2010/main" w="9525">
+                <a14:hiddenLine xmlns:a14="http://schemas.microsoft.com/office/drawing/2010/main" xmlns="" w="9525">
                   <a:solidFill>
                     <a:srgbClr val="000000"/>
                   </a:solidFill>
@@ -6315,7 +6359,7 @@
             </a:ln>
             <a:extLst>
               <a:ext uri="{91240B29-F687-4f45-9708-019B960494DF}">
-                <a14:hiddenLine xmlns="" xmlns:a14="http://schemas.microsoft.com/office/drawing/2010/main" w="9525">
+                <a14:hiddenLine xmlns:a14="http://schemas.microsoft.com/office/drawing/2010/main" xmlns="" w="9525">
                   <a:solidFill>
                     <a:srgbClr val="000000"/>
                   </a:solidFill>
@@ -6349,7 +6393,7 @@
             </a:ln>
             <a:extLst>
               <a:ext uri="{91240B29-F687-4f45-9708-019B960494DF}">
-                <a14:hiddenLine xmlns="" xmlns:a14="http://schemas.microsoft.com/office/drawing/2010/main" w="9525">
+                <a14:hiddenLine xmlns:a14="http://schemas.microsoft.com/office/drawing/2010/main" xmlns="" w="9525">
                   <a:solidFill>
                     <a:srgbClr val="000000"/>
                   </a:solidFill>
@@ -6414,7 +6458,7 @@
             </a:ln>
             <a:extLst>
               <a:ext uri="{91240B29-F687-4f45-9708-019B960494DF}">
-                <a14:hiddenLine xmlns="" xmlns:a14="http://schemas.microsoft.com/office/drawing/2010/main" w="9525">
+                <a14:hiddenLine xmlns:a14="http://schemas.microsoft.com/office/drawing/2010/main" xmlns="" w="9525">
                   <a:solidFill>
                     <a:srgbClr val="000000"/>
                   </a:solidFill>
@@ -6504,7 +6548,7 @@
             </a:ln>
             <a:extLst>
               <a:ext uri="{91240B29-F687-4f45-9708-019B960494DF}">
-                <a14:hiddenLine xmlns="" xmlns:a14="http://schemas.microsoft.com/office/drawing/2010/main" w="9525">
+                <a14:hiddenLine xmlns:a14="http://schemas.microsoft.com/office/drawing/2010/main" xmlns="" w="9525">
                   <a:solidFill>
                     <a:srgbClr val="000000"/>
                   </a:solidFill>
@@ -6566,7 +6610,7 @@
             </a:ln>
             <a:extLst>
               <a:ext uri="{91240B29-F687-4f45-9708-019B960494DF}">
-                <a14:hiddenLine xmlns="" xmlns:a14="http://schemas.microsoft.com/office/drawing/2010/main" w="9525">
+                <a14:hiddenLine xmlns:a14="http://schemas.microsoft.com/office/drawing/2010/main" xmlns="" w="9525">
                   <a:solidFill>
                     <a:srgbClr val="000000"/>
                   </a:solidFill>
@@ -6656,7 +6700,7 @@
             </a:ln>
             <a:extLst>
               <a:ext uri="{91240B29-F687-4f45-9708-019B960494DF}">
-                <a14:hiddenLine xmlns="" xmlns:a14="http://schemas.microsoft.com/office/drawing/2010/main" w="9525">
+                <a14:hiddenLine xmlns:a14="http://schemas.microsoft.com/office/drawing/2010/main" xmlns="" w="9525">
                   <a:solidFill>
                     <a:srgbClr val="000000"/>
                   </a:solidFill>
@@ -6746,7 +6790,7 @@
             </a:ln>
             <a:extLst>
               <a:ext uri="{91240B29-F687-4f45-9708-019B960494DF}">
-                <a14:hiddenLine xmlns="" xmlns:a14="http://schemas.microsoft.com/office/drawing/2010/main" w="9525">
+                <a14:hiddenLine xmlns:a14="http://schemas.microsoft.com/office/drawing/2010/main" xmlns="" w="9525">
                   <a:solidFill>
                     <a:srgbClr val="000000"/>
                   </a:solidFill>
@@ -6811,7 +6855,7 @@
             </a:ln>
             <a:extLst>
               <a:ext uri="{91240B29-F687-4f45-9708-019B960494DF}">
-                <a14:hiddenLine xmlns="" xmlns:a14="http://schemas.microsoft.com/office/drawing/2010/main" w="9525">
+                <a14:hiddenLine xmlns:a14="http://schemas.microsoft.com/office/drawing/2010/main" xmlns="" w="9525">
                   <a:solidFill>
                     <a:srgbClr val="000000"/>
                   </a:solidFill>
@@ -6873,7 +6917,7 @@
             </a:ln>
             <a:extLst>
               <a:ext uri="{91240B29-F687-4f45-9708-019B960494DF}">
-                <a14:hiddenLine xmlns="" xmlns:a14="http://schemas.microsoft.com/office/drawing/2010/main" w="9525">
+                <a14:hiddenLine xmlns:a14="http://schemas.microsoft.com/office/drawing/2010/main" xmlns="" w="9525">
                   <a:solidFill>
                     <a:srgbClr val="000000"/>
                   </a:solidFill>
@@ -6963,7 +7007,7 @@
             </a:ln>
             <a:extLst>
               <a:ext uri="{91240B29-F687-4f45-9708-019B960494DF}">
-                <a14:hiddenLine xmlns="" xmlns:a14="http://schemas.microsoft.com/office/drawing/2010/main" w="9525">
+                <a14:hiddenLine xmlns:a14="http://schemas.microsoft.com/office/drawing/2010/main" xmlns="" w="9525">
                   <a:solidFill>
                     <a:srgbClr val="000000"/>
                   </a:solidFill>
@@ -7053,7 +7097,7 @@
             </a:ln>
             <a:extLst>
               <a:ext uri="{91240B29-F687-4f45-9708-019B960494DF}">
-                <a14:hiddenLine xmlns="" xmlns:a14="http://schemas.microsoft.com/office/drawing/2010/main" w="9525">
+                <a14:hiddenLine xmlns:a14="http://schemas.microsoft.com/office/drawing/2010/main" xmlns="" w="9525">
                   <a:solidFill>
                     <a:srgbClr val="000000"/>
                   </a:solidFill>
@@ -7115,7 +7159,7 @@
             </a:ln>
             <a:extLst>
               <a:ext uri="{91240B29-F687-4f45-9708-019B960494DF}">
-                <a14:hiddenLine xmlns="" xmlns:a14="http://schemas.microsoft.com/office/drawing/2010/main" w="9525">
+                <a14:hiddenLine xmlns:a14="http://schemas.microsoft.com/office/drawing/2010/main" xmlns="" w="9525">
                   <a:solidFill>
                     <a:srgbClr val="000000"/>
                   </a:solidFill>
@@ -7235,7 +7279,7 @@
             </a:ln>
             <a:extLst>
               <a:ext uri="{91240B29-F687-4f45-9708-019B960494DF}">
-                <a14:hiddenLine xmlns="" xmlns:a14="http://schemas.microsoft.com/office/drawing/2010/main" w="9525">
+                <a14:hiddenLine xmlns:a14="http://schemas.microsoft.com/office/drawing/2010/main" xmlns="" w="9525">
                   <a:solidFill>
                     <a:srgbClr val="000000"/>
                   </a:solidFill>
@@ -7303,7 +7347,7 @@
             </a:ln>
             <a:extLst>
               <a:ext uri="{91240B29-F687-4f45-9708-019B960494DF}">
-                <a14:hiddenLine xmlns="" xmlns:a14="http://schemas.microsoft.com/office/drawing/2010/main" w="9525">
+                <a14:hiddenLine xmlns:a14="http://schemas.microsoft.com/office/drawing/2010/main" xmlns="" w="9525">
                   <a:solidFill>
                     <a:srgbClr val="000000"/>
                   </a:solidFill>
@@ -7393,7 +7437,7 @@
             </a:ln>
             <a:extLst>
               <a:ext uri="{91240B29-F687-4f45-9708-019B960494DF}">
-                <a14:hiddenLine xmlns="" xmlns:a14="http://schemas.microsoft.com/office/drawing/2010/main" w="9525">
+                <a14:hiddenLine xmlns:a14="http://schemas.microsoft.com/office/drawing/2010/main" xmlns="" w="9525">
                   <a:solidFill>
                     <a:srgbClr val="000000"/>
                   </a:solidFill>
@@ -12207,7 +12251,7 @@
           <a:noFill/>
           <a:extLst>
             <a:ext uri="{909E8E84-426E-40dd-AFC4-6F175D3DCCD1}">
-              <a14:hiddenFill xmlns="" xmlns:a14="http://schemas.microsoft.com/office/drawing/2010/main">
+              <a14:hiddenFill xmlns:a14="http://schemas.microsoft.com/office/drawing/2010/main" xmlns="">
                 <a:solidFill>
                   <a:srgbClr val="FFFFFF"/>
                 </a:solidFill>
@@ -12281,7 +12325,7 @@
               </a:ln>
               <a:extLst>
                 <a:ext uri="{91240B29-F687-4f45-9708-019B960494DF}">
-                  <a14:hiddenLine xmlns="" xmlns:a14="http://schemas.microsoft.com/office/drawing/2010/main" w="9525">
+                  <a14:hiddenLine xmlns:a14="http://schemas.microsoft.com/office/drawing/2010/main" xmlns="" w="9525">
                     <a:solidFill>
                       <a:srgbClr val="000000"/>
                     </a:solidFill>
@@ -12371,7 +12415,7 @@
               </a:ln>
               <a:extLst>
                 <a:ext uri="{91240B29-F687-4f45-9708-019B960494DF}">
-                  <a14:hiddenLine xmlns="" xmlns:a14="http://schemas.microsoft.com/office/drawing/2010/main" w="9525">
+                  <a14:hiddenLine xmlns:a14="http://schemas.microsoft.com/office/drawing/2010/main" xmlns="" w="9525">
                     <a:solidFill>
                       <a:srgbClr val="000000"/>
                     </a:solidFill>
@@ -12461,7 +12505,7 @@
               </a:ln>
               <a:extLst>
                 <a:ext uri="{91240B29-F687-4f45-9708-019B960494DF}">
-                  <a14:hiddenLine xmlns="" xmlns:a14="http://schemas.microsoft.com/office/drawing/2010/main" w="9525">
+                  <a14:hiddenLine xmlns:a14="http://schemas.microsoft.com/office/drawing/2010/main" xmlns="" w="9525">
                     <a:solidFill>
                       <a:srgbClr val="000000"/>
                     </a:solidFill>
@@ -12523,7 +12567,7 @@
               </a:ln>
               <a:extLst>
                 <a:ext uri="{91240B29-F687-4f45-9708-019B960494DF}">
-                  <a14:hiddenLine xmlns="" xmlns:a14="http://schemas.microsoft.com/office/drawing/2010/main" w="9525">
+                  <a14:hiddenLine xmlns:a14="http://schemas.microsoft.com/office/drawing/2010/main" xmlns="" w="9525">
                     <a:solidFill>
                       <a:srgbClr val="000000"/>
                     </a:solidFill>
@@ -12613,7 +12657,7 @@
               </a:ln>
               <a:extLst>
                 <a:ext uri="{91240B29-F687-4f45-9708-019B960494DF}">
-                  <a14:hiddenLine xmlns="" xmlns:a14="http://schemas.microsoft.com/office/drawing/2010/main" w="9525">
+                  <a14:hiddenLine xmlns:a14="http://schemas.microsoft.com/office/drawing/2010/main" xmlns="" w="9525">
                     <a:solidFill>
                       <a:srgbClr val="000000"/>
                     </a:solidFill>
@@ -12675,7 +12719,7 @@
               </a:ln>
               <a:extLst>
                 <a:ext uri="{91240B29-F687-4f45-9708-019B960494DF}">
-                  <a14:hiddenLine xmlns="" xmlns:a14="http://schemas.microsoft.com/office/drawing/2010/main" w="9525">
+                  <a14:hiddenLine xmlns:a14="http://schemas.microsoft.com/office/drawing/2010/main" xmlns="" w="9525">
                     <a:solidFill>
                       <a:srgbClr val="000000"/>
                     </a:solidFill>
@@ -12737,7 +12781,7 @@
               </a:ln>
               <a:extLst>
                 <a:ext uri="{91240B29-F687-4f45-9708-019B960494DF}">
-                  <a14:hiddenLine xmlns="" xmlns:a14="http://schemas.microsoft.com/office/drawing/2010/main" w="9525">
+                  <a14:hiddenLine xmlns:a14="http://schemas.microsoft.com/office/drawing/2010/main" xmlns="" w="9525">
                     <a:solidFill>
                       <a:srgbClr val="000000"/>
                     </a:solidFill>
@@ -12827,7 +12871,7 @@
               </a:ln>
               <a:extLst>
                 <a:ext uri="{91240B29-F687-4f45-9708-019B960494DF}">
-                  <a14:hiddenLine xmlns="" xmlns:a14="http://schemas.microsoft.com/office/drawing/2010/main" w="9525">
+                  <a14:hiddenLine xmlns:a14="http://schemas.microsoft.com/office/drawing/2010/main" xmlns="" w="9525">
                     <a:solidFill>
                       <a:srgbClr val="000000"/>
                     </a:solidFill>
@@ -12917,7 +12961,7 @@
               </a:ln>
               <a:extLst>
                 <a:ext uri="{91240B29-F687-4f45-9708-019B960494DF}">
-                  <a14:hiddenLine xmlns="" xmlns:a14="http://schemas.microsoft.com/office/drawing/2010/main" w="9525">
+                  <a14:hiddenLine xmlns:a14="http://schemas.microsoft.com/office/drawing/2010/main" xmlns="" w="9525">
                     <a:solidFill>
                       <a:srgbClr val="000000"/>
                     </a:solidFill>
@@ -12979,7 +13023,7 @@
               </a:ln>
               <a:extLst>
                 <a:ext uri="{91240B29-F687-4f45-9708-019B960494DF}">
-                  <a14:hiddenLine xmlns="" xmlns:a14="http://schemas.microsoft.com/office/drawing/2010/main" w="9525">
+                  <a14:hiddenLine xmlns:a14="http://schemas.microsoft.com/office/drawing/2010/main" xmlns="" w="9525">
                     <a:solidFill>
                       <a:srgbClr val="000000"/>
                     </a:solidFill>
@@ -13089,7 +13133,7 @@
               </a:ln>
               <a:extLst>
                 <a:ext uri="{91240B29-F687-4f45-9708-019B960494DF}">
-                  <a14:hiddenLine xmlns="" xmlns:a14="http://schemas.microsoft.com/office/drawing/2010/main" w="9525">
+                  <a14:hiddenLine xmlns:a14="http://schemas.microsoft.com/office/drawing/2010/main" xmlns="" w="9525">
                     <a:solidFill>
                       <a:srgbClr val="000000"/>
                     </a:solidFill>
@@ -13173,7 +13217,7 @@
               </a:ln>
               <a:extLst>
                 <a:ext uri="{91240B29-F687-4f45-9708-019B960494DF}">
-                  <a14:hiddenLine xmlns="" xmlns:a14="http://schemas.microsoft.com/office/drawing/2010/main" w="9525">
+                  <a14:hiddenLine xmlns:a14="http://schemas.microsoft.com/office/drawing/2010/main" xmlns="" w="9525">
                     <a:solidFill>
                       <a:srgbClr val="000000"/>
                     </a:solidFill>
@@ -13235,7 +13279,7 @@
               </a:ln>
               <a:extLst>
                 <a:ext uri="{91240B29-F687-4f45-9708-019B960494DF}">
-                  <a14:hiddenLine xmlns="" xmlns:a14="http://schemas.microsoft.com/office/drawing/2010/main" w="9525">
+                  <a14:hiddenLine xmlns:a14="http://schemas.microsoft.com/office/drawing/2010/main" xmlns="" w="9525">
                     <a:solidFill>
                       <a:srgbClr val="000000"/>
                     </a:solidFill>
@@ -13297,7 +13341,7 @@
               </a:ln>
               <a:extLst>
                 <a:ext uri="{91240B29-F687-4f45-9708-019B960494DF}">
-                  <a14:hiddenLine xmlns="" xmlns:a14="http://schemas.microsoft.com/office/drawing/2010/main" w="9525">
+                  <a14:hiddenLine xmlns:a14="http://schemas.microsoft.com/office/drawing/2010/main" xmlns="" w="9525">
                     <a:solidFill>
                       <a:srgbClr val="000000"/>
                     </a:solidFill>
@@ -13387,7 +13431,7 @@
               </a:ln>
               <a:extLst>
                 <a:ext uri="{91240B29-F687-4f45-9708-019B960494DF}">
-                  <a14:hiddenLine xmlns="" xmlns:a14="http://schemas.microsoft.com/office/drawing/2010/main" w="9525">
+                  <a14:hiddenLine xmlns:a14="http://schemas.microsoft.com/office/drawing/2010/main" xmlns="" w="9525">
                     <a:solidFill>
                       <a:srgbClr val="000000"/>
                     </a:solidFill>
@@ -13421,7 +13465,7 @@
               </a:ln>
               <a:extLst>
                 <a:ext uri="{91240B29-F687-4f45-9708-019B960494DF}">
-                  <a14:hiddenLine xmlns="" xmlns:a14="http://schemas.microsoft.com/office/drawing/2010/main" w="9525">
+                  <a14:hiddenLine xmlns:a14="http://schemas.microsoft.com/office/drawing/2010/main" xmlns="" w="9525">
                     <a:solidFill>
                       <a:srgbClr val="000000"/>
                     </a:solidFill>
@@ -13486,7 +13530,7 @@
               </a:ln>
               <a:extLst>
                 <a:ext uri="{91240B29-F687-4f45-9708-019B960494DF}">
-                  <a14:hiddenLine xmlns="" xmlns:a14="http://schemas.microsoft.com/office/drawing/2010/main" w="9525">
+                  <a14:hiddenLine xmlns:a14="http://schemas.microsoft.com/office/drawing/2010/main" xmlns="" w="9525">
                     <a:solidFill>
                       <a:srgbClr val="000000"/>
                     </a:solidFill>
@@ -13576,7 +13620,7 @@
               </a:ln>
               <a:extLst>
                 <a:ext uri="{91240B29-F687-4f45-9708-019B960494DF}">
-                  <a14:hiddenLine xmlns="" xmlns:a14="http://schemas.microsoft.com/office/drawing/2010/main" w="9525">
+                  <a14:hiddenLine xmlns:a14="http://schemas.microsoft.com/office/drawing/2010/main" xmlns="" w="9525">
                     <a:solidFill>
                       <a:srgbClr val="000000"/>
                     </a:solidFill>
@@ -13638,7 +13682,7 @@
               </a:ln>
               <a:extLst>
                 <a:ext uri="{91240B29-F687-4f45-9708-019B960494DF}">
-                  <a14:hiddenLine xmlns="" xmlns:a14="http://schemas.microsoft.com/office/drawing/2010/main" w="9525">
+                  <a14:hiddenLine xmlns:a14="http://schemas.microsoft.com/office/drawing/2010/main" xmlns="" w="9525">
                     <a:solidFill>
                       <a:srgbClr val="000000"/>
                     </a:solidFill>
@@ -13728,7 +13772,7 @@
               </a:ln>
               <a:extLst>
                 <a:ext uri="{91240B29-F687-4f45-9708-019B960494DF}">
-                  <a14:hiddenLine xmlns="" xmlns:a14="http://schemas.microsoft.com/office/drawing/2010/main" w="9525">
+                  <a14:hiddenLine xmlns:a14="http://schemas.microsoft.com/office/drawing/2010/main" xmlns="" w="9525">
                     <a:solidFill>
                       <a:srgbClr val="000000"/>
                     </a:solidFill>
@@ -13793,7 +13837,7 @@
               </a:ln>
               <a:extLst>
                 <a:ext uri="{91240B29-F687-4f45-9708-019B960494DF}">
-                  <a14:hiddenLine xmlns="" xmlns:a14="http://schemas.microsoft.com/office/drawing/2010/main" w="9525">
+                  <a14:hiddenLine xmlns:a14="http://schemas.microsoft.com/office/drawing/2010/main" xmlns="" w="9525">
                     <a:solidFill>
                       <a:srgbClr val="000000"/>
                     </a:solidFill>
@@ -13855,7 +13899,7 @@
               </a:ln>
               <a:extLst>
                 <a:ext uri="{91240B29-F687-4f45-9708-019B960494DF}">
-                  <a14:hiddenLine xmlns="" xmlns:a14="http://schemas.microsoft.com/office/drawing/2010/main" w="9525">
+                  <a14:hiddenLine xmlns:a14="http://schemas.microsoft.com/office/drawing/2010/main" xmlns="" w="9525">
                     <a:solidFill>
                       <a:srgbClr val="000000"/>
                     </a:solidFill>
@@ -13945,7 +13989,7 @@
               </a:ln>
               <a:extLst>
                 <a:ext uri="{91240B29-F687-4f45-9708-019B960494DF}">
-                  <a14:hiddenLine xmlns="" xmlns:a14="http://schemas.microsoft.com/office/drawing/2010/main" w="9525">
+                  <a14:hiddenLine xmlns:a14="http://schemas.microsoft.com/office/drawing/2010/main" xmlns="" w="9525">
                     <a:solidFill>
                       <a:srgbClr val="000000"/>
                     </a:solidFill>
@@ -14035,7 +14079,7 @@
               </a:ln>
               <a:extLst>
                 <a:ext uri="{91240B29-F687-4f45-9708-019B960494DF}">
-                  <a14:hiddenLine xmlns="" xmlns:a14="http://schemas.microsoft.com/office/drawing/2010/main" w="9525">
+                  <a14:hiddenLine xmlns:a14="http://schemas.microsoft.com/office/drawing/2010/main" xmlns="" w="9525">
                     <a:solidFill>
                       <a:srgbClr val="000000"/>
                     </a:solidFill>
@@ -14100,7 +14144,7 @@
               </a:ln>
               <a:extLst>
                 <a:ext uri="{91240B29-F687-4f45-9708-019B960494DF}">
-                  <a14:hiddenLine xmlns="" xmlns:a14="http://schemas.microsoft.com/office/drawing/2010/main" w="9525">
+                  <a14:hiddenLine xmlns:a14="http://schemas.microsoft.com/office/drawing/2010/main" xmlns="" w="9525">
                     <a:solidFill>
                       <a:srgbClr val="000000"/>
                     </a:solidFill>
@@ -14220,7 +14264,7 @@
               </a:ln>
               <a:extLst>
                 <a:ext uri="{91240B29-F687-4f45-9708-019B960494DF}">
-                  <a14:hiddenLine xmlns="" xmlns:a14="http://schemas.microsoft.com/office/drawing/2010/main" w="9525">
+                  <a14:hiddenLine xmlns:a14="http://schemas.microsoft.com/office/drawing/2010/main" xmlns="" w="9525">
                     <a:solidFill>
                       <a:srgbClr val="000000"/>
                     </a:solidFill>
@@ -14318,7 +14362,7 @@
               </a:ln>
               <a:extLst>
                 <a:ext uri="{91240B29-F687-4f45-9708-019B960494DF}">
-                  <a14:hiddenLine xmlns="" xmlns:a14="http://schemas.microsoft.com/office/drawing/2010/main" w="9525">
+                  <a14:hiddenLine xmlns:a14="http://schemas.microsoft.com/office/drawing/2010/main" xmlns="" w="9525">
                     <a:solidFill>
                       <a:srgbClr val="000000"/>
                     </a:solidFill>
@@ -14433,7 +14477,7 @@
               </a:ln>
               <a:extLst>
                 <a:ext uri="{91240B29-F687-4f45-9708-019B960494DF}">
-                  <a14:hiddenLine xmlns="" xmlns:a14="http://schemas.microsoft.com/office/drawing/2010/main" w="9525">
+                  <a14:hiddenLine xmlns:a14="http://schemas.microsoft.com/office/drawing/2010/main" xmlns="" w="9525">
                     <a:solidFill>
                       <a:srgbClr val="000000"/>
                     </a:solidFill>
@@ -14523,7 +14567,7 @@
               </a:ln>
               <a:extLst>
                 <a:ext uri="{91240B29-F687-4f45-9708-019B960494DF}">
-                  <a14:hiddenLine xmlns="" xmlns:a14="http://schemas.microsoft.com/office/drawing/2010/main" w="9525">
+                  <a14:hiddenLine xmlns:a14="http://schemas.microsoft.com/office/drawing/2010/main" xmlns="" w="9525">
                     <a:solidFill>
                       <a:srgbClr val="000000"/>
                     </a:solidFill>
@@ -14588,7 +14632,7 @@
               </a:ln>
               <a:extLst>
                 <a:ext uri="{91240B29-F687-4f45-9708-019B960494DF}">
-                  <a14:hiddenLine xmlns="" xmlns:a14="http://schemas.microsoft.com/office/drawing/2010/main" w="9525">
+                  <a14:hiddenLine xmlns:a14="http://schemas.microsoft.com/office/drawing/2010/main" xmlns="" w="9525">
                     <a:solidFill>
                       <a:srgbClr val="000000"/>
                     </a:solidFill>
@@ -14678,7 +14722,7 @@
               </a:ln>
               <a:extLst>
                 <a:ext uri="{91240B29-F687-4f45-9708-019B960494DF}">
-                  <a14:hiddenLine xmlns="" xmlns:a14="http://schemas.microsoft.com/office/drawing/2010/main" w="9525">
+                  <a14:hiddenLine xmlns:a14="http://schemas.microsoft.com/office/drawing/2010/main" xmlns="" w="9525">
                     <a:solidFill>
                       <a:srgbClr val="000000"/>
                     </a:solidFill>
@@ -14746,7 +14790,7 @@
               </a:ln>
               <a:extLst>
                 <a:ext uri="{91240B29-F687-4f45-9708-019B960494DF}">
-                  <a14:hiddenLine xmlns="" xmlns:a14="http://schemas.microsoft.com/office/drawing/2010/main" w="9525">
+                  <a14:hiddenLine xmlns:a14="http://schemas.microsoft.com/office/drawing/2010/main" xmlns="" w="9525">
                     <a:solidFill>
                       <a:srgbClr val="000000"/>
                     </a:solidFill>
@@ -14836,7 +14880,7 @@
               </a:ln>
               <a:extLst>
                 <a:ext uri="{91240B29-F687-4f45-9708-019B960494DF}">
-                  <a14:hiddenLine xmlns="" xmlns:a14="http://schemas.microsoft.com/office/drawing/2010/main" w="9525">
+                  <a14:hiddenLine xmlns:a14="http://schemas.microsoft.com/office/drawing/2010/main" xmlns="" w="9525">
                     <a:solidFill>
                       <a:srgbClr val="000000"/>
                     </a:solidFill>
@@ -14904,7 +14948,7 @@
               </a:ln>
               <a:extLst>
                 <a:ext uri="{91240B29-F687-4f45-9708-019B960494DF}">
-                  <a14:hiddenLine xmlns="" xmlns:a14="http://schemas.microsoft.com/office/drawing/2010/main" w="9525">
+                  <a14:hiddenLine xmlns:a14="http://schemas.microsoft.com/office/drawing/2010/main" xmlns="" w="9525">
                     <a:solidFill>
                       <a:srgbClr val="000000"/>
                     </a:solidFill>
@@ -14994,7 +15038,7 @@
               </a:ln>
               <a:extLst>
                 <a:ext uri="{91240B29-F687-4f45-9708-019B960494DF}">
-                  <a14:hiddenLine xmlns="" xmlns:a14="http://schemas.microsoft.com/office/drawing/2010/main" w="9525">
+                  <a14:hiddenLine xmlns:a14="http://schemas.microsoft.com/office/drawing/2010/main" xmlns="" w="9525">
                     <a:solidFill>
                       <a:srgbClr val="000000"/>
                     </a:solidFill>
@@ -15028,7 +15072,7 @@
               </a:ln>
               <a:extLst>
                 <a:ext uri="{91240B29-F687-4f45-9708-019B960494DF}">
-                  <a14:hiddenLine xmlns="" xmlns:a14="http://schemas.microsoft.com/office/drawing/2010/main" w="9525">
+                  <a14:hiddenLine xmlns:a14="http://schemas.microsoft.com/office/drawing/2010/main" xmlns="" w="9525">
                     <a:solidFill>
                       <a:srgbClr val="000000"/>
                     </a:solidFill>

--- a/Project Documentation/Demos/Nanoteq Demo/demo_nanoteq.pptx
+++ b/Project Documentation/Demos/Nanoteq Demo/demo_nanoteq.pptx
@@ -5,7 +5,7 @@
     <p:sldMasterId id="2147483696" r:id="rId1"/>
   </p:sldMasterIdLst>
   <p:notesMasterIdLst>
-    <p:notesMasterId r:id="rId11"/>
+    <p:notesMasterId r:id="rId12"/>
   </p:notesMasterIdLst>
   <p:sldIdLst>
     <p:sldId id="256" r:id="rId2"/>
@@ -13,10 +13,11 @@
     <p:sldId id="263" r:id="rId4"/>
     <p:sldId id="261" r:id="rId5"/>
     <p:sldId id="258" r:id="rId6"/>
-    <p:sldId id="264" r:id="rId7"/>
-    <p:sldId id="257" r:id="rId8"/>
-    <p:sldId id="259" r:id="rId9"/>
-    <p:sldId id="260" r:id="rId10"/>
+    <p:sldId id="265" r:id="rId7"/>
+    <p:sldId id="264" r:id="rId8"/>
+    <p:sldId id="257" r:id="rId9"/>
+    <p:sldId id="259" r:id="rId10"/>
+    <p:sldId id="260" r:id="rId11"/>
   </p:sldIdLst>
   <p:sldSz cx="12192000" cy="6858000"/>
   <p:notesSz cx="6858000" cy="9144000"/>
@@ -117,7 +118,7 @@
   </p:defaultTextStyle>
   <p:extLst>
     <p:ext uri="{EFAFB233-063F-42B5-8137-9DF3F51BA10A}">
-      <p15:sldGuideLst xmlns:p15="http://schemas.microsoft.com/office/powerpoint/2012/main"/>
+      <p15:sldGuideLst xmlns:p15="http://schemas.microsoft.com/office/powerpoint/2012/main" xmlns=""/>
     </p:ext>
   </p:extLst>
 </p:presentation>
@@ -2834,77 +2835,7 @@
           <a:bodyPr/>
           <a:lstStyle/>
           <a:p>
-            <a:pPr marL="171450" indent="-171450">
-              <a:buFont typeface="Arial" panose="020B0604020202020204" pitchFamily="34" charset="0"/>
-              <a:buChar char="•"/>
-            </a:pPr>
-            <a:r>
-              <a:rPr lang="en-ZA" dirty="0" smtClean="0"/>
-              <a:t>Our</a:t>
-            </a:r>
-            <a:r>
-              <a:rPr lang="en-ZA" baseline="0" dirty="0" smtClean="0"/>
-              <a:t> listener listens for new messages and depending on the message headers, delegates the handling of the message to the </a:t>
-            </a:r>
-            <a:r>
-              <a:rPr lang="en-ZA" baseline="0" dirty="0" err="1" smtClean="0"/>
-              <a:t>Linphone</a:t>
-            </a:r>
-            <a:r>
-              <a:rPr lang="en-ZA" baseline="0" dirty="0" smtClean="0"/>
-              <a:t> Manager of the Group Chat Manager.</a:t>
-            </a:r>
-          </a:p>
-          <a:p>
-            <a:pPr marL="171450" indent="-171450">
-              <a:buFont typeface="Arial" panose="020B0604020202020204" pitchFamily="34" charset="0"/>
-              <a:buChar char="•"/>
-            </a:pPr>
-            <a:r>
-              <a:rPr lang="en-ZA" baseline="0" dirty="0" smtClean="0"/>
-              <a:t>Depends on existence of a Group Chat ID header.</a:t>
-            </a:r>
-          </a:p>
-          <a:p>
-            <a:pPr marL="171450" indent="-171450">
-              <a:buFont typeface="Arial" panose="020B0604020202020204" pitchFamily="34" charset="0"/>
-              <a:buChar char="•"/>
-            </a:pPr>
-            <a:r>
-              <a:rPr lang="en-ZA" baseline="0" dirty="0" smtClean="0"/>
-              <a:t>Group Chat Manager delegates the message to the correct group, if it exists.</a:t>
-            </a:r>
-          </a:p>
-          <a:p>
-            <a:pPr marL="171450" indent="-171450">
-              <a:buFont typeface="Arial" panose="020B0604020202020204" pitchFamily="34" charset="0"/>
-              <a:buChar char="•"/>
-            </a:pPr>
-            <a:r>
-              <a:rPr lang="en-ZA" baseline="0" dirty="0" smtClean="0"/>
-              <a:t>Group Chat handles the message appropriately, possibly first decrypting the message.</a:t>
-            </a:r>
-          </a:p>
-          <a:p>
-            <a:pPr marL="171450" indent="-171450">
-              <a:buFont typeface="Arial" panose="020B0604020202020204" pitchFamily="34" charset="0"/>
-              <a:buChar char="•"/>
-            </a:pPr>
-            <a:r>
-              <a:rPr lang="en-ZA" baseline="0" dirty="0" smtClean="0"/>
-              <a:t>If a plain text message, it is stored.</a:t>
-            </a:r>
-          </a:p>
-          <a:p>
-            <a:pPr marL="171450" indent="-171450">
-              <a:buFont typeface="Arial" panose="020B0604020202020204" pitchFamily="34" charset="0"/>
-              <a:buChar char="•"/>
-            </a:pPr>
-            <a:r>
-              <a:rPr lang="en-ZA" baseline="0" dirty="0" smtClean="0"/>
-              <a:t>Other message types include group updates such as for member changes, or admin changes.</a:t>
-            </a:r>
-            <a:endParaRPr lang="en-GB" dirty="0"/>
+            <a:endParaRPr lang="en-ZA" dirty="0"/>
           </a:p>
         </p:txBody>
       </p:sp>
@@ -2934,7 +2865,7 @@
     </p:spTree>
     <p:extLst>
       <p:ext uri="{BB962C8B-B14F-4D97-AF65-F5344CB8AC3E}">
-        <p14:creationId xmlns:p14="http://schemas.microsoft.com/office/powerpoint/2010/main" val="3708222285"/>
+        <p14:creationId xmlns:p14="http://schemas.microsoft.com/office/powerpoint/2010/main" val="3236341686"/>
       </p:ext>
     </p:extLst>
   </p:cSld>
@@ -2994,11 +2925,19 @@
             </a:pPr>
             <a:r>
               <a:rPr lang="en-ZA" dirty="0" smtClean="0"/>
-              <a:t>Separation</a:t>
+              <a:t>Our</a:t>
             </a:r>
             <a:r>
               <a:rPr lang="en-ZA" baseline="0" dirty="0" smtClean="0"/>
-              <a:t> of concerns.</a:t>
+              <a:t> listener listens for new messages and depending on the message headers, delegates the handling of the message to the </a:t>
+            </a:r>
+            <a:r>
+              <a:rPr lang="en-ZA" baseline="0" dirty="0" err="1" smtClean="0"/>
+              <a:t>Linphone</a:t>
+            </a:r>
+            <a:r>
+              <a:rPr lang="en-ZA" baseline="0" dirty="0" smtClean="0"/>
+              <a:t> Manager of the Group Chat Manager.</a:t>
             </a:r>
           </a:p>
           <a:p>
@@ -3008,11 +2947,7 @@
             </a:pPr>
             <a:r>
               <a:rPr lang="en-ZA" baseline="0" dirty="0" smtClean="0"/>
-              <a:t>Allowing different implementations of certain aspects to be interchanged through use of interfaces</a:t>
-            </a:r>
-            <a:r>
-              <a:rPr lang="en-ZA" baseline="0" dirty="0" smtClean="0"/>
-              <a:t>.</a:t>
+              <a:t>Depends on existence of a Group Chat ID header.</a:t>
             </a:r>
           </a:p>
           <a:p>
@@ -3022,37 +2957,37 @@
             </a:pPr>
             <a:r>
               <a:rPr lang="en-ZA" baseline="0" dirty="0" smtClean="0"/>
-              <a:t>Patters:</a:t>
+              <a:t>Group Chat Manager delegates the message to the correct group, if it exists.</a:t>
             </a:r>
           </a:p>
           <a:p>
-            <a:pPr marL="628650" lvl="1" indent="-171450">
+            <a:pPr marL="171450" indent="-171450">
               <a:buFont typeface="Arial" panose="020B0604020202020204" pitchFamily="34" charset="0"/>
               <a:buChar char="•"/>
             </a:pPr>
             <a:r>
               <a:rPr lang="en-ZA" baseline="0" dirty="0" smtClean="0"/>
-              <a:t>Strategy used for message sending based on whether or not encryption is used.</a:t>
+              <a:t>Group Chat handles the message appropriately, possibly first decrypting the message.</a:t>
             </a:r>
           </a:p>
           <a:p>
-            <a:pPr marL="628650" lvl="1" indent="-171450">
+            <a:pPr marL="171450" indent="-171450">
               <a:buFont typeface="Arial" panose="020B0604020202020204" pitchFamily="34" charset="0"/>
               <a:buChar char="•"/>
             </a:pPr>
             <a:r>
               <a:rPr lang="en-ZA" baseline="0" dirty="0" smtClean="0"/>
-              <a:t>Factory to produce the correct messaging strategy based on encryption type, also for providing the correct storage mechanism.</a:t>
+              <a:t>If a plain text message, it is stored.</a:t>
             </a:r>
           </a:p>
           <a:p>
-            <a:pPr marL="628650" lvl="1" indent="-171450">
+            <a:pPr marL="171450" indent="-171450">
               <a:buFont typeface="Arial" panose="020B0604020202020204" pitchFamily="34" charset="0"/>
               <a:buChar char="•"/>
             </a:pPr>
             <a:r>
               <a:rPr lang="en-ZA" baseline="0" dirty="0" smtClean="0"/>
-              <a:t>Singleton used for Listener, Manager and Storage.</a:t>
+              <a:t>Other message types include group updates such as for member changes, or admin changes.</a:t>
             </a:r>
             <a:endParaRPr lang="en-GB" dirty="0"/>
           </a:p>
@@ -3084,7 +3019,7 @@
     </p:spTree>
     <p:extLst>
       <p:ext uri="{BB962C8B-B14F-4D97-AF65-F5344CB8AC3E}">
-        <p14:creationId xmlns:p14="http://schemas.microsoft.com/office/powerpoint/2010/main" val="520477189"/>
+        <p14:creationId xmlns:p14="http://schemas.microsoft.com/office/powerpoint/2010/main" val="3708222285"/>
       </p:ext>
     </p:extLst>
   </p:cSld>
@@ -3144,11 +3079,11 @@
             </a:pPr>
             <a:r>
               <a:rPr lang="en-ZA" dirty="0" smtClean="0"/>
-              <a:t>RSA for secure channel upon</a:t>
+              <a:t>Separation</a:t>
             </a:r>
             <a:r>
               <a:rPr lang="en-ZA" baseline="0" dirty="0" smtClean="0"/>
-              <a:t> member invite.</a:t>
+              <a:t> of concerns.</a:t>
             </a:r>
           </a:p>
           <a:p>
@@ -3158,7 +3093,7 @@
             </a:pPr>
             <a:r>
               <a:rPr lang="en-ZA" baseline="0" dirty="0" smtClean="0"/>
-              <a:t>AES secret key is sent through this channel.</a:t>
+              <a:t>Allowing different implementations of certain aspects to be interchanged through use of interfaces.</a:t>
             </a:r>
           </a:p>
           <a:p>
@@ -3168,7 +3103,37 @@
             </a:pPr>
             <a:r>
               <a:rPr lang="en-ZA" baseline="0" dirty="0" smtClean="0"/>
-              <a:t>AES used for normal communication thereafter.</a:t>
+              <a:t>Patters:</a:t>
+            </a:r>
+          </a:p>
+          <a:p>
+            <a:pPr marL="628650" lvl="1" indent="-171450">
+              <a:buFont typeface="Arial" panose="020B0604020202020204" pitchFamily="34" charset="0"/>
+              <a:buChar char="•"/>
+            </a:pPr>
+            <a:r>
+              <a:rPr lang="en-ZA" baseline="0" dirty="0" smtClean="0"/>
+              <a:t>Strategy used for message sending based on whether or not encryption is used.</a:t>
+            </a:r>
+          </a:p>
+          <a:p>
+            <a:pPr marL="628650" lvl="1" indent="-171450">
+              <a:buFont typeface="Arial" panose="020B0604020202020204" pitchFamily="34" charset="0"/>
+              <a:buChar char="•"/>
+            </a:pPr>
+            <a:r>
+              <a:rPr lang="en-ZA" baseline="0" dirty="0" smtClean="0"/>
+              <a:t>Factory to produce the correct messaging strategy based on encryption type, also for providing the correct storage mechanism.</a:t>
+            </a:r>
+          </a:p>
+          <a:p>
+            <a:pPr marL="628650" lvl="1" indent="-171450">
+              <a:buFont typeface="Arial" panose="020B0604020202020204" pitchFamily="34" charset="0"/>
+              <a:buChar char="•"/>
+            </a:pPr>
+            <a:r>
+              <a:rPr lang="en-ZA" baseline="0" dirty="0" smtClean="0"/>
+              <a:t>Singleton used for Listener, Manager and Storage.</a:t>
             </a:r>
             <a:endParaRPr lang="en-GB" dirty="0"/>
           </a:p>
@@ -3200,7 +3165,7 @@
     </p:spTree>
     <p:extLst>
       <p:ext uri="{BB962C8B-B14F-4D97-AF65-F5344CB8AC3E}">
-        <p14:creationId xmlns:p14="http://schemas.microsoft.com/office/powerpoint/2010/main" val="1486576197"/>
+        <p14:creationId xmlns:p14="http://schemas.microsoft.com/office/powerpoint/2010/main" val="520477189"/>
       </p:ext>
     </p:extLst>
   </p:cSld>
@@ -3254,6 +3219,38 @@
           <a:bodyPr/>
           <a:lstStyle/>
           <a:p>
+            <a:pPr marL="171450" indent="-171450">
+              <a:buFont typeface="Arial" panose="020B0604020202020204" pitchFamily="34" charset="0"/>
+              <a:buChar char="•"/>
+            </a:pPr>
+            <a:r>
+              <a:rPr lang="en-ZA" dirty="0" smtClean="0"/>
+              <a:t>RSA for secure channel upon</a:t>
+            </a:r>
+            <a:r>
+              <a:rPr lang="en-ZA" baseline="0" dirty="0" smtClean="0"/>
+              <a:t> member invite.</a:t>
+            </a:r>
+          </a:p>
+          <a:p>
+            <a:pPr marL="171450" indent="-171450">
+              <a:buFont typeface="Arial" panose="020B0604020202020204" pitchFamily="34" charset="0"/>
+              <a:buChar char="•"/>
+            </a:pPr>
+            <a:r>
+              <a:rPr lang="en-ZA" baseline="0" dirty="0" smtClean="0"/>
+              <a:t>AES secret key is sent through this channel.</a:t>
+            </a:r>
+          </a:p>
+          <a:p>
+            <a:pPr marL="171450" indent="-171450">
+              <a:buFont typeface="Arial" panose="020B0604020202020204" pitchFamily="34" charset="0"/>
+              <a:buChar char="•"/>
+            </a:pPr>
+            <a:r>
+              <a:rPr lang="en-ZA" baseline="0" dirty="0" smtClean="0"/>
+              <a:t>AES used for normal communication thereafter.</a:t>
+            </a:r>
             <a:endParaRPr lang="en-GB" dirty="0"/>
           </a:p>
         </p:txBody>
@@ -3276,6 +3273,90 @@
             <a:fld id="{2DF68108-A486-4586-8CEF-6E2E90BB08D2}" type="slidenum">
               <a:rPr lang="en-GB" smtClean="0"/>
               <a:t>9</a:t>
+            </a:fld>
+            <a:endParaRPr lang="en-GB"/>
+          </a:p>
+        </p:txBody>
+      </p:sp>
+    </p:spTree>
+    <p:extLst>
+      <p:ext uri="{BB962C8B-B14F-4D97-AF65-F5344CB8AC3E}">
+        <p14:creationId xmlns:p14="http://schemas.microsoft.com/office/powerpoint/2010/main" val="1486576197"/>
+      </p:ext>
+    </p:extLst>
+  </p:cSld>
+  <p:clrMapOvr>
+    <a:masterClrMapping/>
+  </p:clrMapOvr>
+</p:notes>
+</file>
+
+<file path=ppt/notesSlides/notesSlide6.xml><?xml version="1.0" encoding="utf-8"?>
+<p:notes xmlns:a="http://schemas.openxmlformats.org/drawingml/2006/main" xmlns:r="http://schemas.openxmlformats.org/officeDocument/2006/relationships" xmlns:p="http://schemas.openxmlformats.org/presentationml/2006/main">
+  <p:cSld>
+    <p:spTree>
+      <p:nvGrpSpPr>
+        <p:cNvPr id="1" name=""/>
+        <p:cNvGrpSpPr/>
+        <p:nvPr/>
+      </p:nvGrpSpPr>
+      <p:grpSpPr>
+        <a:xfrm>
+          <a:off x="0" y="0"/>
+          <a:ext cx="0" cy="0"/>
+          <a:chOff x="0" y="0"/>
+          <a:chExt cx="0" cy="0"/>
+        </a:xfrm>
+      </p:grpSpPr>
+      <p:sp>
+        <p:nvSpPr>
+          <p:cNvPr id="2" name="Slide Image Placeholder 1"/>
+          <p:cNvSpPr>
+            <a:spLocks noGrp="1" noRot="1" noChangeAspect="1"/>
+          </p:cNvSpPr>
+          <p:nvPr>
+            <p:ph type="sldImg"/>
+          </p:nvPr>
+        </p:nvSpPr>
+        <p:spPr/>
+      </p:sp>
+      <p:sp>
+        <p:nvSpPr>
+          <p:cNvPr id="3" name="Notes Placeholder 2"/>
+          <p:cNvSpPr>
+            <a:spLocks noGrp="1"/>
+          </p:cNvSpPr>
+          <p:nvPr>
+            <p:ph type="body" idx="1"/>
+          </p:nvPr>
+        </p:nvSpPr>
+        <p:spPr/>
+        <p:txBody>
+          <a:bodyPr/>
+          <a:lstStyle/>
+          <a:p>
+            <a:endParaRPr lang="en-GB" dirty="0"/>
+          </a:p>
+        </p:txBody>
+      </p:sp>
+      <p:sp>
+        <p:nvSpPr>
+          <p:cNvPr id="4" name="Slide Number Placeholder 3"/>
+          <p:cNvSpPr>
+            <a:spLocks noGrp="1"/>
+          </p:cNvSpPr>
+          <p:nvPr>
+            <p:ph type="sldNum" sz="quarter" idx="10"/>
+          </p:nvPr>
+        </p:nvSpPr>
+        <p:spPr/>
+        <p:txBody>
+          <a:bodyPr/>
+          <a:lstStyle/>
+          <a:p>
+            <a:fld id="{2DF68108-A486-4586-8CEF-6E2E90BB08D2}" type="slidenum">
+              <a:rPr lang="en-GB" smtClean="0"/>
+              <a:t>10</a:t>
             </a:fld>
             <a:endParaRPr lang="en-GB"/>
           </a:p>
@@ -3350,8 +3431,8 @@
           </a:prstGeom>
           <a:noFill/>
           <a:extLst>
-            <a:ext uri="{909E8E84-426E-40dd-AFC4-6F175D3DCCD1}">
-              <a14:hiddenFill xmlns:a14="http://schemas.microsoft.com/office/drawing/2010/main" xmlns="">
+            <a:ext uri="{909E8E84-426E-40DD-AFC4-6F175D3DCCD1}">
+              <a14:hiddenFill xmlns:a14="http://schemas.microsoft.com/office/drawing/2010/main">
                 <a:solidFill>
                   <a:srgbClr val="FFFFFF"/>
                 </a:solidFill>
@@ -3410,8 +3491,8 @@
               <a:noFill/>
             </a:ln>
             <a:extLst>
-              <a:ext uri="{91240B29-F687-4f45-9708-019B960494DF}">
-                <a14:hiddenLine xmlns:a14="http://schemas.microsoft.com/office/drawing/2010/main" xmlns="" w="9525">
+              <a:ext uri="{91240B29-F687-4F45-9708-019B960494DF}">
+                <a14:hiddenLine xmlns:a14="http://schemas.microsoft.com/office/drawing/2010/main" w="9525">
                   <a:solidFill>
                     <a:srgbClr val="000000"/>
                   </a:solidFill>
@@ -3500,8 +3581,8 @@
               <a:noFill/>
             </a:ln>
             <a:extLst>
-              <a:ext uri="{91240B29-F687-4f45-9708-019B960494DF}">
-                <a14:hiddenLine xmlns:a14="http://schemas.microsoft.com/office/drawing/2010/main" xmlns="" w="9525">
+              <a:ext uri="{91240B29-F687-4F45-9708-019B960494DF}">
+                <a14:hiddenLine xmlns:a14="http://schemas.microsoft.com/office/drawing/2010/main" w="9525">
                   <a:solidFill>
                     <a:srgbClr val="000000"/>
                   </a:solidFill>
@@ -3590,8 +3671,8 @@
               <a:noFill/>
             </a:ln>
             <a:extLst>
-              <a:ext uri="{91240B29-F687-4f45-9708-019B960494DF}">
-                <a14:hiddenLine xmlns:a14="http://schemas.microsoft.com/office/drawing/2010/main" xmlns="" w="9525">
+              <a:ext uri="{91240B29-F687-4F45-9708-019B960494DF}">
+                <a14:hiddenLine xmlns:a14="http://schemas.microsoft.com/office/drawing/2010/main" w="9525">
                   <a:solidFill>
                     <a:srgbClr val="000000"/>
                   </a:solidFill>
@@ -3624,8 +3705,8 @@
               <a:noFill/>
             </a:ln>
             <a:extLst>
-              <a:ext uri="{91240B29-F687-4f45-9708-019B960494DF}">
-                <a14:hiddenLine xmlns:a14="http://schemas.microsoft.com/office/drawing/2010/main" xmlns="" w="9525">
+              <a:ext uri="{91240B29-F687-4F45-9708-019B960494DF}">
+                <a14:hiddenLine xmlns:a14="http://schemas.microsoft.com/office/drawing/2010/main" w="9525">
                   <a:solidFill>
                     <a:srgbClr val="000000"/>
                   </a:solidFill>
@@ -3714,8 +3795,8 @@
               <a:noFill/>
             </a:ln>
             <a:extLst>
-              <a:ext uri="{91240B29-F687-4f45-9708-019B960494DF}">
-                <a14:hiddenLine xmlns:a14="http://schemas.microsoft.com/office/drawing/2010/main" xmlns="" w="9525">
+              <a:ext uri="{91240B29-F687-4F45-9708-019B960494DF}">
+                <a14:hiddenLine xmlns:a14="http://schemas.microsoft.com/office/drawing/2010/main" w="9525">
                   <a:solidFill>
                     <a:srgbClr val="000000"/>
                   </a:solidFill>
@@ -3776,8 +3857,8 @@
               <a:noFill/>
             </a:ln>
             <a:extLst>
-              <a:ext uri="{91240B29-F687-4f45-9708-019B960494DF}">
-                <a14:hiddenLine xmlns:a14="http://schemas.microsoft.com/office/drawing/2010/main" xmlns="" w="9525">
+              <a:ext uri="{91240B29-F687-4F45-9708-019B960494DF}">
+                <a14:hiddenLine xmlns:a14="http://schemas.microsoft.com/office/drawing/2010/main" w="9525">
                   <a:solidFill>
                     <a:srgbClr val="000000"/>
                   </a:solidFill>
@@ -3838,8 +3919,8 @@
               <a:noFill/>
             </a:ln>
             <a:extLst>
-              <a:ext uri="{91240B29-F687-4f45-9708-019B960494DF}">
-                <a14:hiddenLine xmlns:a14="http://schemas.microsoft.com/office/drawing/2010/main" xmlns="" w="9525">
+              <a:ext uri="{91240B29-F687-4F45-9708-019B960494DF}">
+                <a14:hiddenLine xmlns:a14="http://schemas.microsoft.com/office/drawing/2010/main" w="9525">
                   <a:solidFill>
                     <a:srgbClr val="000000"/>
                   </a:solidFill>
@@ -3928,8 +4009,8 @@
               <a:noFill/>
             </a:ln>
             <a:extLst>
-              <a:ext uri="{91240B29-F687-4f45-9708-019B960494DF}">
-                <a14:hiddenLine xmlns:a14="http://schemas.microsoft.com/office/drawing/2010/main" xmlns="" w="9525">
+              <a:ext uri="{91240B29-F687-4F45-9708-019B960494DF}">
+                <a14:hiddenLine xmlns:a14="http://schemas.microsoft.com/office/drawing/2010/main" w="9525">
                   <a:solidFill>
                     <a:srgbClr val="000000"/>
                   </a:solidFill>
@@ -3990,8 +4071,8 @@
               <a:noFill/>
             </a:ln>
             <a:extLst>
-              <a:ext uri="{91240B29-F687-4f45-9708-019B960494DF}">
-                <a14:hiddenLine xmlns:a14="http://schemas.microsoft.com/office/drawing/2010/main" xmlns="" w="9525">
+              <a:ext uri="{91240B29-F687-4F45-9708-019B960494DF}">
+                <a14:hiddenLine xmlns:a14="http://schemas.microsoft.com/office/drawing/2010/main" w="9525">
                   <a:solidFill>
                     <a:srgbClr val="000000"/>
                   </a:solidFill>
@@ -4052,8 +4133,8 @@
               <a:noFill/>
             </a:ln>
             <a:extLst>
-              <a:ext uri="{91240B29-F687-4f45-9708-019B960494DF}">
-                <a14:hiddenLine xmlns:a14="http://schemas.microsoft.com/office/drawing/2010/main" xmlns="" w="9525">
+              <a:ext uri="{91240B29-F687-4F45-9708-019B960494DF}">
+                <a14:hiddenLine xmlns:a14="http://schemas.microsoft.com/office/drawing/2010/main" w="9525">
                   <a:solidFill>
                     <a:srgbClr val="000000"/>
                   </a:solidFill>
@@ -4142,8 +4223,8 @@
               <a:noFill/>
             </a:ln>
             <a:extLst>
-              <a:ext uri="{91240B29-F687-4f45-9708-019B960494DF}">
-                <a14:hiddenLine xmlns:a14="http://schemas.microsoft.com/office/drawing/2010/main" xmlns="" w="9525">
+              <a:ext uri="{91240B29-F687-4F45-9708-019B960494DF}">
+                <a14:hiddenLine xmlns:a14="http://schemas.microsoft.com/office/drawing/2010/main" w="9525">
                   <a:solidFill>
                     <a:srgbClr val="000000"/>
                   </a:solidFill>
@@ -4232,8 +4313,8 @@
               <a:noFill/>
             </a:ln>
             <a:extLst>
-              <a:ext uri="{91240B29-F687-4f45-9708-019B960494DF}">
-                <a14:hiddenLine xmlns:a14="http://schemas.microsoft.com/office/drawing/2010/main" xmlns="" w="9525">
+              <a:ext uri="{91240B29-F687-4F45-9708-019B960494DF}">
+                <a14:hiddenLine xmlns:a14="http://schemas.microsoft.com/office/drawing/2010/main" w="9525">
                   <a:solidFill>
                     <a:srgbClr val="000000"/>
                   </a:solidFill>
@@ -4294,8 +4375,8 @@
               <a:noFill/>
             </a:ln>
             <a:extLst>
-              <a:ext uri="{91240B29-F687-4f45-9708-019B960494DF}">
-                <a14:hiddenLine xmlns:a14="http://schemas.microsoft.com/office/drawing/2010/main" xmlns="" w="9525">
+              <a:ext uri="{91240B29-F687-4F45-9708-019B960494DF}">
+                <a14:hiddenLine xmlns:a14="http://schemas.microsoft.com/office/drawing/2010/main" w="9525">
                   <a:solidFill>
                     <a:srgbClr val="000000"/>
                   </a:solidFill>
@@ -4404,8 +4485,8 @@
               <a:noFill/>
             </a:ln>
             <a:extLst>
-              <a:ext uri="{91240B29-F687-4f45-9708-019B960494DF}">
-                <a14:hiddenLine xmlns:a14="http://schemas.microsoft.com/office/drawing/2010/main" xmlns="" w="9525">
+              <a:ext uri="{91240B29-F687-4F45-9708-019B960494DF}">
+                <a14:hiddenLine xmlns:a14="http://schemas.microsoft.com/office/drawing/2010/main" w="9525">
                   <a:solidFill>
                     <a:srgbClr val="000000"/>
                   </a:solidFill>
@@ -4466,8 +4547,8 @@
               <a:noFill/>
             </a:ln>
             <a:extLst>
-              <a:ext uri="{91240B29-F687-4f45-9708-019B960494DF}">
-                <a14:hiddenLine xmlns:a14="http://schemas.microsoft.com/office/drawing/2010/main" xmlns="" w="9525">
+              <a:ext uri="{91240B29-F687-4F45-9708-019B960494DF}">
+                <a14:hiddenLine xmlns:a14="http://schemas.microsoft.com/office/drawing/2010/main" w="9525">
                   <a:solidFill>
                     <a:srgbClr val="000000"/>
                   </a:solidFill>
@@ -4556,8 +4637,8 @@
               <a:noFill/>
             </a:ln>
             <a:extLst>
-              <a:ext uri="{91240B29-F687-4f45-9708-019B960494DF}">
-                <a14:hiddenLine xmlns:a14="http://schemas.microsoft.com/office/drawing/2010/main" xmlns="" w="9525">
+              <a:ext uri="{91240B29-F687-4F45-9708-019B960494DF}">
+                <a14:hiddenLine xmlns:a14="http://schemas.microsoft.com/office/drawing/2010/main" w="9525">
                   <a:solidFill>
                     <a:srgbClr val="000000"/>
                   </a:solidFill>
@@ -4646,8 +4727,8 @@
               <a:noFill/>
             </a:ln>
             <a:extLst>
-              <a:ext uri="{91240B29-F687-4f45-9708-019B960494DF}">
-                <a14:hiddenLine xmlns:a14="http://schemas.microsoft.com/office/drawing/2010/main" xmlns="" w="9525">
+              <a:ext uri="{91240B29-F687-4F45-9708-019B960494DF}">
+                <a14:hiddenLine xmlns:a14="http://schemas.microsoft.com/office/drawing/2010/main" w="9525">
                   <a:solidFill>
                     <a:srgbClr val="000000"/>
                   </a:solidFill>
@@ -4708,8 +4789,8 @@
               <a:noFill/>
             </a:ln>
             <a:extLst>
-              <a:ext uri="{91240B29-F687-4f45-9708-019B960494DF}">
-                <a14:hiddenLine xmlns:a14="http://schemas.microsoft.com/office/drawing/2010/main" xmlns="" w="9525">
+              <a:ext uri="{91240B29-F687-4F45-9708-019B960494DF}">
+                <a14:hiddenLine xmlns:a14="http://schemas.microsoft.com/office/drawing/2010/main" w="9525">
                   <a:solidFill>
                     <a:srgbClr val="000000"/>
                   </a:solidFill>
@@ -4798,8 +4879,8 @@
               <a:noFill/>
             </a:ln>
             <a:extLst>
-              <a:ext uri="{91240B29-F687-4f45-9708-019B960494DF}">
-                <a14:hiddenLine xmlns:a14="http://schemas.microsoft.com/office/drawing/2010/main" xmlns="" w="9525">
+              <a:ext uri="{91240B29-F687-4F45-9708-019B960494DF}">
+                <a14:hiddenLine xmlns:a14="http://schemas.microsoft.com/office/drawing/2010/main" w="9525">
                   <a:solidFill>
                     <a:srgbClr val="000000"/>
                   </a:solidFill>
@@ -4888,8 +4969,8 @@
               <a:noFill/>
             </a:ln>
             <a:extLst>
-              <a:ext uri="{91240B29-F687-4f45-9708-019B960494DF}">
-                <a14:hiddenLine xmlns:a14="http://schemas.microsoft.com/office/drawing/2010/main" xmlns="" w="9525">
+              <a:ext uri="{91240B29-F687-4F45-9708-019B960494DF}">
+                <a14:hiddenLine xmlns:a14="http://schemas.microsoft.com/office/drawing/2010/main" w="9525">
                   <a:solidFill>
                     <a:srgbClr val="000000"/>
                   </a:solidFill>
@@ -4944,8 +5025,8 @@
               <a:noFill/>
             </a:ln>
             <a:extLst>
-              <a:ext uri="{91240B29-F687-4f45-9708-019B960494DF}">
-                <a14:hiddenLine xmlns:a14="http://schemas.microsoft.com/office/drawing/2010/main" xmlns="" w="9525">
+              <a:ext uri="{91240B29-F687-4F45-9708-019B960494DF}">
+                <a14:hiddenLine xmlns:a14="http://schemas.microsoft.com/office/drawing/2010/main" w="9525">
                   <a:solidFill>
                     <a:srgbClr val="000000"/>
                   </a:solidFill>
@@ -5034,8 +5115,8 @@
               <a:noFill/>
             </a:ln>
             <a:extLst>
-              <a:ext uri="{91240B29-F687-4f45-9708-019B960494DF}">
-                <a14:hiddenLine xmlns:a14="http://schemas.microsoft.com/office/drawing/2010/main" xmlns="" w="9525">
+              <a:ext uri="{91240B29-F687-4F45-9708-019B960494DF}">
+                <a14:hiddenLine xmlns:a14="http://schemas.microsoft.com/office/drawing/2010/main" w="9525">
                   <a:solidFill>
                     <a:srgbClr val="000000"/>
                   </a:solidFill>
@@ -5090,8 +5171,8 @@
               <a:noFill/>
             </a:ln>
             <a:extLst>
-              <a:ext uri="{91240B29-F687-4f45-9708-019B960494DF}">
-                <a14:hiddenLine xmlns:a14="http://schemas.microsoft.com/office/drawing/2010/main" xmlns="" w="9525">
+              <a:ext uri="{91240B29-F687-4F45-9708-019B960494DF}">
+                <a14:hiddenLine xmlns:a14="http://schemas.microsoft.com/office/drawing/2010/main" w="9525">
                   <a:solidFill>
                     <a:srgbClr val="000000"/>
                   </a:solidFill>
@@ -5180,8 +5261,8 @@
               <a:noFill/>
             </a:ln>
             <a:extLst>
-              <a:ext uri="{91240B29-F687-4f45-9708-019B960494DF}">
-                <a14:hiddenLine xmlns:a14="http://schemas.microsoft.com/office/drawing/2010/main" xmlns="" w="9525">
+              <a:ext uri="{91240B29-F687-4F45-9708-019B960494DF}">
+                <a14:hiddenLine xmlns:a14="http://schemas.microsoft.com/office/drawing/2010/main" w="9525">
                   <a:solidFill>
                     <a:srgbClr val="000000"/>
                   </a:solidFill>
@@ -5248,8 +5329,8 @@
               <a:noFill/>
             </a:ln>
             <a:extLst>
-              <a:ext uri="{91240B29-F687-4f45-9708-019B960494DF}">
-                <a14:hiddenLine xmlns:a14="http://schemas.microsoft.com/office/drawing/2010/main" xmlns="" w="9525">
+              <a:ext uri="{91240B29-F687-4F45-9708-019B960494DF}">
+                <a14:hiddenLine xmlns:a14="http://schemas.microsoft.com/office/drawing/2010/main" w="9525">
                   <a:solidFill>
                     <a:srgbClr val="000000"/>
                   </a:solidFill>
@@ -5338,8 +5419,8 @@
               <a:noFill/>
             </a:ln>
             <a:extLst>
-              <a:ext uri="{91240B29-F687-4f45-9708-019B960494DF}">
-                <a14:hiddenLine xmlns:a14="http://schemas.microsoft.com/office/drawing/2010/main" xmlns="" w="9525">
+              <a:ext uri="{91240B29-F687-4F45-9708-019B960494DF}">
+                <a14:hiddenLine xmlns:a14="http://schemas.microsoft.com/office/drawing/2010/main" w="9525">
                   <a:solidFill>
                     <a:srgbClr val="000000"/>
                   </a:solidFill>
@@ -5406,8 +5487,8 @@
               <a:noFill/>
             </a:ln>
             <a:extLst>
-              <a:ext uri="{91240B29-F687-4f45-9708-019B960494DF}">
-                <a14:hiddenLine xmlns:a14="http://schemas.microsoft.com/office/drawing/2010/main" xmlns="" w="9525">
+              <a:ext uri="{91240B29-F687-4F45-9708-019B960494DF}">
+                <a14:hiddenLine xmlns:a14="http://schemas.microsoft.com/office/drawing/2010/main" w="9525">
                   <a:solidFill>
                     <a:srgbClr val="000000"/>
                   </a:solidFill>
@@ -5496,8 +5577,8 @@
               <a:noFill/>
             </a:ln>
             <a:extLst>
-              <a:ext uri="{91240B29-F687-4f45-9708-019B960494DF}">
-                <a14:hiddenLine xmlns:a14="http://schemas.microsoft.com/office/drawing/2010/main" xmlns="" w="9525">
+              <a:ext uri="{91240B29-F687-4F45-9708-019B960494DF}">
+                <a14:hiddenLine xmlns:a14="http://schemas.microsoft.com/office/drawing/2010/main" w="9525">
                   <a:solidFill>
                     <a:srgbClr val="000000"/>
                   </a:solidFill>
@@ -5530,8 +5611,8 @@
               <a:noFill/>
             </a:ln>
             <a:extLst>
-              <a:ext uri="{91240B29-F687-4f45-9708-019B960494DF}">
-                <a14:hiddenLine xmlns:a14="http://schemas.microsoft.com/office/drawing/2010/main" xmlns="" w="9525">
+              <a:ext uri="{91240B29-F687-4F45-9708-019B960494DF}">
+                <a14:hiddenLine xmlns:a14="http://schemas.microsoft.com/office/drawing/2010/main" w="9525">
                   <a:solidFill>
                     <a:srgbClr val="000000"/>
                   </a:solidFill>
@@ -5620,8 +5701,8 @@
               <a:noFill/>
             </a:ln>
             <a:extLst>
-              <a:ext uri="{91240B29-F687-4f45-9708-019B960494DF}">
-                <a14:hiddenLine xmlns:a14="http://schemas.microsoft.com/office/drawing/2010/main" xmlns="" w="9525">
+              <a:ext uri="{91240B29-F687-4F45-9708-019B960494DF}">
+                <a14:hiddenLine xmlns:a14="http://schemas.microsoft.com/office/drawing/2010/main" w="9525">
                   <a:solidFill>
                     <a:srgbClr val="000000"/>
                   </a:solidFill>
@@ -5682,8 +5763,8 @@
               <a:noFill/>
             </a:ln>
             <a:extLst>
-              <a:ext uri="{91240B29-F687-4f45-9708-019B960494DF}">
-                <a14:hiddenLine xmlns:a14="http://schemas.microsoft.com/office/drawing/2010/main" xmlns="" w="9525">
+              <a:ext uri="{91240B29-F687-4F45-9708-019B960494DF}">
+                <a14:hiddenLine xmlns:a14="http://schemas.microsoft.com/office/drawing/2010/main" w="9525">
                   <a:solidFill>
                     <a:srgbClr val="000000"/>
                   </a:solidFill>
@@ -5744,8 +5825,8 @@
               <a:noFill/>
             </a:ln>
             <a:extLst>
-              <a:ext uri="{91240B29-F687-4f45-9708-019B960494DF}">
-                <a14:hiddenLine xmlns:a14="http://schemas.microsoft.com/office/drawing/2010/main" xmlns="" w="9525">
+              <a:ext uri="{91240B29-F687-4F45-9708-019B960494DF}">
+                <a14:hiddenLine xmlns:a14="http://schemas.microsoft.com/office/drawing/2010/main" w="9525">
                   <a:solidFill>
                     <a:srgbClr val="000000"/>
                   </a:solidFill>
@@ -5834,8 +5915,8 @@
               <a:noFill/>
             </a:ln>
             <a:extLst>
-              <a:ext uri="{91240B29-F687-4f45-9708-019B960494DF}">
-                <a14:hiddenLine xmlns:a14="http://schemas.microsoft.com/office/drawing/2010/main" xmlns="" w="9525">
+              <a:ext uri="{91240B29-F687-4F45-9708-019B960494DF}">
+                <a14:hiddenLine xmlns:a14="http://schemas.microsoft.com/office/drawing/2010/main" w="9525">
                   <a:solidFill>
                     <a:srgbClr val="000000"/>
                   </a:solidFill>
@@ -5902,8 +5983,8 @@
               <a:noFill/>
             </a:ln>
             <a:extLst>
-              <a:ext uri="{91240B29-F687-4f45-9708-019B960494DF}">
-                <a14:hiddenLine xmlns:a14="http://schemas.microsoft.com/office/drawing/2010/main" xmlns="" w="9525">
+              <a:ext uri="{91240B29-F687-4F45-9708-019B960494DF}">
+                <a14:hiddenLine xmlns:a14="http://schemas.microsoft.com/office/drawing/2010/main" w="9525">
                   <a:solidFill>
                     <a:srgbClr val="000000"/>
                   </a:solidFill>
@@ -5964,8 +6045,8 @@
               <a:noFill/>
             </a:ln>
             <a:extLst>
-              <a:ext uri="{91240B29-F687-4f45-9708-019B960494DF}">
-                <a14:hiddenLine xmlns:a14="http://schemas.microsoft.com/office/drawing/2010/main" xmlns="" w="9525">
+              <a:ext uri="{91240B29-F687-4F45-9708-019B960494DF}">
+                <a14:hiddenLine xmlns:a14="http://schemas.microsoft.com/office/drawing/2010/main" w="9525">
                   <a:solidFill>
                     <a:srgbClr val="000000"/>
                   </a:solidFill>
@@ -6054,8 +6135,8 @@
               <a:noFill/>
             </a:ln>
             <a:extLst>
-              <a:ext uri="{91240B29-F687-4f45-9708-019B960494DF}">
-                <a14:hiddenLine xmlns:a14="http://schemas.microsoft.com/office/drawing/2010/main" xmlns="" w="9525">
+              <a:ext uri="{91240B29-F687-4F45-9708-019B960494DF}">
+                <a14:hiddenLine xmlns:a14="http://schemas.microsoft.com/office/drawing/2010/main" w="9525">
                   <a:solidFill>
                     <a:srgbClr val="000000"/>
                   </a:solidFill>
@@ -6116,8 +6197,8 @@
               <a:noFill/>
             </a:ln>
             <a:extLst>
-              <a:ext uri="{91240B29-F687-4f45-9708-019B960494DF}">
-                <a14:hiddenLine xmlns:a14="http://schemas.microsoft.com/office/drawing/2010/main" xmlns="" w="9525">
+              <a:ext uri="{91240B29-F687-4F45-9708-019B960494DF}">
+                <a14:hiddenLine xmlns:a14="http://schemas.microsoft.com/office/drawing/2010/main" w="9525">
                   <a:solidFill>
                     <a:srgbClr val="000000"/>
                   </a:solidFill>
@@ -6206,8 +6287,8 @@
               <a:noFill/>
             </a:ln>
             <a:extLst>
-              <a:ext uri="{91240B29-F687-4f45-9708-019B960494DF}">
-                <a14:hiddenLine xmlns:a14="http://schemas.microsoft.com/office/drawing/2010/main" xmlns="" w="9525">
+              <a:ext uri="{91240B29-F687-4F45-9708-019B960494DF}">
+                <a14:hiddenLine xmlns:a14="http://schemas.microsoft.com/office/drawing/2010/main" w="9525">
                   <a:solidFill>
                     <a:srgbClr val="000000"/>
                   </a:solidFill>
@@ -6268,8 +6349,8 @@
               <a:noFill/>
             </a:ln>
             <a:extLst>
-              <a:ext uri="{91240B29-F687-4f45-9708-019B960494DF}">
-                <a14:hiddenLine xmlns:a14="http://schemas.microsoft.com/office/drawing/2010/main" xmlns="" w="9525">
+              <a:ext uri="{91240B29-F687-4F45-9708-019B960494DF}">
+                <a14:hiddenLine xmlns:a14="http://schemas.microsoft.com/office/drawing/2010/main" w="9525">
                   <a:solidFill>
                     <a:srgbClr val="000000"/>
                   </a:solidFill>
@@ -6358,8 +6439,8 @@
               <a:noFill/>
             </a:ln>
             <a:extLst>
-              <a:ext uri="{91240B29-F687-4f45-9708-019B960494DF}">
-                <a14:hiddenLine xmlns:a14="http://schemas.microsoft.com/office/drawing/2010/main" xmlns="" w="9525">
+              <a:ext uri="{91240B29-F687-4F45-9708-019B960494DF}">
+                <a14:hiddenLine xmlns:a14="http://schemas.microsoft.com/office/drawing/2010/main" w="9525">
                   <a:solidFill>
                     <a:srgbClr val="000000"/>
                   </a:solidFill>
@@ -6392,8 +6473,8 @@
               <a:noFill/>
             </a:ln>
             <a:extLst>
-              <a:ext uri="{91240B29-F687-4f45-9708-019B960494DF}">
-                <a14:hiddenLine xmlns:a14="http://schemas.microsoft.com/office/drawing/2010/main" xmlns="" w="9525">
+              <a:ext uri="{91240B29-F687-4F45-9708-019B960494DF}">
+                <a14:hiddenLine xmlns:a14="http://schemas.microsoft.com/office/drawing/2010/main" w="9525">
                   <a:solidFill>
                     <a:srgbClr val="000000"/>
                   </a:solidFill>
@@ -6457,8 +6538,8 @@
               <a:noFill/>
             </a:ln>
             <a:extLst>
-              <a:ext uri="{91240B29-F687-4f45-9708-019B960494DF}">
-                <a14:hiddenLine xmlns:a14="http://schemas.microsoft.com/office/drawing/2010/main" xmlns="" w="9525">
+              <a:ext uri="{91240B29-F687-4F45-9708-019B960494DF}">
+                <a14:hiddenLine xmlns:a14="http://schemas.microsoft.com/office/drawing/2010/main" w="9525">
                   <a:solidFill>
                     <a:srgbClr val="000000"/>
                   </a:solidFill>
@@ -6547,8 +6628,8 @@
               <a:noFill/>
             </a:ln>
             <a:extLst>
-              <a:ext uri="{91240B29-F687-4f45-9708-019B960494DF}">
-                <a14:hiddenLine xmlns:a14="http://schemas.microsoft.com/office/drawing/2010/main" xmlns="" w="9525">
+              <a:ext uri="{91240B29-F687-4F45-9708-019B960494DF}">
+                <a14:hiddenLine xmlns:a14="http://schemas.microsoft.com/office/drawing/2010/main" w="9525">
                   <a:solidFill>
                     <a:srgbClr val="000000"/>
                   </a:solidFill>
@@ -6609,8 +6690,8 @@
               <a:noFill/>
             </a:ln>
             <a:extLst>
-              <a:ext uri="{91240B29-F687-4f45-9708-019B960494DF}">
-                <a14:hiddenLine xmlns:a14="http://schemas.microsoft.com/office/drawing/2010/main" xmlns="" w="9525">
+              <a:ext uri="{91240B29-F687-4F45-9708-019B960494DF}">
+                <a14:hiddenLine xmlns:a14="http://schemas.microsoft.com/office/drawing/2010/main" w="9525">
                   <a:solidFill>
                     <a:srgbClr val="000000"/>
                   </a:solidFill>
@@ -6699,8 +6780,8 @@
               <a:noFill/>
             </a:ln>
             <a:extLst>
-              <a:ext uri="{91240B29-F687-4f45-9708-019B960494DF}">
-                <a14:hiddenLine xmlns:a14="http://schemas.microsoft.com/office/drawing/2010/main" xmlns="" w="9525">
+              <a:ext uri="{91240B29-F687-4F45-9708-019B960494DF}">
+                <a14:hiddenLine xmlns:a14="http://schemas.microsoft.com/office/drawing/2010/main" w="9525">
                   <a:solidFill>
                     <a:srgbClr val="000000"/>
                   </a:solidFill>
@@ -6789,8 +6870,8 @@
               <a:noFill/>
             </a:ln>
             <a:extLst>
-              <a:ext uri="{91240B29-F687-4f45-9708-019B960494DF}">
-                <a14:hiddenLine xmlns:a14="http://schemas.microsoft.com/office/drawing/2010/main" xmlns="" w="9525">
+              <a:ext uri="{91240B29-F687-4F45-9708-019B960494DF}">
+                <a14:hiddenLine xmlns:a14="http://schemas.microsoft.com/office/drawing/2010/main" w="9525">
                   <a:solidFill>
                     <a:srgbClr val="000000"/>
                   </a:solidFill>
@@ -6854,8 +6935,8 @@
               <a:noFill/>
             </a:ln>
             <a:extLst>
-              <a:ext uri="{91240B29-F687-4f45-9708-019B960494DF}">
-                <a14:hiddenLine xmlns:a14="http://schemas.microsoft.com/office/drawing/2010/main" xmlns="" w="9525">
+              <a:ext uri="{91240B29-F687-4F45-9708-019B960494DF}">
+                <a14:hiddenLine xmlns:a14="http://schemas.microsoft.com/office/drawing/2010/main" w="9525">
                   <a:solidFill>
                     <a:srgbClr val="000000"/>
                   </a:solidFill>
@@ -6916,8 +6997,8 @@
               <a:noFill/>
             </a:ln>
             <a:extLst>
-              <a:ext uri="{91240B29-F687-4f45-9708-019B960494DF}">
-                <a14:hiddenLine xmlns:a14="http://schemas.microsoft.com/office/drawing/2010/main" xmlns="" w="9525">
+              <a:ext uri="{91240B29-F687-4F45-9708-019B960494DF}">
+                <a14:hiddenLine xmlns:a14="http://schemas.microsoft.com/office/drawing/2010/main" w="9525">
                   <a:solidFill>
                     <a:srgbClr val="000000"/>
                   </a:solidFill>
@@ -7006,8 +7087,8 @@
               <a:noFill/>
             </a:ln>
             <a:extLst>
-              <a:ext uri="{91240B29-F687-4f45-9708-019B960494DF}">
-                <a14:hiddenLine xmlns:a14="http://schemas.microsoft.com/office/drawing/2010/main" xmlns="" w="9525">
+              <a:ext uri="{91240B29-F687-4F45-9708-019B960494DF}">
+                <a14:hiddenLine xmlns:a14="http://schemas.microsoft.com/office/drawing/2010/main" w="9525">
                   <a:solidFill>
                     <a:srgbClr val="000000"/>
                   </a:solidFill>
@@ -7096,8 +7177,8 @@
               <a:noFill/>
             </a:ln>
             <a:extLst>
-              <a:ext uri="{91240B29-F687-4f45-9708-019B960494DF}">
-                <a14:hiddenLine xmlns:a14="http://schemas.microsoft.com/office/drawing/2010/main" xmlns="" w="9525">
+              <a:ext uri="{91240B29-F687-4F45-9708-019B960494DF}">
+                <a14:hiddenLine xmlns:a14="http://schemas.microsoft.com/office/drawing/2010/main" w="9525">
                   <a:solidFill>
                     <a:srgbClr val="000000"/>
                   </a:solidFill>
@@ -7158,8 +7239,8 @@
               <a:noFill/>
             </a:ln>
             <a:extLst>
-              <a:ext uri="{91240B29-F687-4f45-9708-019B960494DF}">
-                <a14:hiddenLine xmlns:a14="http://schemas.microsoft.com/office/drawing/2010/main" xmlns="" w="9525">
+              <a:ext uri="{91240B29-F687-4F45-9708-019B960494DF}">
+                <a14:hiddenLine xmlns:a14="http://schemas.microsoft.com/office/drawing/2010/main" w="9525">
                   <a:solidFill>
                     <a:srgbClr val="000000"/>
                   </a:solidFill>
@@ -7278,8 +7359,8 @@
               <a:noFill/>
             </a:ln>
             <a:extLst>
-              <a:ext uri="{91240B29-F687-4f45-9708-019B960494DF}">
-                <a14:hiddenLine xmlns:a14="http://schemas.microsoft.com/office/drawing/2010/main" xmlns="" w="9525">
+              <a:ext uri="{91240B29-F687-4F45-9708-019B960494DF}">
+                <a14:hiddenLine xmlns:a14="http://schemas.microsoft.com/office/drawing/2010/main" w="9525">
                   <a:solidFill>
                     <a:srgbClr val="000000"/>
                   </a:solidFill>
@@ -7346,8 +7427,8 @@
               <a:noFill/>
             </a:ln>
             <a:extLst>
-              <a:ext uri="{91240B29-F687-4f45-9708-019B960494DF}">
-                <a14:hiddenLine xmlns:a14="http://schemas.microsoft.com/office/drawing/2010/main" xmlns="" w="9525">
+              <a:ext uri="{91240B29-F687-4F45-9708-019B960494DF}">
+                <a14:hiddenLine xmlns:a14="http://schemas.microsoft.com/office/drawing/2010/main" w="9525">
                   <a:solidFill>
                     <a:srgbClr val="000000"/>
                   </a:solidFill>
@@ -7436,8 +7517,8 @@
               <a:noFill/>
             </a:ln>
             <a:extLst>
-              <a:ext uri="{91240B29-F687-4f45-9708-019B960494DF}">
-                <a14:hiddenLine xmlns:a14="http://schemas.microsoft.com/office/drawing/2010/main" xmlns="" w="9525">
+              <a:ext uri="{91240B29-F687-4F45-9708-019B960494DF}">
+                <a14:hiddenLine xmlns:a14="http://schemas.microsoft.com/office/drawing/2010/main" w="9525">
                   <a:solidFill>
                     <a:srgbClr val="000000"/>
                   </a:solidFill>
@@ -12250,8 +12331,8 @@
           </a:prstGeom>
           <a:noFill/>
           <a:extLst>
-            <a:ext uri="{909E8E84-426E-40dd-AFC4-6F175D3DCCD1}">
-              <a14:hiddenFill xmlns:a14="http://schemas.microsoft.com/office/drawing/2010/main" xmlns="">
+            <a:ext uri="{909E8E84-426E-40DD-AFC4-6F175D3DCCD1}">
+              <a14:hiddenFill xmlns:a14="http://schemas.microsoft.com/office/drawing/2010/main">
                 <a:solidFill>
                   <a:srgbClr val="FFFFFF"/>
                 </a:solidFill>
@@ -12324,8 +12405,8 @@
                 <a:noFill/>
               </a:ln>
               <a:extLst>
-                <a:ext uri="{91240B29-F687-4f45-9708-019B960494DF}">
-                  <a14:hiddenLine xmlns:a14="http://schemas.microsoft.com/office/drawing/2010/main" xmlns="" w="9525">
+                <a:ext uri="{91240B29-F687-4F45-9708-019B960494DF}">
+                  <a14:hiddenLine xmlns:a14="http://schemas.microsoft.com/office/drawing/2010/main" w="9525">
                     <a:solidFill>
                       <a:srgbClr val="000000"/>
                     </a:solidFill>
@@ -12414,8 +12495,8 @@
                 <a:noFill/>
               </a:ln>
               <a:extLst>
-                <a:ext uri="{91240B29-F687-4f45-9708-019B960494DF}">
-                  <a14:hiddenLine xmlns:a14="http://schemas.microsoft.com/office/drawing/2010/main" xmlns="" w="9525">
+                <a:ext uri="{91240B29-F687-4F45-9708-019B960494DF}">
+                  <a14:hiddenLine xmlns:a14="http://schemas.microsoft.com/office/drawing/2010/main" w="9525">
                     <a:solidFill>
                       <a:srgbClr val="000000"/>
                     </a:solidFill>
@@ -12504,8 +12585,8 @@
                 <a:noFill/>
               </a:ln>
               <a:extLst>
-                <a:ext uri="{91240B29-F687-4f45-9708-019B960494DF}">
-                  <a14:hiddenLine xmlns:a14="http://schemas.microsoft.com/office/drawing/2010/main" xmlns="" w="9525">
+                <a:ext uri="{91240B29-F687-4F45-9708-019B960494DF}">
+                  <a14:hiddenLine xmlns:a14="http://schemas.microsoft.com/office/drawing/2010/main" w="9525">
                     <a:solidFill>
                       <a:srgbClr val="000000"/>
                     </a:solidFill>
@@ -12566,8 +12647,8 @@
                 <a:noFill/>
               </a:ln>
               <a:extLst>
-                <a:ext uri="{91240B29-F687-4f45-9708-019B960494DF}">
-                  <a14:hiddenLine xmlns:a14="http://schemas.microsoft.com/office/drawing/2010/main" xmlns="" w="9525">
+                <a:ext uri="{91240B29-F687-4F45-9708-019B960494DF}">
+                  <a14:hiddenLine xmlns:a14="http://schemas.microsoft.com/office/drawing/2010/main" w="9525">
                     <a:solidFill>
                       <a:srgbClr val="000000"/>
                     </a:solidFill>
@@ -12656,8 +12737,8 @@
                 <a:noFill/>
               </a:ln>
               <a:extLst>
-                <a:ext uri="{91240B29-F687-4f45-9708-019B960494DF}">
-                  <a14:hiddenLine xmlns:a14="http://schemas.microsoft.com/office/drawing/2010/main" xmlns="" w="9525">
+                <a:ext uri="{91240B29-F687-4F45-9708-019B960494DF}">
+                  <a14:hiddenLine xmlns:a14="http://schemas.microsoft.com/office/drawing/2010/main" w="9525">
                     <a:solidFill>
                       <a:srgbClr val="000000"/>
                     </a:solidFill>
@@ -12718,8 +12799,8 @@
                 <a:noFill/>
               </a:ln>
               <a:extLst>
-                <a:ext uri="{91240B29-F687-4f45-9708-019B960494DF}">
-                  <a14:hiddenLine xmlns:a14="http://schemas.microsoft.com/office/drawing/2010/main" xmlns="" w="9525">
+                <a:ext uri="{91240B29-F687-4F45-9708-019B960494DF}">
+                  <a14:hiddenLine xmlns:a14="http://schemas.microsoft.com/office/drawing/2010/main" w="9525">
                     <a:solidFill>
                       <a:srgbClr val="000000"/>
                     </a:solidFill>
@@ -12780,8 +12861,8 @@
                 <a:noFill/>
               </a:ln>
               <a:extLst>
-                <a:ext uri="{91240B29-F687-4f45-9708-019B960494DF}">
-                  <a14:hiddenLine xmlns:a14="http://schemas.microsoft.com/office/drawing/2010/main" xmlns="" w="9525">
+                <a:ext uri="{91240B29-F687-4F45-9708-019B960494DF}">
+                  <a14:hiddenLine xmlns:a14="http://schemas.microsoft.com/office/drawing/2010/main" w="9525">
                     <a:solidFill>
                       <a:srgbClr val="000000"/>
                     </a:solidFill>
@@ -12870,8 +12951,8 @@
                 <a:noFill/>
               </a:ln>
               <a:extLst>
-                <a:ext uri="{91240B29-F687-4f45-9708-019B960494DF}">
-                  <a14:hiddenLine xmlns:a14="http://schemas.microsoft.com/office/drawing/2010/main" xmlns="" w="9525">
+                <a:ext uri="{91240B29-F687-4F45-9708-019B960494DF}">
+                  <a14:hiddenLine xmlns:a14="http://schemas.microsoft.com/office/drawing/2010/main" w="9525">
                     <a:solidFill>
                       <a:srgbClr val="000000"/>
                     </a:solidFill>
@@ -12960,8 +13041,8 @@
                 <a:noFill/>
               </a:ln>
               <a:extLst>
-                <a:ext uri="{91240B29-F687-4f45-9708-019B960494DF}">
-                  <a14:hiddenLine xmlns:a14="http://schemas.microsoft.com/office/drawing/2010/main" xmlns="" w="9525">
+                <a:ext uri="{91240B29-F687-4F45-9708-019B960494DF}">
+                  <a14:hiddenLine xmlns:a14="http://schemas.microsoft.com/office/drawing/2010/main" w="9525">
                     <a:solidFill>
                       <a:srgbClr val="000000"/>
                     </a:solidFill>
@@ -13022,8 +13103,8 @@
                 <a:noFill/>
               </a:ln>
               <a:extLst>
-                <a:ext uri="{91240B29-F687-4f45-9708-019B960494DF}">
-                  <a14:hiddenLine xmlns:a14="http://schemas.microsoft.com/office/drawing/2010/main" xmlns="" w="9525">
+                <a:ext uri="{91240B29-F687-4F45-9708-019B960494DF}">
+                  <a14:hiddenLine xmlns:a14="http://schemas.microsoft.com/office/drawing/2010/main" w="9525">
                     <a:solidFill>
                       <a:srgbClr val="000000"/>
                     </a:solidFill>
@@ -13132,8 +13213,8 @@
                 <a:noFill/>
               </a:ln>
               <a:extLst>
-                <a:ext uri="{91240B29-F687-4f45-9708-019B960494DF}">
-                  <a14:hiddenLine xmlns:a14="http://schemas.microsoft.com/office/drawing/2010/main" xmlns="" w="9525">
+                <a:ext uri="{91240B29-F687-4F45-9708-019B960494DF}">
+                  <a14:hiddenLine xmlns:a14="http://schemas.microsoft.com/office/drawing/2010/main" w="9525">
                     <a:solidFill>
                       <a:srgbClr val="000000"/>
                     </a:solidFill>
@@ -13216,8 +13297,8 @@
                 <a:noFill/>
               </a:ln>
               <a:extLst>
-                <a:ext uri="{91240B29-F687-4f45-9708-019B960494DF}">
-                  <a14:hiddenLine xmlns:a14="http://schemas.microsoft.com/office/drawing/2010/main" xmlns="" w="9525">
+                <a:ext uri="{91240B29-F687-4F45-9708-019B960494DF}">
+                  <a14:hiddenLine xmlns:a14="http://schemas.microsoft.com/office/drawing/2010/main" w="9525">
                     <a:solidFill>
                       <a:srgbClr val="000000"/>
                     </a:solidFill>
@@ -13278,8 +13359,8 @@
                 <a:noFill/>
               </a:ln>
               <a:extLst>
-                <a:ext uri="{91240B29-F687-4f45-9708-019B960494DF}">
-                  <a14:hiddenLine xmlns:a14="http://schemas.microsoft.com/office/drawing/2010/main" xmlns="" w="9525">
+                <a:ext uri="{91240B29-F687-4F45-9708-019B960494DF}">
+                  <a14:hiddenLine xmlns:a14="http://schemas.microsoft.com/office/drawing/2010/main" w="9525">
                     <a:solidFill>
                       <a:srgbClr val="000000"/>
                     </a:solidFill>
@@ -13340,8 +13421,8 @@
                 <a:noFill/>
               </a:ln>
               <a:extLst>
-                <a:ext uri="{91240B29-F687-4f45-9708-019B960494DF}">
-                  <a14:hiddenLine xmlns:a14="http://schemas.microsoft.com/office/drawing/2010/main" xmlns="" w="9525">
+                <a:ext uri="{91240B29-F687-4F45-9708-019B960494DF}">
+                  <a14:hiddenLine xmlns:a14="http://schemas.microsoft.com/office/drawing/2010/main" w="9525">
                     <a:solidFill>
                       <a:srgbClr val="000000"/>
                     </a:solidFill>
@@ -13430,8 +13511,8 @@
                 <a:noFill/>
               </a:ln>
               <a:extLst>
-                <a:ext uri="{91240B29-F687-4f45-9708-019B960494DF}">
-                  <a14:hiddenLine xmlns:a14="http://schemas.microsoft.com/office/drawing/2010/main" xmlns="" w="9525">
+                <a:ext uri="{91240B29-F687-4F45-9708-019B960494DF}">
+                  <a14:hiddenLine xmlns:a14="http://schemas.microsoft.com/office/drawing/2010/main" w="9525">
                     <a:solidFill>
                       <a:srgbClr val="000000"/>
                     </a:solidFill>
@@ -13464,8 +13545,8 @@
                 <a:noFill/>
               </a:ln>
               <a:extLst>
-                <a:ext uri="{91240B29-F687-4f45-9708-019B960494DF}">
-                  <a14:hiddenLine xmlns:a14="http://schemas.microsoft.com/office/drawing/2010/main" xmlns="" w="9525">
+                <a:ext uri="{91240B29-F687-4F45-9708-019B960494DF}">
+                  <a14:hiddenLine xmlns:a14="http://schemas.microsoft.com/office/drawing/2010/main" w="9525">
                     <a:solidFill>
                       <a:srgbClr val="000000"/>
                     </a:solidFill>
@@ -13529,8 +13610,8 @@
                 <a:noFill/>
               </a:ln>
               <a:extLst>
-                <a:ext uri="{91240B29-F687-4f45-9708-019B960494DF}">
-                  <a14:hiddenLine xmlns:a14="http://schemas.microsoft.com/office/drawing/2010/main" xmlns="" w="9525">
+                <a:ext uri="{91240B29-F687-4F45-9708-019B960494DF}">
+                  <a14:hiddenLine xmlns:a14="http://schemas.microsoft.com/office/drawing/2010/main" w="9525">
                     <a:solidFill>
                       <a:srgbClr val="000000"/>
                     </a:solidFill>
@@ -13619,8 +13700,8 @@
                 <a:noFill/>
               </a:ln>
               <a:extLst>
-                <a:ext uri="{91240B29-F687-4f45-9708-019B960494DF}">
-                  <a14:hiddenLine xmlns:a14="http://schemas.microsoft.com/office/drawing/2010/main" xmlns="" w="9525">
+                <a:ext uri="{91240B29-F687-4F45-9708-019B960494DF}">
+                  <a14:hiddenLine xmlns:a14="http://schemas.microsoft.com/office/drawing/2010/main" w="9525">
                     <a:solidFill>
                       <a:srgbClr val="000000"/>
                     </a:solidFill>
@@ -13681,8 +13762,8 @@
                 <a:noFill/>
               </a:ln>
               <a:extLst>
-                <a:ext uri="{91240B29-F687-4f45-9708-019B960494DF}">
-                  <a14:hiddenLine xmlns:a14="http://schemas.microsoft.com/office/drawing/2010/main" xmlns="" w="9525">
+                <a:ext uri="{91240B29-F687-4F45-9708-019B960494DF}">
+                  <a14:hiddenLine xmlns:a14="http://schemas.microsoft.com/office/drawing/2010/main" w="9525">
                     <a:solidFill>
                       <a:srgbClr val="000000"/>
                     </a:solidFill>
@@ -13771,8 +13852,8 @@
                 <a:noFill/>
               </a:ln>
               <a:extLst>
-                <a:ext uri="{91240B29-F687-4f45-9708-019B960494DF}">
-                  <a14:hiddenLine xmlns:a14="http://schemas.microsoft.com/office/drawing/2010/main" xmlns="" w="9525">
+                <a:ext uri="{91240B29-F687-4F45-9708-019B960494DF}">
+                  <a14:hiddenLine xmlns:a14="http://schemas.microsoft.com/office/drawing/2010/main" w="9525">
                     <a:solidFill>
                       <a:srgbClr val="000000"/>
                     </a:solidFill>
@@ -13836,8 +13917,8 @@
                 <a:noFill/>
               </a:ln>
               <a:extLst>
-                <a:ext uri="{91240B29-F687-4f45-9708-019B960494DF}">
-                  <a14:hiddenLine xmlns:a14="http://schemas.microsoft.com/office/drawing/2010/main" xmlns="" w="9525">
+                <a:ext uri="{91240B29-F687-4F45-9708-019B960494DF}">
+                  <a14:hiddenLine xmlns:a14="http://schemas.microsoft.com/office/drawing/2010/main" w="9525">
                     <a:solidFill>
                       <a:srgbClr val="000000"/>
                     </a:solidFill>
@@ -13898,8 +13979,8 @@
                 <a:noFill/>
               </a:ln>
               <a:extLst>
-                <a:ext uri="{91240B29-F687-4f45-9708-019B960494DF}">
-                  <a14:hiddenLine xmlns:a14="http://schemas.microsoft.com/office/drawing/2010/main" xmlns="" w="9525">
+                <a:ext uri="{91240B29-F687-4F45-9708-019B960494DF}">
+                  <a14:hiddenLine xmlns:a14="http://schemas.microsoft.com/office/drawing/2010/main" w="9525">
                     <a:solidFill>
                       <a:srgbClr val="000000"/>
                     </a:solidFill>
@@ -13988,8 +14069,8 @@
                 <a:noFill/>
               </a:ln>
               <a:extLst>
-                <a:ext uri="{91240B29-F687-4f45-9708-019B960494DF}">
-                  <a14:hiddenLine xmlns:a14="http://schemas.microsoft.com/office/drawing/2010/main" xmlns="" w="9525">
+                <a:ext uri="{91240B29-F687-4F45-9708-019B960494DF}">
+                  <a14:hiddenLine xmlns:a14="http://schemas.microsoft.com/office/drawing/2010/main" w="9525">
                     <a:solidFill>
                       <a:srgbClr val="000000"/>
                     </a:solidFill>
@@ -14078,8 +14159,8 @@
                 <a:noFill/>
               </a:ln>
               <a:extLst>
-                <a:ext uri="{91240B29-F687-4f45-9708-019B960494DF}">
-                  <a14:hiddenLine xmlns:a14="http://schemas.microsoft.com/office/drawing/2010/main" xmlns="" w="9525">
+                <a:ext uri="{91240B29-F687-4F45-9708-019B960494DF}">
+                  <a14:hiddenLine xmlns:a14="http://schemas.microsoft.com/office/drawing/2010/main" w="9525">
                     <a:solidFill>
                       <a:srgbClr val="000000"/>
                     </a:solidFill>
@@ -14143,8 +14224,8 @@
                 <a:noFill/>
               </a:ln>
               <a:extLst>
-                <a:ext uri="{91240B29-F687-4f45-9708-019B960494DF}">
-                  <a14:hiddenLine xmlns:a14="http://schemas.microsoft.com/office/drawing/2010/main" xmlns="" w="9525">
+                <a:ext uri="{91240B29-F687-4F45-9708-019B960494DF}">
+                  <a14:hiddenLine xmlns:a14="http://schemas.microsoft.com/office/drawing/2010/main" w="9525">
                     <a:solidFill>
                       <a:srgbClr val="000000"/>
                     </a:solidFill>
@@ -14263,8 +14344,8 @@
                 <a:noFill/>
               </a:ln>
               <a:extLst>
-                <a:ext uri="{91240B29-F687-4f45-9708-019B960494DF}">
-                  <a14:hiddenLine xmlns:a14="http://schemas.microsoft.com/office/drawing/2010/main" xmlns="" w="9525">
+                <a:ext uri="{91240B29-F687-4F45-9708-019B960494DF}">
+                  <a14:hiddenLine xmlns:a14="http://schemas.microsoft.com/office/drawing/2010/main" w="9525">
                     <a:solidFill>
                       <a:srgbClr val="000000"/>
                     </a:solidFill>
@@ -14361,8 +14442,8 @@
                 <a:noFill/>
               </a:ln>
               <a:extLst>
-                <a:ext uri="{91240B29-F687-4f45-9708-019B960494DF}">
-                  <a14:hiddenLine xmlns:a14="http://schemas.microsoft.com/office/drawing/2010/main" xmlns="" w="9525">
+                <a:ext uri="{91240B29-F687-4F45-9708-019B960494DF}">
+                  <a14:hiddenLine xmlns:a14="http://schemas.microsoft.com/office/drawing/2010/main" w="9525">
                     <a:solidFill>
                       <a:srgbClr val="000000"/>
                     </a:solidFill>
@@ -14476,8 +14557,8 @@
                 <a:noFill/>
               </a:ln>
               <a:extLst>
-                <a:ext uri="{91240B29-F687-4f45-9708-019B960494DF}">
-                  <a14:hiddenLine xmlns:a14="http://schemas.microsoft.com/office/drawing/2010/main" xmlns="" w="9525">
+                <a:ext uri="{91240B29-F687-4F45-9708-019B960494DF}">
+                  <a14:hiddenLine xmlns:a14="http://schemas.microsoft.com/office/drawing/2010/main" w="9525">
                     <a:solidFill>
                       <a:srgbClr val="000000"/>
                     </a:solidFill>
@@ -14566,8 +14647,8 @@
                 <a:noFill/>
               </a:ln>
               <a:extLst>
-                <a:ext uri="{91240B29-F687-4f45-9708-019B960494DF}">
-                  <a14:hiddenLine xmlns:a14="http://schemas.microsoft.com/office/drawing/2010/main" xmlns="" w="9525">
+                <a:ext uri="{91240B29-F687-4F45-9708-019B960494DF}">
+                  <a14:hiddenLine xmlns:a14="http://schemas.microsoft.com/office/drawing/2010/main" w="9525">
                     <a:solidFill>
                       <a:srgbClr val="000000"/>
                     </a:solidFill>
@@ -14631,8 +14712,8 @@
                 <a:noFill/>
               </a:ln>
               <a:extLst>
-                <a:ext uri="{91240B29-F687-4f45-9708-019B960494DF}">
-                  <a14:hiddenLine xmlns:a14="http://schemas.microsoft.com/office/drawing/2010/main" xmlns="" w="9525">
+                <a:ext uri="{91240B29-F687-4F45-9708-019B960494DF}">
+                  <a14:hiddenLine xmlns:a14="http://schemas.microsoft.com/office/drawing/2010/main" w="9525">
                     <a:solidFill>
                       <a:srgbClr val="000000"/>
                     </a:solidFill>
@@ -14721,8 +14802,8 @@
                 <a:noFill/>
               </a:ln>
               <a:extLst>
-                <a:ext uri="{91240B29-F687-4f45-9708-019B960494DF}">
-                  <a14:hiddenLine xmlns:a14="http://schemas.microsoft.com/office/drawing/2010/main" xmlns="" w="9525">
+                <a:ext uri="{91240B29-F687-4F45-9708-019B960494DF}">
+                  <a14:hiddenLine xmlns:a14="http://schemas.microsoft.com/office/drawing/2010/main" w="9525">
                     <a:solidFill>
                       <a:srgbClr val="000000"/>
                     </a:solidFill>
@@ -14789,8 +14870,8 @@
                 <a:noFill/>
               </a:ln>
               <a:extLst>
-                <a:ext uri="{91240B29-F687-4f45-9708-019B960494DF}">
-                  <a14:hiddenLine xmlns:a14="http://schemas.microsoft.com/office/drawing/2010/main" xmlns="" w="9525">
+                <a:ext uri="{91240B29-F687-4F45-9708-019B960494DF}">
+                  <a14:hiddenLine xmlns:a14="http://schemas.microsoft.com/office/drawing/2010/main" w="9525">
                     <a:solidFill>
                       <a:srgbClr val="000000"/>
                     </a:solidFill>
@@ -14879,8 +14960,8 @@
                 <a:noFill/>
               </a:ln>
               <a:extLst>
-                <a:ext uri="{91240B29-F687-4f45-9708-019B960494DF}">
-                  <a14:hiddenLine xmlns:a14="http://schemas.microsoft.com/office/drawing/2010/main" xmlns="" w="9525">
+                <a:ext uri="{91240B29-F687-4F45-9708-019B960494DF}">
+                  <a14:hiddenLine xmlns:a14="http://schemas.microsoft.com/office/drawing/2010/main" w="9525">
                     <a:solidFill>
                       <a:srgbClr val="000000"/>
                     </a:solidFill>
@@ -14947,8 +15028,8 @@
                 <a:noFill/>
               </a:ln>
               <a:extLst>
-                <a:ext uri="{91240B29-F687-4f45-9708-019B960494DF}">
-                  <a14:hiddenLine xmlns:a14="http://schemas.microsoft.com/office/drawing/2010/main" xmlns="" w="9525">
+                <a:ext uri="{91240B29-F687-4F45-9708-019B960494DF}">
+                  <a14:hiddenLine xmlns:a14="http://schemas.microsoft.com/office/drawing/2010/main" w="9525">
                     <a:solidFill>
                       <a:srgbClr val="000000"/>
                     </a:solidFill>
@@ -15037,8 +15118,8 @@
                 <a:noFill/>
               </a:ln>
               <a:extLst>
-                <a:ext uri="{91240B29-F687-4f45-9708-019B960494DF}">
-                  <a14:hiddenLine xmlns:a14="http://schemas.microsoft.com/office/drawing/2010/main" xmlns="" w="9525">
+                <a:ext uri="{91240B29-F687-4F45-9708-019B960494DF}">
+                  <a14:hiddenLine xmlns:a14="http://schemas.microsoft.com/office/drawing/2010/main" w="9525">
                     <a:solidFill>
                       <a:srgbClr val="000000"/>
                     </a:solidFill>
@@ -15071,8 +15152,8 @@
                 <a:noFill/>
               </a:ln>
               <a:extLst>
-                <a:ext uri="{91240B29-F687-4f45-9708-019B960494DF}">
-                  <a14:hiddenLine xmlns:a14="http://schemas.microsoft.com/office/drawing/2010/main" xmlns="" w="9525">
+                <a:ext uri="{91240B29-F687-4F45-9708-019B960494DF}">
+                  <a14:hiddenLine xmlns:a14="http://schemas.microsoft.com/office/drawing/2010/main" w="9525">
                     <a:solidFill>
                       <a:srgbClr val="000000"/>
                     </a:solidFill>
@@ -15773,6 +15854,112 @@
 </p:sld>
 </file>
 
+<file path=ppt/slides/slide10.xml><?xml version="1.0" encoding="utf-8"?>
+<p:sld xmlns:a="http://schemas.openxmlformats.org/drawingml/2006/main" xmlns:r="http://schemas.openxmlformats.org/officeDocument/2006/relationships" xmlns:p="http://schemas.openxmlformats.org/presentationml/2006/main">
+  <p:cSld>
+    <p:spTree>
+      <p:nvGrpSpPr>
+        <p:cNvPr id="1" name=""/>
+        <p:cNvGrpSpPr/>
+        <p:nvPr/>
+      </p:nvGrpSpPr>
+      <p:grpSpPr>
+        <a:xfrm>
+          <a:off x="0" y="0"/>
+          <a:ext cx="0" cy="0"/>
+          <a:chOff x="0" y="0"/>
+          <a:chExt cx="0" cy="0"/>
+        </a:xfrm>
+      </p:grpSpPr>
+      <p:sp>
+        <p:nvSpPr>
+          <p:cNvPr id="2" name="Title 1"/>
+          <p:cNvSpPr>
+            <a:spLocks noGrp="1"/>
+          </p:cNvSpPr>
+          <p:nvPr>
+            <p:ph type="title"/>
+          </p:nvPr>
+        </p:nvSpPr>
+        <p:spPr/>
+        <p:txBody>
+          <a:bodyPr>
+            <a:normAutofit/>
+          </a:bodyPr>
+          <a:lstStyle/>
+          <a:p>
+            <a:pPr algn="ctr"/>
+            <a:r>
+              <a:rPr lang="en-ZA" sz="4400" dirty="0">
+                <a:solidFill>
+                  <a:schemeClr val="accent1">
+                    <a:lumMod val="60000"/>
+                    <a:lumOff val="40000"/>
+                  </a:schemeClr>
+                </a:solidFill>
+              </a:rPr>
+              <a:t>Questions</a:t>
+            </a:r>
+            <a:endParaRPr lang="en-GB" sz="4400" dirty="0">
+              <a:solidFill>
+                <a:schemeClr val="accent1">
+                  <a:lumMod val="60000"/>
+                  <a:lumOff val="40000"/>
+                </a:schemeClr>
+              </a:solidFill>
+            </a:endParaRPr>
+          </a:p>
+        </p:txBody>
+      </p:sp>
+      <p:pic>
+        <p:nvPicPr>
+          <p:cNvPr id="4" name="Content Placeholder 3"/>
+          <p:cNvPicPr>
+            <a:picLocks noGrp="1" noChangeAspect="1"/>
+          </p:cNvPicPr>
+          <p:nvPr>
+            <p:ph idx="1"/>
+          </p:nvPr>
+        </p:nvPicPr>
+        <p:blipFill>
+          <a:blip r:embed="rId3" cstate="print">
+            <a:extLst>
+              <a:ext uri="{28A0092B-C50C-407E-A947-70E740481C1C}">
+                <a14:useLocalDpi xmlns:a14="http://schemas.microsoft.com/office/drawing/2010/main" val="0"/>
+              </a:ext>
+            </a:extLst>
+          </a:blip>
+          <a:stretch>
+            <a:fillRect/>
+          </a:stretch>
+        </p:blipFill>
+        <p:spPr>
+          <a:xfrm>
+            <a:off x="4309549" y="2260373"/>
+            <a:ext cx="3569725" cy="3541712"/>
+          </a:xfrm>
+        </p:spPr>
+      </p:pic>
+    </p:spTree>
+    <p:extLst>
+      <p:ext uri="{BB962C8B-B14F-4D97-AF65-F5344CB8AC3E}">
+        <p14:creationId xmlns:p14="http://schemas.microsoft.com/office/powerpoint/2010/main" val="3408386648"/>
+      </p:ext>
+    </p:extLst>
+  </p:cSld>
+  <p:clrMapOvr>
+    <a:masterClrMapping/>
+  </p:clrMapOvr>
+  <p:timing>
+    <p:tnLst>
+      <p:par>
+        <p:cTn id="1" dur="indefinite" restart="never" nodeType="tmRoot"/>
+      </p:par>
+    </p:tnLst>
+  </p:timing>
+</p:sld>
+</file>
+
 <file path=ppt/slides/slide2.xml><?xml version="1.0" encoding="utf-8"?>
 <p:sld xmlns:a="http://schemas.openxmlformats.org/drawingml/2006/main" xmlns:r="http://schemas.openxmlformats.org/officeDocument/2006/relationships" xmlns:p="http://schemas.openxmlformats.org/presentationml/2006/main">
   <p:cSld>
@@ -16289,13 +16476,33 @@
           <a:p>
             <a:r>
               <a:rPr lang="en-ZA" sz="2800" dirty="0" smtClean="0"/>
-              <a:t>Interface Consistency</a:t>
+              <a:t>Research for User Interface – third party perspective</a:t>
             </a:r>
           </a:p>
           <a:p>
             <a:r>
               <a:rPr lang="en-ZA" sz="2800" dirty="0" smtClean="0"/>
-              <a:t>Separation of Individual and Group Chats</a:t>
+              <a:t>Interface </a:t>
+            </a:r>
+            <a:r>
+              <a:rPr lang="en-ZA" sz="2800" dirty="0" smtClean="0"/>
+              <a:t>Consistency</a:t>
+            </a:r>
+          </a:p>
+          <a:p>
+            <a:r>
+              <a:rPr lang="en-ZA" sz="2800" dirty="0" smtClean="0"/>
+              <a:t>Separation of Individual and Group </a:t>
+            </a:r>
+            <a:r>
+              <a:rPr lang="en-ZA" sz="2800" dirty="0" smtClean="0"/>
+              <a:t>Chats</a:t>
+            </a:r>
+          </a:p>
+          <a:p>
+            <a:r>
+              <a:rPr lang="en-ZA" sz="2800" dirty="0" smtClean="0"/>
+              <a:t>Usability Testing</a:t>
             </a:r>
             <a:endParaRPr lang="en-GB" sz="2800" dirty="0"/>
           </a:p>
@@ -16322,6 +16529,117 @@
 </file>
 
 <file path=ppt/slides/slide6.xml><?xml version="1.0" encoding="utf-8"?>
+<p:sld xmlns:a="http://schemas.openxmlformats.org/drawingml/2006/main" xmlns:r="http://schemas.openxmlformats.org/officeDocument/2006/relationships" xmlns:p="http://schemas.openxmlformats.org/presentationml/2006/main">
+  <p:cSld>
+    <p:spTree>
+      <p:nvGrpSpPr>
+        <p:cNvPr id="1" name=""/>
+        <p:cNvGrpSpPr/>
+        <p:nvPr/>
+      </p:nvGrpSpPr>
+      <p:grpSpPr>
+        <a:xfrm>
+          <a:off x="0" y="0"/>
+          <a:ext cx="0" cy="0"/>
+          <a:chOff x="0" y="0"/>
+          <a:chExt cx="0" cy="0"/>
+        </a:xfrm>
+      </p:grpSpPr>
+      <p:sp>
+        <p:nvSpPr>
+          <p:cNvPr id="2" name="Title 1"/>
+          <p:cNvSpPr>
+            <a:spLocks noGrp="1"/>
+          </p:cNvSpPr>
+          <p:nvPr>
+            <p:ph type="title"/>
+          </p:nvPr>
+        </p:nvSpPr>
+        <p:spPr>
+          <a:xfrm>
+            <a:off x="1125647" y="192849"/>
+            <a:ext cx="9905998" cy="1478570"/>
+          </a:xfrm>
+        </p:spPr>
+        <p:txBody>
+          <a:bodyPr>
+            <a:normAutofit/>
+          </a:bodyPr>
+          <a:lstStyle/>
+          <a:p>
+            <a:pPr algn="ctr"/>
+            <a:r>
+              <a:rPr lang="en-ZA" sz="4400" dirty="0" smtClean="0">
+                <a:solidFill>
+                  <a:schemeClr val="accent1">
+                    <a:lumMod val="60000"/>
+                    <a:lumOff val="40000"/>
+                  </a:schemeClr>
+                </a:solidFill>
+              </a:rPr>
+              <a:t>System Flow</a:t>
+            </a:r>
+            <a:endParaRPr lang="en-GB" sz="4400" dirty="0">
+              <a:solidFill>
+                <a:schemeClr val="accent1">
+                  <a:lumMod val="60000"/>
+                  <a:lumOff val="40000"/>
+                </a:schemeClr>
+              </a:solidFill>
+            </a:endParaRPr>
+          </a:p>
+        </p:txBody>
+      </p:sp>
+      <p:pic>
+        <p:nvPicPr>
+          <p:cNvPr id="4" name="Content Placeholder 3"/>
+          <p:cNvPicPr>
+            <a:picLocks noGrp="1" noChangeAspect="1"/>
+          </p:cNvPicPr>
+          <p:nvPr>
+            <p:ph idx="1"/>
+          </p:nvPr>
+        </p:nvPicPr>
+        <p:blipFill>
+          <a:blip r:embed="rId3">
+            <a:extLst>
+              <a:ext uri="{28A0092B-C50C-407E-A947-70E740481C1C}">
+                <a14:useLocalDpi xmlns:a14="http://schemas.microsoft.com/office/drawing/2010/main" val="0"/>
+              </a:ext>
+            </a:extLst>
+          </a:blip>
+          <a:stretch>
+            <a:fillRect/>
+          </a:stretch>
+        </p:blipFill>
+        <p:spPr>
+          <a:xfrm>
+            <a:off x="2787650" y="1308538"/>
+            <a:ext cx="6567038" cy="5203941"/>
+          </a:xfrm>
+        </p:spPr>
+      </p:pic>
+    </p:spTree>
+    <p:extLst>
+      <p:ext uri="{BB962C8B-B14F-4D97-AF65-F5344CB8AC3E}">
+        <p14:creationId xmlns:p14="http://schemas.microsoft.com/office/powerpoint/2010/main" val="118580773"/>
+      </p:ext>
+    </p:extLst>
+  </p:cSld>
+  <p:clrMapOvr>
+    <a:masterClrMapping/>
+  </p:clrMapOvr>
+  <p:timing>
+    <p:tnLst>
+      <p:par>
+        <p:cTn id="1" dur="indefinite" restart="never" nodeType="tmRoot"/>
+      </p:par>
+    </p:tnLst>
+  </p:timing>
+</p:sld>
+</file>
+
+<file path=ppt/slides/slide7.xml><?xml version="1.0" encoding="utf-8"?>
 <p:sld xmlns:a="http://schemas.openxmlformats.org/drawingml/2006/main" xmlns:r="http://schemas.openxmlformats.org/officeDocument/2006/relationships" xmlns:p="http://schemas.openxmlformats.org/presentationml/2006/main">
   <p:cSld>
     <p:spTree>
@@ -17067,7 +17385,7 @@
 </p:sld>
 </file>
 
-<file path=ppt/slides/slide7.xml><?xml version="1.0" encoding="utf-8"?>
+<file path=ppt/slides/slide8.xml><?xml version="1.0" encoding="utf-8"?>
 <p:sld xmlns:a="http://schemas.openxmlformats.org/drawingml/2006/main" xmlns:r="http://schemas.openxmlformats.org/officeDocument/2006/relationships" xmlns:p="http://schemas.openxmlformats.org/presentationml/2006/main">
   <p:cSld>
     <p:spTree>
@@ -17262,135 +17580,6 @@
 </p:sld>
 </file>
 
-<file path=ppt/slides/slide8.xml><?xml version="1.0" encoding="utf-8"?>
-<p:sld xmlns:a="http://schemas.openxmlformats.org/drawingml/2006/main" xmlns:r="http://schemas.openxmlformats.org/officeDocument/2006/relationships" xmlns:p="http://schemas.openxmlformats.org/presentationml/2006/main">
-  <p:cSld>
-    <p:spTree>
-      <p:nvGrpSpPr>
-        <p:cNvPr id="1" name=""/>
-        <p:cNvGrpSpPr/>
-        <p:nvPr/>
-      </p:nvGrpSpPr>
-      <p:grpSpPr>
-        <a:xfrm>
-          <a:off x="0" y="0"/>
-          <a:ext cx="0" cy="0"/>
-          <a:chOff x="0" y="0"/>
-          <a:chExt cx="0" cy="0"/>
-        </a:xfrm>
-      </p:grpSpPr>
-      <p:sp>
-        <p:nvSpPr>
-          <p:cNvPr id="2" name="Title 1"/>
-          <p:cNvSpPr>
-            <a:spLocks noGrp="1"/>
-          </p:cNvSpPr>
-          <p:nvPr>
-            <p:ph type="title"/>
-          </p:nvPr>
-        </p:nvSpPr>
-        <p:spPr/>
-        <p:txBody>
-          <a:bodyPr>
-            <a:normAutofit/>
-          </a:bodyPr>
-          <a:lstStyle/>
-          <a:p>
-            <a:pPr algn="ctr"/>
-            <a:r>
-              <a:rPr lang="en-ZA" sz="4400" dirty="0">
-                <a:solidFill>
-                  <a:schemeClr val="accent1">
-                    <a:lumMod val="60000"/>
-                    <a:lumOff val="40000"/>
-                  </a:schemeClr>
-                </a:solidFill>
-              </a:rPr>
-              <a:t>Encryption</a:t>
-            </a:r>
-            <a:endParaRPr lang="en-GB" sz="4400" dirty="0">
-              <a:solidFill>
-                <a:schemeClr val="accent1">
-                  <a:lumMod val="60000"/>
-                  <a:lumOff val="40000"/>
-                </a:schemeClr>
-              </a:solidFill>
-            </a:endParaRPr>
-          </a:p>
-        </p:txBody>
-      </p:sp>
-      <p:sp>
-        <p:nvSpPr>
-          <p:cNvPr id="3" name="Content Placeholder 2"/>
-          <p:cNvSpPr>
-            <a:spLocks noGrp="1"/>
-          </p:cNvSpPr>
-          <p:nvPr>
-            <p:ph idx="1"/>
-          </p:nvPr>
-        </p:nvSpPr>
-        <p:spPr/>
-        <p:txBody>
-          <a:bodyPr>
-            <a:normAutofit/>
-          </a:bodyPr>
-          <a:lstStyle/>
-          <a:p>
-            <a:r>
-              <a:rPr lang="en-ZA" sz="2800" dirty="0" smtClean="0"/>
-              <a:t>RSA Encryption</a:t>
-            </a:r>
-          </a:p>
-          <a:p>
-            <a:pPr lvl="1"/>
-            <a:r>
-              <a:rPr lang="en-ZA" sz="2400" dirty="0" smtClean="0"/>
-              <a:t>Secret Key Exchange</a:t>
-            </a:r>
-          </a:p>
-          <a:p>
-            <a:r>
-              <a:rPr lang="en-ZA" sz="2800" dirty="0" smtClean="0"/>
-              <a:t>AES 256 Encryption</a:t>
-            </a:r>
-          </a:p>
-          <a:p>
-            <a:pPr lvl="1"/>
-            <a:r>
-              <a:rPr lang="en-ZA" sz="2400" dirty="0" smtClean="0"/>
-              <a:t>Normal Messaging</a:t>
-            </a:r>
-          </a:p>
-          <a:p>
-            <a:pPr lvl="1"/>
-            <a:r>
-              <a:rPr lang="en-ZA" sz="2400" dirty="0" smtClean="0"/>
-              <a:t>Administrative Tasks</a:t>
-            </a:r>
-            <a:endParaRPr lang="en-GB" sz="2400" dirty="0"/>
-          </a:p>
-        </p:txBody>
-      </p:sp>
-    </p:spTree>
-    <p:extLst>
-      <p:ext uri="{BB962C8B-B14F-4D97-AF65-F5344CB8AC3E}">
-        <p14:creationId xmlns:p14="http://schemas.microsoft.com/office/powerpoint/2010/main" val="1362856923"/>
-      </p:ext>
-    </p:extLst>
-  </p:cSld>
-  <p:clrMapOvr>
-    <a:masterClrMapping/>
-  </p:clrMapOvr>
-  <p:timing>
-    <p:tnLst>
-      <p:par>
-        <p:cTn id="1" dur="indefinite" restart="never" nodeType="tmRoot"/>
-      </p:par>
-    </p:tnLst>
-  </p:timing>
-</p:sld>
-</file>
-
 <file path=ppt/slides/slide9.xml><?xml version="1.0" encoding="utf-8"?>
 <p:sld xmlns:a="http://schemas.openxmlformats.org/drawingml/2006/main" xmlns:r="http://schemas.openxmlformats.org/officeDocument/2006/relationships" xmlns:p="http://schemas.openxmlformats.org/presentationml/2006/main">
   <p:cSld>
@@ -17435,7 +17624,7 @@
                   </a:schemeClr>
                 </a:solidFill>
               </a:rPr>
-              <a:t>Questions</a:t>
+              <a:t>Encryption</a:t>
             </a:r>
             <a:endParaRPr lang="en-GB" sz="4400" dirty="0">
               <a:solidFill>
@@ -17448,39 +17637,62 @@
           </a:p>
         </p:txBody>
       </p:sp>
-      <p:pic>
-        <p:nvPicPr>
-          <p:cNvPr id="4" name="Content Placeholder 3"/>
-          <p:cNvPicPr>
-            <a:picLocks noGrp="1" noChangeAspect="1"/>
-          </p:cNvPicPr>
+      <p:sp>
+        <p:nvSpPr>
+          <p:cNvPr id="3" name="Content Placeholder 2"/>
+          <p:cNvSpPr>
+            <a:spLocks noGrp="1"/>
+          </p:cNvSpPr>
           <p:nvPr>
             <p:ph idx="1"/>
           </p:nvPr>
-        </p:nvPicPr>
-        <p:blipFill>
-          <a:blip r:embed="rId3" cstate="print">
-            <a:extLst>
-              <a:ext uri="{28A0092B-C50C-407E-A947-70E740481C1C}">
-                <a14:useLocalDpi xmlns:a14="http://schemas.microsoft.com/office/drawing/2010/main" val="0"/>
-              </a:ext>
-            </a:extLst>
-          </a:blip>
-          <a:stretch>
-            <a:fillRect/>
-          </a:stretch>
-        </p:blipFill>
-        <p:spPr>
-          <a:xfrm>
-            <a:off x="4309549" y="2260373"/>
-            <a:ext cx="3569725" cy="3541712"/>
-          </a:xfrm>
-        </p:spPr>
-      </p:pic>
+        </p:nvSpPr>
+        <p:spPr/>
+        <p:txBody>
+          <a:bodyPr>
+            <a:normAutofit/>
+          </a:bodyPr>
+          <a:lstStyle/>
+          <a:p>
+            <a:r>
+              <a:rPr lang="en-ZA" sz="2800" dirty="0" smtClean="0"/>
+              <a:t>RSA Encryption</a:t>
+            </a:r>
+          </a:p>
+          <a:p>
+            <a:pPr lvl="1"/>
+            <a:r>
+              <a:rPr lang="en-ZA" sz="2400" dirty="0" smtClean="0"/>
+              <a:t>Secret Key Exchange</a:t>
+            </a:r>
+          </a:p>
+          <a:p>
+            <a:r>
+              <a:rPr lang="en-ZA" sz="2800" dirty="0" smtClean="0"/>
+              <a:t>AES 256 Encryption</a:t>
+            </a:r>
+          </a:p>
+          <a:p>
+            <a:pPr lvl="1"/>
+            <a:r>
+              <a:rPr lang="en-ZA" sz="2400" dirty="0" smtClean="0"/>
+              <a:t>Normal Messaging</a:t>
+            </a:r>
+          </a:p>
+          <a:p>
+            <a:pPr lvl="1"/>
+            <a:r>
+              <a:rPr lang="en-ZA" sz="2400" dirty="0" smtClean="0"/>
+              <a:t>Administrative Tasks</a:t>
+            </a:r>
+            <a:endParaRPr lang="en-GB" sz="2400" dirty="0"/>
+          </a:p>
+        </p:txBody>
+      </p:sp>
     </p:spTree>
     <p:extLst>
       <p:ext uri="{BB962C8B-B14F-4D97-AF65-F5344CB8AC3E}">
-        <p14:creationId xmlns:p14="http://schemas.microsoft.com/office/powerpoint/2010/main" val="3408386648"/>
+        <p14:creationId xmlns:p14="http://schemas.microsoft.com/office/powerpoint/2010/main" val="1362856923"/>
       </p:ext>
     </p:extLst>
   </p:cSld>
@@ -17540,7 +17752,7 @@
     </a:clrScheme>
     <a:fontScheme name="Circuit">
       <a:majorFont>
-        <a:latin typeface="Tw Cen MT" panose="020B0602020104020603"/>
+        <a:latin typeface="Tw Cen MT"/>
         <a:ea typeface=""/>
         <a:cs typeface=""/>
         <a:font script="Jpan" typeface="ＭＳ Ｐゴシック"/>
@@ -17575,7 +17787,7 @@
         <a:font script="Geor" typeface="Sylfaen"/>
       </a:majorFont>
       <a:minorFont>
-        <a:latin typeface="Tw Cen MT" panose="020B0602020104020603"/>
+        <a:latin typeface="Tw Cen MT"/>
         <a:ea typeface=""/>
         <a:cs typeface=""/>
         <a:font script="Jpan" typeface="ＭＳ Ｐゴシック"/>
@@ -17742,7 +17954,7 @@
   <a:extraClrSchemeLst/>
   <a:extLst>
     <a:ext uri="{05A4C25C-085E-4340-85A3-A5531E510DB2}">
-      <thm15:themeFamily xmlns:thm15="http://schemas.microsoft.com/office/thememl/2012/main" name="Circuit" id="{0AC2F7E7-15F5-431C-B2A2-456FE929F56C}" vid="{97ECCC31-8429-4523-BE8D-8F09B7A4D46D}"/>
+      <thm15:themeFamily xmlns:thm15="http://schemas.microsoft.com/office/thememl/2012/main" xmlns="" name="Circuit" id="{0AC2F7E7-15F5-431C-B2A2-456FE929F56C}" vid="{97ECCC31-8429-4523-BE8D-8F09B7A4D46D}"/>
     </a:ext>
   </a:extLst>
 </a:theme>
@@ -17791,7 +18003,7 @@
     </a:clrScheme>
     <a:fontScheme name="Office">
       <a:majorFont>
-        <a:latin typeface="Calibri Light" panose="020F0302020204030204"/>
+        <a:latin typeface="Calibri Light"/>
         <a:ea typeface=""/>
         <a:cs typeface=""/>
         <a:font script="Jpan" typeface="ＭＳ Ｐゴシック"/>
@@ -17826,7 +18038,7 @@
         <a:font script="Geor" typeface="Sylfaen"/>
       </a:majorFont>
       <a:minorFont>
-        <a:latin typeface="Calibri" panose="020F0502020204030204"/>
+        <a:latin typeface="Calibri"/>
         <a:ea typeface=""/>
         <a:cs typeface=""/>
         <a:font script="Jpan" typeface="ＭＳ Ｐゴシック"/>
@@ -18003,7 +18215,7 @@
   <a:extraClrSchemeLst/>
   <a:extLst>
     <a:ext uri="{05A4C25C-085E-4340-85A3-A5531E510DB2}">
-      <thm15:themeFamily xmlns:thm15="http://schemas.microsoft.com/office/thememl/2012/main" name="Office Theme" id="{62F939B6-93AF-4DB8-9C6B-D6C7DFDC589F}" vid="{4A3C46E8-61CC-4603-A589-7422A47A8E4A}"/>
+      <thm15:themeFamily xmlns:thm15="http://schemas.microsoft.com/office/thememl/2012/main" xmlns="" name="Office Theme" id="{62F939B6-93AF-4DB8-9C6B-D6C7DFDC589F}" vid="{4A3C46E8-61CC-4603-A589-7422A47A8E4A}"/>
     </a:ext>
   </a:extLst>
 </a:theme>

--- a/Project Documentation/Demos/Nanoteq Demo/demo_nanoteq.pptx
+++ b/Project Documentation/Demos/Nanoteq Demo/demo_nanoteq.pptx
@@ -5,7 +5,7 @@
     <p:sldMasterId id="2147483696" r:id="rId1"/>
   </p:sldMasterIdLst>
   <p:notesMasterIdLst>
-    <p:notesMasterId r:id="rId12"/>
+    <p:notesMasterId r:id="rId13"/>
   </p:notesMasterIdLst>
   <p:sldIdLst>
     <p:sldId id="256" r:id="rId2"/>
@@ -16,8 +16,9 @@
     <p:sldId id="265" r:id="rId7"/>
     <p:sldId id="264" r:id="rId8"/>
     <p:sldId id="257" r:id="rId9"/>
-    <p:sldId id="259" r:id="rId10"/>
-    <p:sldId id="260" r:id="rId11"/>
+    <p:sldId id="266" r:id="rId10"/>
+    <p:sldId id="259" r:id="rId11"/>
+    <p:sldId id="260" r:id="rId12"/>
   </p:sldIdLst>
   <p:sldSz cx="12192000" cy="6858000"/>
   <p:notesSz cx="6858000" cy="9144000"/>
@@ -118,7 +119,18 @@
   </p:defaultTextStyle>
   <p:extLst>
     <p:ext uri="{EFAFB233-063F-42B5-8137-9DF3F51BA10A}">
-      <p15:sldGuideLst xmlns:p15="http://schemas.microsoft.com/office/powerpoint/2012/main" xmlns=""/>
+      <p15:sldGuideLst xmlns:p15="http://schemas.microsoft.com/office/powerpoint/2012/main">
+        <p15:guide id="1" orient="horz" pos="2160">
+          <p15:clr>
+            <a:srgbClr val="A4A3A4"/>
+          </p15:clr>
+        </p15:guide>
+        <p15:guide id="2" pos="3840">
+          <p15:clr>
+            <a:srgbClr val="A4A3A4"/>
+          </p15:clr>
+        </p15:guide>
+      </p15:sldGuideLst>
     </p:ext>
   </p:extLst>
 </p:presentation>
@@ -3225,11 +3237,11 @@
             </a:pPr>
             <a:r>
               <a:rPr lang="en-ZA" dirty="0" smtClean="0"/>
-              <a:t>RSA for secure channel upon</a:t>
+              <a:t>Separation</a:t>
             </a:r>
             <a:r>
               <a:rPr lang="en-ZA" baseline="0" dirty="0" smtClean="0"/>
-              <a:t> member invite.</a:t>
+              <a:t> of concerns.</a:t>
             </a:r>
           </a:p>
           <a:p>
@@ -3239,7 +3251,7 @@
             </a:pPr>
             <a:r>
               <a:rPr lang="en-ZA" baseline="0" dirty="0" smtClean="0"/>
-              <a:t>AES secret key is sent through this channel.</a:t>
+              <a:t>Allowing different implementations of certain aspects to be interchanged through use of interfaces.</a:t>
             </a:r>
           </a:p>
           <a:p>
@@ -3249,7 +3261,37 @@
             </a:pPr>
             <a:r>
               <a:rPr lang="en-ZA" baseline="0" dirty="0" smtClean="0"/>
-              <a:t>AES used for normal communication thereafter.</a:t>
+              <a:t>Patters:</a:t>
+            </a:r>
+          </a:p>
+          <a:p>
+            <a:pPr marL="628650" lvl="1" indent="-171450">
+              <a:buFont typeface="Arial" panose="020B0604020202020204" pitchFamily="34" charset="0"/>
+              <a:buChar char="•"/>
+            </a:pPr>
+            <a:r>
+              <a:rPr lang="en-ZA" baseline="0" dirty="0" smtClean="0"/>
+              <a:t>Strategy used for message sending based on whether or not encryption is used.</a:t>
+            </a:r>
+          </a:p>
+          <a:p>
+            <a:pPr marL="628650" lvl="1" indent="-171450">
+              <a:buFont typeface="Arial" panose="020B0604020202020204" pitchFamily="34" charset="0"/>
+              <a:buChar char="•"/>
+            </a:pPr>
+            <a:r>
+              <a:rPr lang="en-ZA" baseline="0" dirty="0" smtClean="0"/>
+              <a:t>Factory to produce the correct messaging strategy based on encryption type, also for providing the correct storage mechanism.</a:t>
+            </a:r>
+          </a:p>
+          <a:p>
+            <a:pPr marL="628650" lvl="1" indent="-171450">
+              <a:buFont typeface="Arial" panose="020B0604020202020204" pitchFamily="34" charset="0"/>
+              <a:buChar char="•"/>
+            </a:pPr>
+            <a:r>
+              <a:rPr lang="en-ZA" baseline="0" dirty="0" smtClean="0"/>
+              <a:t>Singleton used for Listener, Manager and Storage.</a:t>
             </a:r>
             <a:endParaRPr lang="en-GB" dirty="0"/>
           </a:p>
@@ -3281,7 +3323,7 @@
     </p:spTree>
     <p:extLst>
       <p:ext uri="{BB962C8B-B14F-4D97-AF65-F5344CB8AC3E}">
-        <p14:creationId xmlns:p14="http://schemas.microsoft.com/office/powerpoint/2010/main" val="1486576197"/>
+        <p14:creationId xmlns:p14="http://schemas.microsoft.com/office/powerpoint/2010/main" val="3027012600"/>
       </p:ext>
     </p:extLst>
   </p:cSld>
@@ -3335,6 +3377,38 @@
           <a:bodyPr/>
           <a:lstStyle/>
           <a:p>
+            <a:pPr marL="171450" indent="-171450">
+              <a:buFont typeface="Arial" panose="020B0604020202020204" pitchFamily="34" charset="0"/>
+              <a:buChar char="•"/>
+            </a:pPr>
+            <a:r>
+              <a:rPr lang="en-ZA" dirty="0" smtClean="0"/>
+              <a:t>RSA for secure channel upon</a:t>
+            </a:r>
+            <a:r>
+              <a:rPr lang="en-ZA" baseline="0" dirty="0" smtClean="0"/>
+              <a:t> member invite.</a:t>
+            </a:r>
+          </a:p>
+          <a:p>
+            <a:pPr marL="171450" indent="-171450">
+              <a:buFont typeface="Arial" panose="020B0604020202020204" pitchFamily="34" charset="0"/>
+              <a:buChar char="•"/>
+            </a:pPr>
+            <a:r>
+              <a:rPr lang="en-ZA" baseline="0" dirty="0" smtClean="0"/>
+              <a:t>AES secret key is sent through this channel.</a:t>
+            </a:r>
+          </a:p>
+          <a:p>
+            <a:pPr marL="171450" indent="-171450">
+              <a:buFont typeface="Arial" panose="020B0604020202020204" pitchFamily="34" charset="0"/>
+              <a:buChar char="•"/>
+            </a:pPr>
+            <a:r>
+              <a:rPr lang="en-ZA" baseline="0" dirty="0" smtClean="0"/>
+              <a:t>AES used for normal communication thereafter.</a:t>
+            </a:r>
             <a:endParaRPr lang="en-GB" dirty="0"/>
           </a:p>
         </p:txBody>
@@ -3357,6 +3431,90 @@
             <a:fld id="{2DF68108-A486-4586-8CEF-6E2E90BB08D2}" type="slidenum">
               <a:rPr lang="en-GB" smtClean="0"/>
               <a:t>10</a:t>
+            </a:fld>
+            <a:endParaRPr lang="en-GB"/>
+          </a:p>
+        </p:txBody>
+      </p:sp>
+    </p:spTree>
+    <p:extLst>
+      <p:ext uri="{BB962C8B-B14F-4D97-AF65-F5344CB8AC3E}">
+        <p14:creationId xmlns:p14="http://schemas.microsoft.com/office/powerpoint/2010/main" val="1486576197"/>
+      </p:ext>
+    </p:extLst>
+  </p:cSld>
+  <p:clrMapOvr>
+    <a:masterClrMapping/>
+  </p:clrMapOvr>
+</p:notes>
+</file>
+
+<file path=ppt/notesSlides/notesSlide7.xml><?xml version="1.0" encoding="utf-8"?>
+<p:notes xmlns:a="http://schemas.openxmlformats.org/drawingml/2006/main" xmlns:r="http://schemas.openxmlformats.org/officeDocument/2006/relationships" xmlns:p="http://schemas.openxmlformats.org/presentationml/2006/main">
+  <p:cSld>
+    <p:spTree>
+      <p:nvGrpSpPr>
+        <p:cNvPr id="1" name=""/>
+        <p:cNvGrpSpPr/>
+        <p:nvPr/>
+      </p:nvGrpSpPr>
+      <p:grpSpPr>
+        <a:xfrm>
+          <a:off x="0" y="0"/>
+          <a:ext cx="0" cy="0"/>
+          <a:chOff x="0" y="0"/>
+          <a:chExt cx="0" cy="0"/>
+        </a:xfrm>
+      </p:grpSpPr>
+      <p:sp>
+        <p:nvSpPr>
+          <p:cNvPr id="2" name="Slide Image Placeholder 1"/>
+          <p:cNvSpPr>
+            <a:spLocks noGrp="1" noRot="1" noChangeAspect="1"/>
+          </p:cNvSpPr>
+          <p:nvPr>
+            <p:ph type="sldImg"/>
+          </p:nvPr>
+        </p:nvSpPr>
+        <p:spPr/>
+      </p:sp>
+      <p:sp>
+        <p:nvSpPr>
+          <p:cNvPr id="3" name="Notes Placeholder 2"/>
+          <p:cNvSpPr>
+            <a:spLocks noGrp="1"/>
+          </p:cNvSpPr>
+          <p:nvPr>
+            <p:ph type="body" idx="1"/>
+          </p:nvPr>
+        </p:nvSpPr>
+        <p:spPr/>
+        <p:txBody>
+          <a:bodyPr/>
+          <a:lstStyle/>
+          <a:p>
+            <a:endParaRPr lang="en-GB" dirty="0"/>
+          </a:p>
+        </p:txBody>
+      </p:sp>
+      <p:sp>
+        <p:nvSpPr>
+          <p:cNvPr id="4" name="Slide Number Placeholder 3"/>
+          <p:cNvSpPr>
+            <a:spLocks noGrp="1"/>
+          </p:cNvSpPr>
+          <p:nvPr>
+            <p:ph type="sldNum" sz="quarter" idx="10"/>
+          </p:nvPr>
+        </p:nvSpPr>
+        <p:spPr/>
+        <p:txBody>
+          <a:bodyPr/>
+          <a:lstStyle/>
+          <a:p>
+            <a:fld id="{2DF68108-A486-4586-8CEF-6E2E90BB08D2}" type="slidenum">
+              <a:rPr lang="en-GB" smtClean="0"/>
+              <a:t>11</a:t>
             </a:fld>
             <a:endParaRPr lang="en-GB"/>
           </a:p>
@@ -15898,6 +16056,135 @@
                   </a:schemeClr>
                 </a:solidFill>
               </a:rPr>
+              <a:t>Encryption</a:t>
+            </a:r>
+            <a:endParaRPr lang="en-GB" sz="4400" dirty="0">
+              <a:solidFill>
+                <a:schemeClr val="accent1">
+                  <a:lumMod val="60000"/>
+                  <a:lumOff val="40000"/>
+                </a:schemeClr>
+              </a:solidFill>
+            </a:endParaRPr>
+          </a:p>
+        </p:txBody>
+      </p:sp>
+      <p:sp>
+        <p:nvSpPr>
+          <p:cNvPr id="3" name="Content Placeholder 2"/>
+          <p:cNvSpPr>
+            <a:spLocks noGrp="1"/>
+          </p:cNvSpPr>
+          <p:nvPr>
+            <p:ph idx="1"/>
+          </p:nvPr>
+        </p:nvSpPr>
+        <p:spPr/>
+        <p:txBody>
+          <a:bodyPr>
+            <a:normAutofit/>
+          </a:bodyPr>
+          <a:lstStyle/>
+          <a:p>
+            <a:r>
+              <a:rPr lang="en-ZA" sz="2800" dirty="0" smtClean="0"/>
+              <a:t>RSA Encryption</a:t>
+            </a:r>
+          </a:p>
+          <a:p>
+            <a:pPr lvl="1"/>
+            <a:r>
+              <a:rPr lang="en-ZA" sz="2400" dirty="0" smtClean="0"/>
+              <a:t>Secret Key Exchange</a:t>
+            </a:r>
+          </a:p>
+          <a:p>
+            <a:r>
+              <a:rPr lang="en-ZA" sz="2800" dirty="0" smtClean="0"/>
+              <a:t>AES 256 Encryption</a:t>
+            </a:r>
+          </a:p>
+          <a:p>
+            <a:pPr lvl="1"/>
+            <a:r>
+              <a:rPr lang="en-ZA" sz="2400" dirty="0" smtClean="0"/>
+              <a:t>Normal Messaging</a:t>
+            </a:r>
+          </a:p>
+          <a:p>
+            <a:pPr lvl="1"/>
+            <a:r>
+              <a:rPr lang="en-ZA" sz="2400" dirty="0" smtClean="0"/>
+              <a:t>Administrative Tasks</a:t>
+            </a:r>
+            <a:endParaRPr lang="en-GB" sz="2400" dirty="0"/>
+          </a:p>
+        </p:txBody>
+      </p:sp>
+    </p:spTree>
+    <p:extLst>
+      <p:ext uri="{BB962C8B-B14F-4D97-AF65-F5344CB8AC3E}">
+        <p14:creationId xmlns:p14="http://schemas.microsoft.com/office/powerpoint/2010/main" val="1362856923"/>
+      </p:ext>
+    </p:extLst>
+  </p:cSld>
+  <p:clrMapOvr>
+    <a:masterClrMapping/>
+  </p:clrMapOvr>
+  <p:timing>
+    <p:tnLst>
+      <p:par>
+        <p:cTn id="1" dur="indefinite" restart="never" nodeType="tmRoot"/>
+      </p:par>
+    </p:tnLst>
+  </p:timing>
+</p:sld>
+</file>
+
+<file path=ppt/slides/slide11.xml><?xml version="1.0" encoding="utf-8"?>
+<p:sld xmlns:a="http://schemas.openxmlformats.org/drawingml/2006/main" xmlns:r="http://schemas.openxmlformats.org/officeDocument/2006/relationships" xmlns:p="http://schemas.openxmlformats.org/presentationml/2006/main">
+  <p:cSld>
+    <p:spTree>
+      <p:nvGrpSpPr>
+        <p:cNvPr id="1" name=""/>
+        <p:cNvGrpSpPr/>
+        <p:nvPr/>
+      </p:nvGrpSpPr>
+      <p:grpSpPr>
+        <a:xfrm>
+          <a:off x="0" y="0"/>
+          <a:ext cx="0" cy="0"/>
+          <a:chOff x="0" y="0"/>
+          <a:chExt cx="0" cy="0"/>
+        </a:xfrm>
+      </p:grpSpPr>
+      <p:sp>
+        <p:nvSpPr>
+          <p:cNvPr id="2" name="Title 1"/>
+          <p:cNvSpPr>
+            <a:spLocks noGrp="1"/>
+          </p:cNvSpPr>
+          <p:nvPr>
+            <p:ph type="title"/>
+          </p:nvPr>
+        </p:nvSpPr>
+        <p:spPr/>
+        <p:txBody>
+          <a:bodyPr>
+            <a:normAutofit/>
+          </a:bodyPr>
+          <a:lstStyle/>
+          <a:p>
+            <a:pPr algn="ctr"/>
+            <a:r>
+              <a:rPr lang="en-ZA" sz="4400" dirty="0">
+                <a:solidFill>
+                  <a:schemeClr val="accent1">
+                    <a:lumMod val="60000"/>
+                    <a:lumOff val="40000"/>
+                  </a:schemeClr>
+                </a:solidFill>
+              </a:rPr>
               <a:t>Questions</a:t>
             </a:r>
             <a:endParaRPr lang="en-GB" sz="4400" dirty="0">
@@ -16335,7 +16622,7 @@
         <p:spPr/>
         <p:txBody>
           <a:bodyPr>
-            <a:normAutofit/>
+            <a:normAutofit fontScale="92500" lnSpcReduction="10000"/>
           </a:bodyPr>
           <a:lstStyle/>
           <a:p>
@@ -16374,7 +16661,17 @@
           <a:p>
             <a:r>
               <a:rPr lang="en-ZA" sz="2800" dirty="0" smtClean="0"/>
-              <a:t>UI Improvements</a:t>
+              <a:t>UI </a:t>
+            </a:r>
+            <a:r>
+              <a:rPr lang="en-ZA" sz="2800" dirty="0" smtClean="0"/>
+              <a:t>Improvements</a:t>
+            </a:r>
+          </a:p>
+          <a:p>
+            <a:r>
+              <a:rPr lang="en-ZA" sz="2800" smtClean="0"/>
+              <a:t>Waterfall</a:t>
             </a:r>
             <a:endParaRPr lang="en-GB" sz="2800" dirty="0" smtClean="0"/>
           </a:p>
@@ -16482,21 +16779,13 @@
           <a:p>
             <a:r>
               <a:rPr lang="en-ZA" sz="2800" dirty="0" smtClean="0"/>
-              <a:t>Interface </a:t>
+              <a:t>Interface Consistency</a:t>
             </a:r>
+          </a:p>
+          <a:p>
             <a:r>
               <a:rPr lang="en-ZA" sz="2800" dirty="0" smtClean="0"/>
-              <a:t>Consistency</a:t>
-            </a:r>
-          </a:p>
-          <a:p>
-            <a:r>
-              <a:rPr lang="en-ZA" sz="2800" dirty="0" smtClean="0"/>
-              <a:t>Separation of Individual and Group </a:t>
-            </a:r>
-            <a:r>
-              <a:rPr lang="en-ZA" sz="2800" dirty="0" smtClean="0"/>
-              <a:t>Chats</a:t>
+              <a:t>Separation of Individual and Group Chats</a:t>
             </a:r>
           </a:p>
           <a:p>
@@ -16724,10 +17013,24 @@
           <a:p>
             <a:pPr algn="ctr"/>
             <a:r>
-              <a:rPr lang="en-ZA" dirty="0" smtClean="0"/>
+              <a:rPr lang="en-ZA" dirty="0" smtClean="0">
+                <a:solidFill>
+                  <a:schemeClr val="bg1">
+                    <a:lumMod val="95000"/>
+                    <a:lumOff val="5000"/>
+                  </a:schemeClr>
+                </a:solidFill>
+              </a:rPr>
               <a:t>Message Listener</a:t>
             </a:r>
-            <a:endParaRPr lang="en-GB" dirty="0"/>
+            <a:endParaRPr lang="en-GB" dirty="0">
+              <a:solidFill>
+                <a:schemeClr val="bg1">
+                  <a:lumMod val="95000"/>
+                  <a:lumOff val="5000"/>
+                </a:schemeClr>
+              </a:solidFill>
+            </a:endParaRPr>
           </a:p>
         </p:txBody>
       </p:sp>
@@ -16768,14 +17071,35 @@
           <a:p>
             <a:pPr algn="ctr"/>
             <a:r>
-              <a:rPr lang="en-ZA" dirty="0" err="1" smtClean="0"/>
+              <a:rPr lang="en-ZA" dirty="0" err="1" smtClean="0">
+                <a:solidFill>
+                  <a:schemeClr val="bg1">
+                    <a:lumMod val="95000"/>
+                    <a:lumOff val="5000"/>
+                  </a:schemeClr>
+                </a:solidFill>
+              </a:rPr>
               <a:t>Linphone</a:t>
             </a:r>
             <a:r>
-              <a:rPr lang="en-ZA" dirty="0" smtClean="0"/>
+              <a:rPr lang="en-ZA" dirty="0" smtClean="0">
+                <a:solidFill>
+                  <a:schemeClr val="bg1">
+                    <a:lumMod val="95000"/>
+                    <a:lumOff val="5000"/>
+                  </a:schemeClr>
+                </a:solidFill>
+              </a:rPr>
               <a:t> Manager</a:t>
             </a:r>
-            <a:endParaRPr lang="en-GB" dirty="0"/>
+            <a:endParaRPr lang="en-GB" dirty="0">
+              <a:solidFill>
+                <a:schemeClr val="bg1">
+                  <a:lumMod val="95000"/>
+                  <a:lumOff val="5000"/>
+                </a:schemeClr>
+              </a:solidFill>
+            </a:endParaRPr>
           </a:p>
         </p:txBody>
       </p:sp>
@@ -16816,10 +17140,24 @@
           <a:p>
             <a:pPr algn="ctr"/>
             <a:r>
-              <a:rPr lang="en-ZA" dirty="0" smtClean="0"/>
+              <a:rPr lang="en-ZA" dirty="0" smtClean="0">
+                <a:solidFill>
+                  <a:schemeClr val="bg1">
+                    <a:lumMod val="95000"/>
+                    <a:lumOff val="5000"/>
+                  </a:schemeClr>
+                </a:solidFill>
+              </a:rPr>
               <a:t>Group Chat Manager</a:t>
             </a:r>
-            <a:endParaRPr lang="en-GB" dirty="0"/>
+            <a:endParaRPr lang="en-GB" dirty="0">
+              <a:solidFill>
+                <a:schemeClr val="bg1">
+                  <a:lumMod val="95000"/>
+                  <a:lumOff val="5000"/>
+                </a:schemeClr>
+              </a:solidFill>
+            </a:endParaRPr>
           </a:p>
         </p:txBody>
       </p:sp>
@@ -16860,10 +17198,24 @@
           <a:p>
             <a:pPr algn="ctr"/>
             <a:r>
-              <a:rPr lang="en-ZA" dirty="0" smtClean="0"/>
+              <a:rPr lang="en-ZA" dirty="0" smtClean="0">
+                <a:solidFill>
+                  <a:schemeClr val="bg1">
+                    <a:lumMod val="95000"/>
+                    <a:lumOff val="5000"/>
+                  </a:schemeClr>
+                </a:solidFill>
+              </a:rPr>
               <a:t>Group Chat</a:t>
             </a:r>
-            <a:endParaRPr lang="en-GB" dirty="0"/>
+            <a:endParaRPr lang="en-GB" dirty="0">
+              <a:solidFill>
+                <a:schemeClr val="bg1">
+                  <a:lumMod val="95000"/>
+                  <a:lumOff val="5000"/>
+                </a:schemeClr>
+              </a:solidFill>
+            </a:endParaRPr>
           </a:p>
         </p:txBody>
       </p:sp>
@@ -16904,10 +17256,24 @@
           <a:p>
             <a:pPr algn="ctr"/>
             <a:r>
-              <a:rPr lang="en-ZA" dirty="0" smtClean="0"/>
+              <a:rPr lang="en-ZA" dirty="0" smtClean="0">
+                <a:solidFill>
+                  <a:schemeClr val="bg1">
+                    <a:lumMod val="95000"/>
+                    <a:lumOff val="5000"/>
+                  </a:schemeClr>
+                </a:solidFill>
+              </a:rPr>
               <a:t>Group Chat</a:t>
             </a:r>
-            <a:endParaRPr lang="en-GB" dirty="0"/>
+            <a:endParaRPr lang="en-GB" dirty="0">
+              <a:solidFill>
+                <a:schemeClr val="bg1">
+                  <a:lumMod val="95000"/>
+                  <a:lumOff val="5000"/>
+                </a:schemeClr>
+              </a:solidFill>
+            </a:endParaRPr>
           </a:p>
         </p:txBody>
       </p:sp>
@@ -16948,10 +17314,24 @@
           <a:p>
             <a:pPr algn="ctr"/>
             <a:r>
-              <a:rPr lang="en-ZA" dirty="0" smtClean="0"/>
+              <a:rPr lang="en-ZA" dirty="0" smtClean="0">
+                <a:solidFill>
+                  <a:schemeClr val="bg1">
+                    <a:lumMod val="95000"/>
+                    <a:lumOff val="5000"/>
+                  </a:schemeClr>
+                </a:solidFill>
+              </a:rPr>
               <a:t>Group Chat</a:t>
             </a:r>
-            <a:endParaRPr lang="en-GB" dirty="0"/>
+            <a:endParaRPr lang="en-GB" dirty="0">
+              <a:solidFill>
+                <a:schemeClr val="bg1">
+                  <a:lumMod val="95000"/>
+                  <a:lumOff val="5000"/>
+                </a:schemeClr>
+              </a:solidFill>
+            </a:endParaRPr>
           </a:p>
         </p:txBody>
       </p:sp>
@@ -17242,10 +17622,24 @@
           <a:p>
             <a:pPr algn="ctr"/>
             <a:r>
-              <a:rPr lang="en-ZA" dirty="0" smtClean="0"/>
+              <a:rPr lang="en-ZA" dirty="0" smtClean="0">
+                <a:solidFill>
+                  <a:schemeClr val="bg1">
+                    <a:lumMod val="95000"/>
+                    <a:lumOff val="5000"/>
+                  </a:schemeClr>
+                </a:solidFill>
+              </a:rPr>
               <a:t>Storage</a:t>
             </a:r>
-            <a:endParaRPr lang="en-GB" dirty="0"/>
+            <a:endParaRPr lang="en-GB" dirty="0">
+              <a:solidFill>
+                <a:schemeClr val="bg1">
+                  <a:lumMod val="95000"/>
+                  <a:lumOff val="5000"/>
+                </a:schemeClr>
+              </a:solidFill>
+            </a:endParaRPr>
           </a:p>
         </p:txBody>
       </p:sp>
@@ -17286,10 +17680,24 @@
           <a:p>
             <a:pPr algn="ctr"/>
             <a:r>
-              <a:rPr lang="en-ZA" dirty="0" smtClean="0"/>
+              <a:rPr lang="en-ZA" dirty="0" smtClean="0">
+                <a:solidFill>
+                  <a:schemeClr val="bg1">
+                    <a:lumMod val="95000"/>
+                    <a:lumOff val="5000"/>
+                  </a:schemeClr>
+                </a:solidFill>
+              </a:rPr>
               <a:t>Encryption</a:t>
             </a:r>
-            <a:endParaRPr lang="en-GB" dirty="0"/>
+            <a:endParaRPr lang="en-GB" dirty="0">
+              <a:solidFill>
+                <a:schemeClr val="bg1">
+                  <a:lumMod val="95000"/>
+                  <a:lumOff val="5000"/>
+                </a:schemeClr>
+              </a:solidFill>
+            </a:endParaRPr>
           </a:p>
         </p:txBody>
       </p:sp>
@@ -17607,7 +18015,12 @@
             <p:ph type="title"/>
           </p:nvPr>
         </p:nvSpPr>
-        <p:spPr/>
+        <p:spPr>
+          <a:xfrm>
+            <a:off x="1141414" y="106890"/>
+            <a:ext cx="9905998" cy="1478570"/>
+          </a:xfrm>
+        </p:spPr>
         <p:txBody>
           <a:bodyPr>
             <a:normAutofit/>
@@ -17624,7 +18037,7 @@
                   </a:schemeClr>
                 </a:solidFill>
               </a:rPr>
-              <a:t>Encryption</a:t>
+              <a:t>Design</a:t>
             </a:r>
             <a:endParaRPr lang="en-GB" sz="4400" dirty="0">
               <a:solidFill>
@@ -17637,62 +18050,40 @@
           </a:p>
         </p:txBody>
       </p:sp>
-      <p:sp>
-        <p:nvSpPr>
-          <p:cNvPr id="3" name="Content Placeholder 2"/>
-          <p:cNvSpPr>
-            <a:spLocks noGrp="1"/>
-          </p:cNvSpPr>
-          <p:nvPr>
-            <p:ph idx="1"/>
-          </p:nvPr>
-        </p:nvSpPr>
-        <p:spPr/>
-        <p:txBody>
-          <a:bodyPr>
-            <a:normAutofit/>
-          </a:bodyPr>
-          <a:lstStyle/>
-          <a:p>
-            <a:r>
-              <a:rPr lang="en-ZA" sz="2800" dirty="0" smtClean="0"/>
-              <a:t>RSA Encryption</a:t>
-            </a:r>
-          </a:p>
-          <a:p>
-            <a:pPr lvl="1"/>
-            <a:r>
-              <a:rPr lang="en-ZA" sz="2400" dirty="0" smtClean="0"/>
-              <a:t>Secret Key Exchange</a:t>
-            </a:r>
-          </a:p>
-          <a:p>
-            <a:r>
-              <a:rPr lang="en-ZA" sz="2800" dirty="0" smtClean="0"/>
-              <a:t>AES 256 Encryption</a:t>
-            </a:r>
-          </a:p>
-          <a:p>
-            <a:pPr lvl="1"/>
-            <a:r>
-              <a:rPr lang="en-ZA" sz="2400" dirty="0" smtClean="0"/>
-              <a:t>Normal Messaging</a:t>
-            </a:r>
-          </a:p>
-          <a:p>
-            <a:pPr lvl="1"/>
-            <a:r>
-              <a:rPr lang="en-ZA" sz="2400" dirty="0" smtClean="0"/>
-              <a:t>Administrative Tasks</a:t>
-            </a:r>
-            <a:endParaRPr lang="en-GB" sz="2400" dirty="0"/>
-          </a:p>
-        </p:txBody>
-      </p:sp>
+      <p:pic>
+        <p:nvPicPr>
+          <p:cNvPr id="5" name="Picture 4"/>
+          <p:cNvPicPr>
+            <a:picLocks noChangeAspect="1"/>
+          </p:cNvPicPr>
+          <p:nvPr/>
+        </p:nvPicPr>
+        <p:blipFill>
+          <a:blip r:embed="rId3">
+            <a:extLst>
+              <a:ext uri="{28A0092B-C50C-407E-A947-70E740481C1C}">
+                <a14:useLocalDpi xmlns:a14="http://schemas.microsoft.com/office/drawing/2010/main" val="0"/>
+              </a:ext>
+            </a:extLst>
+          </a:blip>
+          <a:stretch>
+            <a:fillRect/>
+          </a:stretch>
+        </p:blipFill>
+        <p:spPr>
+          <a:xfrm>
+            <a:off x="1990245" y="0"/>
+            <a:ext cx="8208336" cy="6858000"/>
+          </a:xfrm>
+          <a:prstGeom prst="rect">
+            <a:avLst/>
+          </a:prstGeom>
+        </p:spPr>
+      </p:pic>
     </p:spTree>
     <p:extLst>
       <p:ext uri="{BB962C8B-B14F-4D97-AF65-F5344CB8AC3E}">
-        <p14:creationId xmlns:p14="http://schemas.microsoft.com/office/powerpoint/2010/main" val="1362856923"/>
+        <p14:creationId xmlns:p14="http://schemas.microsoft.com/office/powerpoint/2010/main" val="1979110617"/>
       </p:ext>
     </p:extLst>
   </p:cSld>
@@ -17954,7 +18345,7 @@
   <a:extraClrSchemeLst/>
   <a:extLst>
     <a:ext uri="{05A4C25C-085E-4340-85A3-A5531E510DB2}">
-      <thm15:themeFamily xmlns:thm15="http://schemas.microsoft.com/office/thememl/2012/main" xmlns="" name="Circuit" id="{0AC2F7E7-15F5-431C-B2A2-456FE929F56C}" vid="{97ECCC31-8429-4523-BE8D-8F09B7A4D46D}"/>
+      <thm15:themeFamily xmlns:thm15="http://schemas.microsoft.com/office/thememl/2012/main" name="Circuit" id="{0AC2F7E7-15F5-431C-B2A2-456FE929F56C}" vid="{97ECCC31-8429-4523-BE8D-8F09B7A4D46D}"/>
     </a:ext>
   </a:extLst>
 </a:theme>
@@ -18215,7 +18606,7 @@
   <a:extraClrSchemeLst/>
   <a:extLst>
     <a:ext uri="{05A4C25C-085E-4340-85A3-A5531E510DB2}">
-      <thm15:themeFamily xmlns:thm15="http://schemas.microsoft.com/office/thememl/2012/main" xmlns="" name="Office Theme" id="{62F939B6-93AF-4DB8-9C6B-D6C7DFDC589F}" vid="{4A3C46E8-61CC-4603-A589-7422A47A8E4A}"/>
+      <thm15:themeFamily xmlns:thm15="http://schemas.microsoft.com/office/thememl/2012/main" name="Office Theme" id="{62F939B6-93AF-4DB8-9C6B-D6C7DFDC589F}" vid="{4A3C46E8-61CC-4603-A589-7422A47A8E4A}"/>
     </a:ext>
   </a:extLst>
 </a:theme>
